--- a/Apra/2025/apra_2025/Apra 2025 Data Science Challenge Deck.pptx
+++ b/Apra/2025/apra_2025/Apra 2025 Data Science Challenge Deck.pptx
@@ -273,7 +273,7 @@
       <p15:sldGuideLst xmlns:p15="http://schemas.microsoft.com/office/powerpoint/2012/main"/>
     </p:ext>
     <p:ext uri="http://customooxmlschemas.google.com/">
-      <go:slidesCustomData xmlns="" xmlns:mc="http://schemas.openxmlformats.org/markup-compatibility/2006" xmlns:mv="urn:schemas-microsoft-com:mac:vml" xmlns:c="http://schemas.openxmlformats.org/drawingml/2006/chart" xmlns:dgm="http://schemas.openxmlformats.org/drawingml/2006/diagram" xmlns:o="urn:schemas-microsoft-com:office:office" xmlns:v="urn:schemas-microsoft-com:vml" xmlns:pvml="urn:schemas-microsoft-com:office:powerpoint" xmlns:com="http://schemas.openxmlformats.org/drawingml/2006/compatibility" xmlns:p14="http://schemas.microsoft.com/office/powerpoint/2010/main" xmlns:p15="http://schemas.microsoft.com/office/powerpoint/2012/main" xmlns:ahyp="http://schemas.microsoft.com/office/drawing/2018/hyperlinkcolor" xmlns:go="http://customooxmlschemas.google.com/" r:id="rId26" roundtripDataSignature="AMtx7mj/H3JGvhuesVkbz2DIx0gkc3B0nA=="/>
+      <go:slidesCustomData xmlns:go="http://customooxmlschemas.google.com/" xmlns:ahyp="http://schemas.microsoft.com/office/drawing/2018/hyperlinkcolor" xmlns:p15="http://schemas.microsoft.com/office/powerpoint/2012/main" xmlns:p14="http://schemas.microsoft.com/office/powerpoint/2010/main" xmlns:com="http://schemas.openxmlformats.org/drawingml/2006/compatibility" xmlns:pvml="urn:schemas-microsoft-com:office:powerpoint" xmlns:v="urn:schemas-microsoft-com:vml" xmlns:o="urn:schemas-microsoft-com:office:office" xmlns:dgm="http://schemas.openxmlformats.org/drawingml/2006/diagram" xmlns:c="http://schemas.openxmlformats.org/drawingml/2006/chart" xmlns:mv="urn:schemas-microsoft-com:mac:vml" xmlns:mc="http://schemas.openxmlformats.org/markup-compatibility/2006" xmlns="" r:id="rId26" roundtripDataSignature="AMtx7mj/H3JGvhuesVkbz2DIx0gkc3B0nA=="/>
     </p:ext>
   </p:extLst>
 </p:presentation>
@@ -4336,7 +4336,7 @@
         </p:nvSpPr>
         <p:spPr bwMode="auto">
           <a:xfrm rot="10800000">
-            <a:off x="3113645" y="1869896"/>
+            <a:off x="3288306" y="1849347"/>
             <a:ext cx="818911" cy="606359"/>
           </a:xfrm>
           <a:custGeom>
@@ -4573,7 +4573,7 @@
         </p:nvSpPr>
         <p:spPr bwMode="auto">
           <a:xfrm>
-            <a:off x="8477163" y="2630368"/>
+            <a:off x="8343599" y="2599545"/>
             <a:ext cx="786127" cy="604800"/>
           </a:xfrm>
           <a:custGeom>

--- a/Apra/2025/apra_2025/Apra 2025 Data Science Challenge Deck.pptx
+++ b/Apra/2025/apra_2025/Apra 2025 Data Science Challenge Deck.pptx
@@ -5,7 +5,7 @@
     <p:sldMasterId id="2147483648" r:id="rId1"/>
   </p:sldMasterIdLst>
   <p:notesMasterIdLst>
-    <p:notesMasterId r:id="rId21"/>
+    <p:notesMasterId r:id="rId27"/>
   </p:notesMasterIdLst>
   <p:sldIdLst>
     <p:sldId id="256" r:id="rId2"/>
@@ -14,29 +14,35 @@
     <p:sldId id="266" r:id="rId5"/>
     <p:sldId id="267" r:id="rId6"/>
     <p:sldId id="273" r:id="rId7"/>
-    <p:sldId id="274" r:id="rId8"/>
-    <p:sldId id="272" r:id="rId9"/>
-    <p:sldId id="268" r:id="rId10"/>
-    <p:sldId id="276" r:id="rId11"/>
-    <p:sldId id="275" r:id="rId12"/>
-    <p:sldId id="258" r:id="rId13"/>
-    <p:sldId id="259" r:id="rId14"/>
-    <p:sldId id="260" r:id="rId15"/>
-    <p:sldId id="261" r:id="rId16"/>
-    <p:sldId id="262" r:id="rId17"/>
-    <p:sldId id="263" r:id="rId18"/>
-    <p:sldId id="264" r:id="rId19"/>
-    <p:sldId id="265" r:id="rId20"/>
+    <p:sldId id="277" r:id="rId8"/>
+    <p:sldId id="278" r:id="rId9"/>
+    <p:sldId id="272" r:id="rId10"/>
+    <p:sldId id="280" r:id="rId11"/>
+    <p:sldId id="279" r:id="rId12"/>
+    <p:sldId id="281" r:id="rId13"/>
+    <p:sldId id="268" r:id="rId14"/>
+    <p:sldId id="276" r:id="rId15"/>
+    <p:sldId id="275" r:id="rId16"/>
+    <p:sldId id="282" r:id="rId17"/>
+    <p:sldId id="283" r:id="rId18"/>
+    <p:sldId id="258" r:id="rId19"/>
+    <p:sldId id="259" r:id="rId20"/>
+    <p:sldId id="260" r:id="rId21"/>
+    <p:sldId id="261" r:id="rId22"/>
+    <p:sldId id="262" r:id="rId23"/>
+    <p:sldId id="263" r:id="rId24"/>
+    <p:sldId id="264" r:id="rId25"/>
+    <p:sldId id="265" r:id="rId26"/>
   </p:sldIdLst>
   <p:sldSz cx="12192000" cy="6858000"/>
   <p:notesSz cx="6858000" cy="9144000"/>
   <p:embeddedFontLst>
     <p:embeddedFont>
       <p:font typeface="Corbel" panose="020B0503020204020204" pitchFamily="34" charset="0"/>
-      <p:regular r:id="rId22"/>
-      <p:bold r:id="rId23"/>
-      <p:italic r:id="rId24"/>
-      <p:boldItalic r:id="rId25"/>
+      <p:regular r:id="rId28"/>
+      <p:bold r:id="rId29"/>
+      <p:italic r:id="rId30"/>
+      <p:boldItalic r:id="rId31"/>
     </p:embeddedFont>
   </p:embeddedFontLst>
   <p:defaultTextStyle>
@@ -273,7 +279,7 @@
       <p15:sldGuideLst xmlns:p15="http://schemas.microsoft.com/office/powerpoint/2012/main"/>
     </p:ext>
     <p:ext uri="http://customooxmlschemas.google.com/">
-      <go:slidesCustomData xmlns:go="http://customooxmlschemas.google.com/" xmlns:ahyp="http://schemas.microsoft.com/office/drawing/2018/hyperlinkcolor" xmlns:p15="http://schemas.microsoft.com/office/powerpoint/2012/main" xmlns:p14="http://schemas.microsoft.com/office/powerpoint/2010/main" xmlns:com="http://schemas.openxmlformats.org/drawingml/2006/compatibility" xmlns:pvml="urn:schemas-microsoft-com:office:powerpoint" xmlns:v="urn:schemas-microsoft-com:vml" xmlns:o="urn:schemas-microsoft-com:office:office" xmlns:dgm="http://schemas.openxmlformats.org/drawingml/2006/diagram" xmlns:c="http://schemas.openxmlformats.org/drawingml/2006/chart" xmlns:mv="urn:schemas-microsoft-com:mac:vml" xmlns:mc="http://schemas.openxmlformats.org/markup-compatibility/2006" xmlns="" r:id="rId26" roundtripDataSignature="AMtx7mj/H3JGvhuesVkbz2DIx0gkc3B0nA=="/>
+      <go:slidesCustomData xmlns:go="http://customooxmlschemas.google.com/" xmlns:ahyp="http://schemas.microsoft.com/office/drawing/2018/hyperlinkcolor" xmlns:p15="http://schemas.microsoft.com/office/powerpoint/2012/main" xmlns:p14="http://schemas.microsoft.com/office/powerpoint/2010/main" xmlns:com="http://schemas.openxmlformats.org/drawingml/2006/compatibility" xmlns:pvml="urn:schemas-microsoft-com:office:powerpoint" xmlns:v="urn:schemas-microsoft-com:vml" xmlns:o="urn:schemas-microsoft-com:office:office" xmlns:dgm="http://schemas.openxmlformats.org/drawingml/2006/diagram" xmlns:c="http://schemas.openxmlformats.org/drawingml/2006/chart" xmlns:mv="urn:schemas-microsoft-com:mac:vml" xmlns:mc="http://schemas.openxmlformats.org/markup-compatibility/2006" xmlns="" r:id="rId32" roundtripDataSignature="AMtx7mj/H3JGvhuesVkbz2DIx0gkc3B0nA=="/>
     </p:ext>
   </p:extLst>
 </p:presentation>
@@ -3359,10 +3365,10 @@
       </p:grpSpPr>
       <p:sp>
         <p:nvSpPr>
-          <p:cNvPr id="3" name="Text Placeholder 2">
+          <p:cNvPr id="4" name="Text Placeholder 3">
             <a:extLst>
               <a:ext uri="{FF2B5EF4-FFF2-40B4-BE49-F238E27FC236}">
-                <a16:creationId xmlns:a16="http://schemas.microsoft.com/office/drawing/2014/main" id="{DDCDFF9B-EFAC-66ED-F9E4-A732730CD266}"/>
+                <a16:creationId xmlns:a16="http://schemas.microsoft.com/office/drawing/2014/main" id="{229049EE-DBCD-06A1-10C4-3CF9402809A5}"/>
               </a:ext>
             </a:extLst>
           </p:cNvPr>
@@ -3375,31 +3381,116 @@
         </p:nvSpPr>
         <p:spPr>
           <a:xfrm>
-            <a:off x="529597" y="0"/>
-            <a:ext cx="10675088" cy="748966"/>
+            <a:off x="1313379" y="4857187"/>
+            <a:ext cx="7561781" cy="2150537"/>
           </a:xfrm>
         </p:spPr>
         <p:txBody>
-          <a:bodyPr/>
+          <a:bodyPr>
+            <a:normAutofit/>
+          </a:bodyPr>
           <a:lstStyle/>
           <a:p>
+            <a:pPr marL="514350" indent="-285750">
+              <a:buClr>
+                <a:schemeClr val="tx1">
+                  <a:lumMod val="50000"/>
+                </a:schemeClr>
+              </a:buClr>
+              <a:buSzPct val="100000"/>
+              <a:buFont typeface="Arial" panose="020B0604020202020204" pitchFamily="34" charset="0"/>
+              <a:buChar char="•"/>
+            </a:pPr>
             <a:r>
-              <a:rPr lang="en-US" b="1" dirty="0">
+              <a:rPr lang="en-US" sz="1600" dirty="0">
                 <a:solidFill>
                   <a:schemeClr val="tx2">
                     <a:lumMod val="10000"/>
                   </a:schemeClr>
                 </a:solidFill>
               </a:rPr>
-              <a:t>Gift Forecasting</a:t>
+              <a:t>Leverages </a:t>
+            </a:r>
+            <a:r>
+              <a:rPr lang="en-US" sz="1600" dirty="0">
+                <a:solidFill>
+                  <a:schemeClr val="tx2">
+                    <a:lumMod val="10000"/>
+                  </a:schemeClr>
+                </a:solidFill>
+                <a:hlinkClick r:id="rId2"/>
+              </a:rPr>
+              <a:t>RFM Analysis </a:t>
+            </a:r>
+            <a:r>
+              <a:rPr lang="en-US" sz="1600" dirty="0">
+                <a:solidFill>
+                  <a:schemeClr val="tx2">
+                    <a:lumMod val="10000"/>
+                  </a:schemeClr>
+                </a:solidFill>
+              </a:rPr>
+              <a:t>to segment donors using R</a:t>
+            </a:r>
+          </a:p>
+          <a:p>
+            <a:pPr marL="514350" indent="-285750">
+              <a:buClr>
+                <a:schemeClr val="tx1">
+                  <a:lumMod val="50000"/>
+                </a:schemeClr>
+              </a:buClr>
+              <a:buSzPct val="100000"/>
+              <a:buFont typeface="Arial" panose="020B0604020202020204" pitchFamily="34" charset="0"/>
+              <a:buChar char="•"/>
+            </a:pPr>
+            <a:r>
+              <a:rPr lang="en-US" sz="1600" dirty="0">
+                <a:solidFill>
+                  <a:schemeClr val="tx2">
+                    <a:lumMod val="10000"/>
+                  </a:schemeClr>
+                </a:solidFill>
+              </a:rPr>
+              <a:t>Highlights engagement strategy for each donor group</a:t>
             </a:r>
           </a:p>
         </p:txBody>
       </p:sp>
+      <p:pic>
+        <p:nvPicPr>
+          <p:cNvPr id="5" name="Picture 4">
+            <a:extLst>
+              <a:ext uri="{FF2B5EF4-FFF2-40B4-BE49-F238E27FC236}">
+                <a16:creationId xmlns:a16="http://schemas.microsoft.com/office/drawing/2014/main" id="{7B8B271A-C082-D490-1C28-742C264C47E4}"/>
+              </a:ext>
+            </a:extLst>
+          </p:cNvPr>
+          <p:cNvPicPr>
+            <a:picLocks noChangeAspect="1"/>
+          </p:cNvPicPr>
+          <p:nvPr/>
+        </p:nvPicPr>
+        <p:blipFill>
+          <a:blip r:embed="rId3"/>
+          <a:stretch>
+            <a:fillRect/>
+          </a:stretch>
+        </p:blipFill>
+        <p:spPr>
+          <a:xfrm>
+            <a:off x="1313379" y="471906"/>
+            <a:ext cx="9565242" cy="4269192"/>
+          </a:xfrm>
+          <a:prstGeom prst="rect">
+            <a:avLst/>
+          </a:prstGeom>
+        </p:spPr>
+      </p:pic>
     </p:spTree>
     <p:extLst>
       <p:ext uri="{BB962C8B-B14F-4D97-AF65-F5344CB8AC3E}">
-        <p14:creationId xmlns:p14="http://schemas.microsoft.com/office/powerpoint/2010/main" val="421623802"/>
+        <p14:creationId xmlns:p14="http://schemas.microsoft.com/office/powerpoint/2010/main" val="166117221"/>
       </p:ext>
     </p:extLst>
   </p:cSld>
@@ -3410,6 +3501,443 @@
 </file>
 
 <file path=ppt/slides/slide11.xml><?xml version="1.0" encoding="utf-8"?>
+<p:sld xmlns:a="http://schemas.openxmlformats.org/drawingml/2006/main" xmlns:r="http://schemas.openxmlformats.org/officeDocument/2006/relationships" xmlns:p="http://schemas.openxmlformats.org/presentationml/2006/main">
+  <p:cSld>
+    <p:spTree>
+      <p:nvGrpSpPr>
+        <p:cNvPr id="1" name=""/>
+        <p:cNvGrpSpPr/>
+        <p:nvPr/>
+      </p:nvGrpSpPr>
+      <p:grpSpPr>
+        <a:xfrm>
+          <a:off x="0" y="0"/>
+          <a:ext cx="0" cy="0"/>
+          <a:chOff x="0" y="0"/>
+          <a:chExt cx="0" cy="0"/>
+        </a:xfrm>
+      </p:grpSpPr>
+      <p:sp>
+        <p:nvSpPr>
+          <p:cNvPr id="4" name="Text Placeholder 3">
+            <a:extLst>
+              <a:ext uri="{FF2B5EF4-FFF2-40B4-BE49-F238E27FC236}">
+                <a16:creationId xmlns:a16="http://schemas.microsoft.com/office/drawing/2014/main" id="{229049EE-DBCD-06A1-10C4-3CF9402809A5}"/>
+              </a:ext>
+            </a:extLst>
+          </p:cNvPr>
+          <p:cNvSpPr>
+            <a:spLocks noGrp="1"/>
+          </p:cNvSpPr>
+          <p:nvPr>
+            <p:ph type="body" idx="1"/>
+          </p:nvPr>
+        </p:nvSpPr>
+        <p:spPr>
+          <a:xfrm>
+            <a:off x="378431" y="4281086"/>
+            <a:ext cx="7428215" cy="2273826"/>
+          </a:xfrm>
+        </p:spPr>
+        <p:txBody>
+          <a:bodyPr>
+            <a:normAutofit/>
+          </a:bodyPr>
+          <a:lstStyle/>
+          <a:p>
+            <a:pPr marL="514350" indent="-285750">
+              <a:buClr>
+                <a:schemeClr val="tx1">
+                  <a:lumMod val="50000"/>
+                </a:schemeClr>
+              </a:buClr>
+              <a:buSzPct val="100000"/>
+              <a:buFont typeface="Arial" panose="020B0604020202020204" pitchFamily="34" charset="0"/>
+              <a:buChar char="•"/>
+            </a:pPr>
+            <a:r>
+              <a:rPr lang="en-US" sz="1600" dirty="0">
+                <a:solidFill>
+                  <a:schemeClr val="tx2">
+                    <a:lumMod val="10000"/>
+                  </a:schemeClr>
+                </a:solidFill>
+              </a:rPr>
+              <a:t>Highlights the different donor segments</a:t>
+            </a:r>
+          </a:p>
+          <a:p>
+            <a:pPr marL="514350" indent="-285750">
+              <a:buClr>
+                <a:schemeClr val="tx1">
+                  <a:lumMod val="50000"/>
+                </a:schemeClr>
+              </a:buClr>
+              <a:buSzPct val="100000"/>
+              <a:buFont typeface="Arial" panose="020B0604020202020204" pitchFamily="34" charset="0"/>
+              <a:buChar char="•"/>
+            </a:pPr>
+            <a:r>
+              <a:rPr lang="en-US" sz="1600" dirty="0">
+                <a:solidFill>
+                  <a:schemeClr val="tx2">
+                    <a:lumMod val="10000"/>
+                  </a:schemeClr>
+                </a:solidFill>
+              </a:rPr>
+              <a:t>Opportunities to improve engagement with Promising donors, Can’t Lose Them, Loyal Customers</a:t>
+            </a:r>
+          </a:p>
+          <a:p>
+            <a:pPr marL="514350" indent="-285750">
+              <a:buClr>
+                <a:schemeClr val="tx1">
+                  <a:lumMod val="50000"/>
+                </a:schemeClr>
+              </a:buClr>
+              <a:buSzPct val="100000"/>
+              <a:buFont typeface="Arial" panose="020B0604020202020204" pitchFamily="34" charset="0"/>
+              <a:buChar char="•"/>
+            </a:pPr>
+            <a:r>
+              <a:rPr lang="en-US" sz="1600" dirty="0">
+                <a:solidFill>
+                  <a:schemeClr val="tx2">
+                    <a:lumMod val="10000"/>
+                  </a:schemeClr>
+                </a:solidFill>
+              </a:rPr>
+              <a:t>Have to reduce the amount of Lost donors</a:t>
+            </a:r>
+          </a:p>
+        </p:txBody>
+      </p:sp>
+      <p:pic>
+        <p:nvPicPr>
+          <p:cNvPr id="3" name="Picture 2">
+            <a:extLst>
+              <a:ext uri="{FF2B5EF4-FFF2-40B4-BE49-F238E27FC236}">
+                <a16:creationId xmlns:a16="http://schemas.microsoft.com/office/drawing/2014/main" id="{3726E04D-9E28-7C45-1C11-63E1AA1BB149}"/>
+              </a:ext>
+            </a:extLst>
+          </p:cNvPr>
+          <p:cNvPicPr>
+            <a:picLocks noChangeAspect="1"/>
+          </p:cNvPicPr>
+          <p:nvPr/>
+        </p:nvPicPr>
+        <p:blipFill>
+          <a:blip r:embed="rId2"/>
+          <a:stretch>
+            <a:fillRect/>
+          </a:stretch>
+        </p:blipFill>
+        <p:spPr>
+          <a:xfrm>
+            <a:off x="378431" y="486315"/>
+            <a:ext cx="11435138" cy="3794771"/>
+          </a:xfrm>
+          <a:prstGeom prst="rect">
+            <a:avLst/>
+          </a:prstGeom>
+        </p:spPr>
+      </p:pic>
+    </p:spTree>
+    <p:extLst>
+      <p:ext uri="{BB962C8B-B14F-4D97-AF65-F5344CB8AC3E}">
+        <p14:creationId xmlns:p14="http://schemas.microsoft.com/office/powerpoint/2010/main" val="3567673919"/>
+      </p:ext>
+    </p:extLst>
+  </p:cSld>
+  <p:clrMapOvr>
+    <a:masterClrMapping/>
+  </p:clrMapOvr>
+</p:sld>
+</file>
+
+<file path=ppt/slides/slide12.xml><?xml version="1.0" encoding="utf-8"?>
+<p:sld xmlns:a="http://schemas.openxmlformats.org/drawingml/2006/main" xmlns:r="http://schemas.openxmlformats.org/officeDocument/2006/relationships" xmlns:p="http://schemas.openxmlformats.org/presentationml/2006/main">
+  <p:cSld>
+    <p:spTree>
+      <p:nvGrpSpPr>
+        <p:cNvPr id="1" name=""/>
+        <p:cNvGrpSpPr/>
+        <p:nvPr/>
+      </p:nvGrpSpPr>
+      <p:grpSpPr>
+        <a:xfrm>
+          <a:off x="0" y="0"/>
+          <a:ext cx="0" cy="0"/>
+          <a:chOff x="0" y="0"/>
+          <a:chExt cx="0" cy="0"/>
+        </a:xfrm>
+      </p:grpSpPr>
+      <p:sp>
+        <p:nvSpPr>
+          <p:cNvPr id="4" name="Text Placeholder 3">
+            <a:extLst>
+              <a:ext uri="{FF2B5EF4-FFF2-40B4-BE49-F238E27FC236}">
+                <a16:creationId xmlns:a16="http://schemas.microsoft.com/office/drawing/2014/main" id="{229049EE-DBCD-06A1-10C4-3CF9402809A5}"/>
+              </a:ext>
+            </a:extLst>
+          </p:cNvPr>
+          <p:cNvSpPr>
+            <a:spLocks noGrp="1"/>
+          </p:cNvSpPr>
+          <p:nvPr>
+            <p:ph type="body" idx="1"/>
+          </p:nvPr>
+        </p:nvSpPr>
+        <p:spPr>
+          <a:xfrm>
+            <a:off x="378431" y="4281086"/>
+            <a:ext cx="7428215" cy="2273826"/>
+          </a:xfrm>
+        </p:spPr>
+        <p:txBody>
+          <a:bodyPr>
+            <a:normAutofit/>
+          </a:bodyPr>
+          <a:lstStyle/>
+          <a:p>
+            <a:pPr marL="514350" indent="-285750">
+              <a:buClr>
+                <a:schemeClr val="tx1">
+                  <a:lumMod val="50000"/>
+                </a:schemeClr>
+              </a:buClr>
+              <a:buSzPct val="100000"/>
+              <a:buFont typeface="Arial" panose="020B0604020202020204" pitchFamily="34" charset="0"/>
+              <a:buChar char="•"/>
+            </a:pPr>
+            <a:r>
+              <a:rPr lang="en-US" sz="1600" dirty="0">
+                <a:solidFill>
+                  <a:schemeClr val="tx2">
+                    <a:lumMod val="10000"/>
+                  </a:schemeClr>
+                </a:solidFill>
+              </a:rPr>
+              <a:t>Constituents assigned to donor segments</a:t>
+            </a:r>
+          </a:p>
+          <a:p>
+            <a:pPr marL="514350" indent="-285750">
+              <a:buClr>
+                <a:schemeClr val="tx1">
+                  <a:lumMod val="50000"/>
+                </a:schemeClr>
+              </a:buClr>
+              <a:buSzPct val="100000"/>
+              <a:buFont typeface="Arial" panose="020B0604020202020204" pitchFamily="34" charset="0"/>
+              <a:buChar char="•"/>
+            </a:pPr>
+            <a:r>
+              <a:rPr lang="en-US" sz="1600" dirty="0">
+                <a:solidFill>
+                  <a:schemeClr val="tx2">
+                    <a:lumMod val="10000"/>
+                  </a:schemeClr>
+                </a:solidFill>
+              </a:rPr>
+              <a:t>Can leverage the donor segment and drive tailored engagement strategy</a:t>
+            </a:r>
+          </a:p>
+          <a:p>
+            <a:pPr marL="514350" indent="-285750">
+              <a:buClr>
+                <a:schemeClr val="tx1">
+                  <a:lumMod val="50000"/>
+                </a:schemeClr>
+              </a:buClr>
+              <a:buSzPct val="100000"/>
+              <a:buFont typeface="Arial" panose="020B0604020202020204" pitchFamily="34" charset="0"/>
+              <a:buChar char="•"/>
+            </a:pPr>
+            <a:r>
+              <a:rPr lang="en-US" sz="1600" dirty="0">
+                <a:solidFill>
+                  <a:schemeClr val="tx2">
+                    <a:lumMod val="10000"/>
+                  </a:schemeClr>
+                </a:solidFill>
+              </a:rPr>
+              <a:t>Use donor segments for donation opportunities </a:t>
+            </a:r>
+          </a:p>
+          <a:p>
+            <a:pPr marL="971550" lvl="1" indent="-285750">
+              <a:buClr>
+                <a:schemeClr val="tx1">
+                  <a:lumMod val="50000"/>
+                </a:schemeClr>
+              </a:buClr>
+              <a:buSzPct val="100000"/>
+              <a:buFont typeface="Arial" panose="020B0604020202020204" pitchFamily="34" charset="0"/>
+              <a:buChar char="•"/>
+            </a:pPr>
+            <a:r>
+              <a:rPr lang="en-US" sz="1400" dirty="0">
+                <a:solidFill>
+                  <a:schemeClr val="tx2">
+                    <a:lumMod val="10000"/>
+                  </a:schemeClr>
+                </a:solidFill>
+              </a:rPr>
+              <a:t>forecasting future gifts </a:t>
+            </a:r>
+          </a:p>
+          <a:p>
+            <a:pPr marL="971550" lvl="1" indent="-285750">
+              <a:buClr>
+                <a:schemeClr val="tx1">
+                  <a:lumMod val="50000"/>
+                </a:schemeClr>
+              </a:buClr>
+              <a:buSzPct val="100000"/>
+              <a:buFont typeface="Arial" panose="020B0604020202020204" pitchFamily="34" charset="0"/>
+              <a:buChar char="•"/>
+            </a:pPr>
+            <a:r>
+              <a:rPr lang="en-US" sz="1400" dirty="0">
+                <a:solidFill>
+                  <a:schemeClr val="tx2">
+                    <a:lumMod val="10000"/>
+                  </a:schemeClr>
+                </a:solidFill>
+              </a:rPr>
+              <a:t>Predicting gift amounts</a:t>
+            </a:r>
+          </a:p>
+          <a:p>
+            <a:pPr marL="514350" indent="-285750">
+              <a:buClr>
+                <a:schemeClr val="tx1">
+                  <a:lumMod val="50000"/>
+                </a:schemeClr>
+              </a:buClr>
+              <a:buSzPct val="100000"/>
+              <a:buFont typeface="Arial" panose="020B0604020202020204" pitchFamily="34" charset="0"/>
+              <a:buChar char="•"/>
+            </a:pPr>
+            <a:endParaRPr lang="en-US" sz="1600" dirty="0">
+              <a:solidFill>
+                <a:schemeClr val="tx2">
+                  <a:lumMod val="10000"/>
+                </a:schemeClr>
+              </a:solidFill>
+            </a:endParaRPr>
+          </a:p>
+        </p:txBody>
+      </p:sp>
+      <p:pic>
+        <p:nvPicPr>
+          <p:cNvPr id="5" name="Picture 4">
+            <a:extLst>
+              <a:ext uri="{FF2B5EF4-FFF2-40B4-BE49-F238E27FC236}">
+                <a16:creationId xmlns:a16="http://schemas.microsoft.com/office/drawing/2014/main" id="{835D6DCC-C3E6-4171-4DC6-7A050BB7A0A4}"/>
+              </a:ext>
+            </a:extLst>
+          </p:cNvPr>
+          <p:cNvPicPr>
+            <a:picLocks noChangeAspect="1"/>
+          </p:cNvPicPr>
+          <p:nvPr/>
+        </p:nvPicPr>
+        <p:blipFill>
+          <a:blip r:embed="rId2"/>
+          <a:stretch>
+            <a:fillRect/>
+          </a:stretch>
+        </p:blipFill>
+        <p:spPr>
+          <a:xfrm>
+            <a:off x="378430" y="303088"/>
+            <a:ext cx="10977001" cy="3683285"/>
+          </a:xfrm>
+          <a:prstGeom prst="rect">
+            <a:avLst/>
+          </a:prstGeom>
+        </p:spPr>
+      </p:pic>
+    </p:spTree>
+    <p:extLst>
+      <p:ext uri="{BB962C8B-B14F-4D97-AF65-F5344CB8AC3E}">
+        <p14:creationId xmlns:p14="http://schemas.microsoft.com/office/powerpoint/2010/main" val="3335202129"/>
+      </p:ext>
+    </p:extLst>
+  </p:cSld>
+  <p:clrMapOvr>
+    <a:masterClrMapping/>
+  </p:clrMapOvr>
+</p:sld>
+</file>
+
+<file path=ppt/slides/slide13.xml><?xml version="1.0" encoding="utf-8"?>
+<p:sld xmlns:a="http://schemas.openxmlformats.org/drawingml/2006/main" xmlns:r="http://schemas.openxmlformats.org/officeDocument/2006/relationships" xmlns:p="http://schemas.openxmlformats.org/presentationml/2006/main">
+  <p:cSld>
+    <p:spTree>
+      <p:nvGrpSpPr>
+        <p:cNvPr id="1" name=""/>
+        <p:cNvGrpSpPr/>
+        <p:nvPr/>
+      </p:nvGrpSpPr>
+      <p:grpSpPr>
+        <a:xfrm>
+          <a:off x="0" y="0"/>
+          <a:ext cx="0" cy="0"/>
+          <a:chOff x="0" y="0"/>
+          <a:chExt cx="0" cy="0"/>
+        </a:xfrm>
+      </p:grpSpPr>
+      <p:sp>
+        <p:nvSpPr>
+          <p:cNvPr id="2" name="Title 1">
+            <a:extLst>
+              <a:ext uri="{FF2B5EF4-FFF2-40B4-BE49-F238E27FC236}">
+                <a16:creationId xmlns:a16="http://schemas.microsoft.com/office/drawing/2014/main" id="{074EA6BA-245D-01C6-93D0-54B7131C38A0}"/>
+              </a:ext>
+            </a:extLst>
+          </p:cNvPr>
+          <p:cNvSpPr>
+            <a:spLocks noGrp="1"/>
+          </p:cNvSpPr>
+          <p:nvPr>
+            <p:ph type="title"/>
+          </p:nvPr>
+        </p:nvSpPr>
+        <p:spPr/>
+        <p:txBody>
+          <a:bodyPr/>
+          <a:lstStyle/>
+          <a:p>
+            <a:r>
+              <a:rPr lang="en-US" dirty="0">
+                <a:solidFill>
+                  <a:schemeClr val="tx2">
+                    <a:lumMod val="10000"/>
+                  </a:schemeClr>
+                </a:solidFill>
+              </a:rPr>
+              <a:t>Donation Opportunities</a:t>
+            </a:r>
+          </a:p>
+        </p:txBody>
+      </p:sp>
+    </p:spTree>
+    <p:extLst>
+      <p:ext uri="{BB962C8B-B14F-4D97-AF65-F5344CB8AC3E}">
+        <p14:creationId xmlns:p14="http://schemas.microsoft.com/office/powerpoint/2010/main" val="1214242395"/>
+      </p:ext>
+    </p:extLst>
+  </p:cSld>
+  <p:clrMapOvr>
+    <a:masterClrMapping/>
+  </p:clrMapOvr>
+</p:sld>
+</file>
+
+<file path=ppt/slides/slide14.xml><?xml version="1.0" encoding="utf-8"?>
 <p:sld xmlns:a="http://schemas.openxmlformats.org/drawingml/2006/main" xmlns:r="http://schemas.openxmlformats.org/officeDocument/2006/relationships" xmlns:p="http://schemas.openxmlformats.org/presentationml/2006/main">
   <p:cSld>
     <p:spTree>
@@ -3460,6 +3988,75 @@
                   </a:schemeClr>
                 </a:solidFill>
               </a:rPr>
+              <a:t>Gift Forecasting</a:t>
+            </a:r>
+          </a:p>
+        </p:txBody>
+      </p:sp>
+    </p:spTree>
+    <p:extLst>
+      <p:ext uri="{BB962C8B-B14F-4D97-AF65-F5344CB8AC3E}">
+        <p14:creationId xmlns:p14="http://schemas.microsoft.com/office/powerpoint/2010/main" val="421623802"/>
+      </p:ext>
+    </p:extLst>
+  </p:cSld>
+  <p:clrMapOvr>
+    <a:masterClrMapping/>
+  </p:clrMapOvr>
+</p:sld>
+</file>
+
+<file path=ppt/slides/slide15.xml><?xml version="1.0" encoding="utf-8"?>
+<p:sld xmlns:a="http://schemas.openxmlformats.org/drawingml/2006/main" xmlns:r="http://schemas.openxmlformats.org/officeDocument/2006/relationships" xmlns:p="http://schemas.openxmlformats.org/presentationml/2006/main">
+  <p:cSld>
+    <p:spTree>
+      <p:nvGrpSpPr>
+        <p:cNvPr id="1" name=""/>
+        <p:cNvGrpSpPr/>
+        <p:nvPr/>
+      </p:nvGrpSpPr>
+      <p:grpSpPr>
+        <a:xfrm>
+          <a:off x="0" y="0"/>
+          <a:ext cx="0" cy="0"/>
+          <a:chOff x="0" y="0"/>
+          <a:chExt cx="0" cy="0"/>
+        </a:xfrm>
+      </p:grpSpPr>
+      <p:sp>
+        <p:nvSpPr>
+          <p:cNvPr id="3" name="Text Placeholder 2">
+            <a:extLst>
+              <a:ext uri="{FF2B5EF4-FFF2-40B4-BE49-F238E27FC236}">
+                <a16:creationId xmlns:a16="http://schemas.microsoft.com/office/drawing/2014/main" id="{DDCDFF9B-EFAC-66ED-F9E4-A732730CD266}"/>
+              </a:ext>
+            </a:extLst>
+          </p:cNvPr>
+          <p:cNvSpPr>
+            <a:spLocks noGrp="1"/>
+          </p:cNvSpPr>
+          <p:nvPr>
+            <p:ph type="body" idx="1"/>
+          </p:nvPr>
+        </p:nvSpPr>
+        <p:spPr>
+          <a:xfrm>
+            <a:off x="529597" y="0"/>
+            <a:ext cx="10675088" cy="748966"/>
+          </a:xfrm>
+        </p:spPr>
+        <p:txBody>
+          <a:bodyPr/>
+          <a:lstStyle/>
+          <a:p>
+            <a:r>
+              <a:rPr lang="en-US" b="1" dirty="0">
+                <a:solidFill>
+                  <a:schemeClr val="tx2">
+                    <a:lumMod val="10000"/>
+                  </a:schemeClr>
+                </a:solidFill>
+              </a:rPr>
               <a:t>Next Best Gift</a:t>
             </a:r>
           </a:p>
@@ -3478,7 +4075,7 @@
 </p:sld>
 </file>
 
-<file path=ppt/slides/slide12.xml><?xml version="1.0" encoding="utf-8"?>
+<file path=ppt/slides/slide16.xml><?xml version="1.0" encoding="utf-8"?>
 <p:sld xmlns:a="http://schemas.openxmlformats.org/drawingml/2006/main" xmlns:r="http://schemas.openxmlformats.org/officeDocument/2006/relationships" xmlns:p="http://schemas.openxmlformats.org/presentationml/2006/main">
   <p:cSld>
     <p:spTree>
@@ -3524,6 +4121,214 @@
                   </a:schemeClr>
                 </a:solidFill>
               </a:rPr>
+              <a:t>Next Steps</a:t>
+            </a:r>
+          </a:p>
+        </p:txBody>
+      </p:sp>
+    </p:spTree>
+    <p:extLst>
+      <p:ext uri="{BB962C8B-B14F-4D97-AF65-F5344CB8AC3E}">
+        <p14:creationId xmlns:p14="http://schemas.microsoft.com/office/powerpoint/2010/main" val="3387065997"/>
+      </p:ext>
+    </p:extLst>
+  </p:cSld>
+  <p:clrMapOvr>
+    <a:masterClrMapping/>
+  </p:clrMapOvr>
+</p:sld>
+</file>
+
+<file path=ppt/slides/slide17.xml><?xml version="1.0" encoding="utf-8"?>
+<p:sld xmlns:a="http://schemas.openxmlformats.org/drawingml/2006/main" xmlns:r="http://schemas.openxmlformats.org/officeDocument/2006/relationships" xmlns:p="http://schemas.openxmlformats.org/presentationml/2006/main">
+  <p:cSld>
+    <p:spTree>
+      <p:nvGrpSpPr>
+        <p:cNvPr id="1" name=""/>
+        <p:cNvGrpSpPr/>
+        <p:nvPr/>
+      </p:nvGrpSpPr>
+      <p:grpSpPr>
+        <a:xfrm>
+          <a:off x="0" y="0"/>
+          <a:ext cx="0" cy="0"/>
+          <a:chOff x="0" y="0"/>
+          <a:chExt cx="0" cy="0"/>
+        </a:xfrm>
+      </p:grpSpPr>
+      <p:sp>
+        <p:nvSpPr>
+          <p:cNvPr id="4" name="Text Placeholder 3">
+            <a:extLst>
+              <a:ext uri="{FF2B5EF4-FFF2-40B4-BE49-F238E27FC236}">
+                <a16:creationId xmlns:a16="http://schemas.microsoft.com/office/drawing/2014/main" id="{229049EE-DBCD-06A1-10C4-3CF9402809A5}"/>
+              </a:ext>
+            </a:extLst>
+          </p:cNvPr>
+          <p:cNvSpPr>
+            <a:spLocks noGrp="1"/>
+          </p:cNvSpPr>
+          <p:nvPr>
+            <p:ph type="body" idx="1"/>
+          </p:nvPr>
+        </p:nvSpPr>
+        <p:spPr>
+          <a:xfrm>
+            <a:off x="553092" y="674856"/>
+            <a:ext cx="9125164" cy="3537547"/>
+          </a:xfrm>
+        </p:spPr>
+        <p:txBody>
+          <a:bodyPr>
+            <a:normAutofit/>
+          </a:bodyPr>
+          <a:lstStyle/>
+          <a:p>
+            <a:pPr marL="514350" indent="-285750">
+              <a:buClr>
+                <a:schemeClr val="tx1">
+                  <a:lumMod val="50000"/>
+                </a:schemeClr>
+              </a:buClr>
+              <a:buSzPct val="100000"/>
+              <a:buFont typeface="Arial" panose="020B0604020202020204" pitchFamily="34" charset="0"/>
+              <a:buChar char="•"/>
+            </a:pPr>
+            <a:r>
+              <a:rPr lang="en-US" sz="2800" dirty="0">
+                <a:solidFill>
+                  <a:schemeClr val="tx2">
+                    <a:lumMod val="10000"/>
+                  </a:schemeClr>
+                </a:solidFill>
+              </a:rPr>
+              <a:t>Build out weekly, monthly and yearly insights using donation KPIs</a:t>
+            </a:r>
+          </a:p>
+          <a:p>
+            <a:pPr marL="514350" indent="-285750">
+              <a:buClr>
+                <a:schemeClr val="tx1">
+                  <a:lumMod val="50000"/>
+                </a:schemeClr>
+              </a:buClr>
+              <a:buSzPct val="100000"/>
+              <a:buFont typeface="Arial" panose="020B0604020202020204" pitchFamily="34" charset="0"/>
+              <a:buChar char="•"/>
+            </a:pPr>
+            <a:r>
+              <a:rPr lang="en-US" sz="2800" dirty="0">
+                <a:solidFill>
+                  <a:schemeClr val="tx2">
+                    <a:lumMod val="10000"/>
+                  </a:schemeClr>
+                </a:solidFill>
+              </a:rPr>
+              <a:t>Connect donor segment data to CRM</a:t>
+            </a:r>
+          </a:p>
+          <a:p>
+            <a:pPr marL="514350" indent="-285750">
+              <a:buClr>
+                <a:schemeClr val="tx1">
+                  <a:lumMod val="50000"/>
+                </a:schemeClr>
+              </a:buClr>
+              <a:buSzPct val="100000"/>
+              <a:buFont typeface="Arial" panose="020B0604020202020204" pitchFamily="34" charset="0"/>
+              <a:buChar char="•"/>
+            </a:pPr>
+            <a:r>
+              <a:rPr lang="en-US" sz="2800" dirty="0">
+                <a:solidFill>
+                  <a:schemeClr val="tx2">
+                    <a:lumMod val="10000"/>
+                  </a:schemeClr>
+                </a:solidFill>
+              </a:rPr>
+              <a:t>Detailed dive into video communication opportunities</a:t>
+            </a:r>
+          </a:p>
+          <a:p>
+            <a:pPr marL="514350" indent="-285750">
+              <a:buClr>
+                <a:schemeClr val="tx1">
+                  <a:lumMod val="50000"/>
+                </a:schemeClr>
+              </a:buClr>
+              <a:buSzPct val="100000"/>
+              <a:buFont typeface="Arial" panose="020B0604020202020204" pitchFamily="34" charset="0"/>
+              <a:buChar char="•"/>
+            </a:pPr>
+            <a:endParaRPr lang="en-US" sz="1600" dirty="0">
+              <a:solidFill>
+                <a:schemeClr val="tx2">
+                  <a:lumMod val="10000"/>
+                </a:schemeClr>
+              </a:solidFill>
+            </a:endParaRPr>
+          </a:p>
+        </p:txBody>
+      </p:sp>
+    </p:spTree>
+    <p:extLst>
+      <p:ext uri="{BB962C8B-B14F-4D97-AF65-F5344CB8AC3E}">
+        <p14:creationId xmlns:p14="http://schemas.microsoft.com/office/powerpoint/2010/main" val="3896258680"/>
+      </p:ext>
+    </p:extLst>
+  </p:cSld>
+  <p:clrMapOvr>
+    <a:masterClrMapping/>
+  </p:clrMapOvr>
+</p:sld>
+</file>
+
+<file path=ppt/slides/slide18.xml><?xml version="1.0" encoding="utf-8"?>
+<p:sld xmlns:a="http://schemas.openxmlformats.org/drawingml/2006/main" xmlns:r="http://schemas.openxmlformats.org/officeDocument/2006/relationships" xmlns:p="http://schemas.openxmlformats.org/presentationml/2006/main">
+  <p:cSld>
+    <p:spTree>
+      <p:nvGrpSpPr>
+        <p:cNvPr id="1" name=""/>
+        <p:cNvGrpSpPr/>
+        <p:nvPr/>
+      </p:nvGrpSpPr>
+      <p:grpSpPr>
+        <a:xfrm>
+          <a:off x="0" y="0"/>
+          <a:ext cx="0" cy="0"/>
+          <a:chOff x="0" y="0"/>
+          <a:chExt cx="0" cy="0"/>
+        </a:xfrm>
+      </p:grpSpPr>
+      <p:sp>
+        <p:nvSpPr>
+          <p:cNvPr id="2" name="Title 1">
+            <a:extLst>
+              <a:ext uri="{FF2B5EF4-FFF2-40B4-BE49-F238E27FC236}">
+                <a16:creationId xmlns:a16="http://schemas.microsoft.com/office/drawing/2014/main" id="{074EA6BA-245D-01C6-93D0-54B7131C38A0}"/>
+              </a:ext>
+            </a:extLst>
+          </p:cNvPr>
+          <p:cNvSpPr>
+            <a:spLocks noGrp="1"/>
+          </p:cNvSpPr>
+          <p:nvPr>
+            <p:ph type="title"/>
+          </p:nvPr>
+        </p:nvSpPr>
+        <p:spPr/>
+        <p:txBody>
+          <a:bodyPr/>
+          <a:lstStyle/>
+          <a:p>
+            <a:r>
+              <a:rPr lang="en-US" dirty="0">
+                <a:solidFill>
+                  <a:schemeClr val="tx2">
+                    <a:lumMod val="10000"/>
+                  </a:schemeClr>
+                </a:solidFill>
+              </a:rPr>
               <a:t>Appendix</a:t>
             </a:r>
           </a:p>
@@ -3542,7 +4347,7 @@
 </p:sld>
 </file>
 
-<file path=ppt/slides/slide13.xml><?xml version="1.0" encoding="utf-8"?>
+<file path=ppt/slides/slide19.xml><?xml version="1.0" encoding="utf-8"?>
 <p:sld xmlns:a="http://schemas.openxmlformats.org/drawingml/2006/main" xmlns:r="http://schemas.openxmlformats.org/officeDocument/2006/relationships" xmlns:p="http://schemas.openxmlformats.org/presentationml/2006/main">
   <p:cSld>
     <p:spTree>
@@ -3632,600 +4437,6 @@
     <p:extLst>
       <p:ext uri="{BB962C8B-B14F-4D97-AF65-F5344CB8AC3E}">
         <p14:creationId xmlns:p14="http://schemas.microsoft.com/office/powerpoint/2010/main" val="1272313909"/>
-      </p:ext>
-    </p:extLst>
-  </p:cSld>
-  <p:clrMapOvr>
-    <a:masterClrMapping/>
-  </p:clrMapOvr>
-</p:sld>
-</file>
-
-<file path=ppt/slides/slide14.xml><?xml version="1.0" encoding="utf-8"?>
-<p:sld xmlns:a="http://schemas.openxmlformats.org/drawingml/2006/main" xmlns:r="http://schemas.openxmlformats.org/officeDocument/2006/relationships" xmlns:p="http://schemas.openxmlformats.org/presentationml/2006/main">
-  <p:cSld>
-    <p:spTree>
-      <p:nvGrpSpPr>
-        <p:cNvPr id="1" name=""/>
-        <p:cNvGrpSpPr/>
-        <p:nvPr/>
-      </p:nvGrpSpPr>
-      <p:grpSpPr>
-        <a:xfrm>
-          <a:off x="0" y="0"/>
-          <a:ext cx="0" cy="0"/>
-          <a:chOff x="0" y="0"/>
-          <a:chExt cx="0" cy="0"/>
-        </a:xfrm>
-      </p:grpSpPr>
-      <p:sp>
-        <p:nvSpPr>
-          <p:cNvPr id="3" name="Text Placeholder 2">
-            <a:extLst>
-              <a:ext uri="{FF2B5EF4-FFF2-40B4-BE49-F238E27FC236}">
-                <a16:creationId xmlns:a16="http://schemas.microsoft.com/office/drawing/2014/main" id="{472B6C7C-2265-0ED8-98DB-8DB13773894C}"/>
-              </a:ext>
-            </a:extLst>
-          </p:cNvPr>
-          <p:cNvSpPr>
-            <a:spLocks noGrp="1"/>
-          </p:cNvSpPr>
-          <p:nvPr>
-            <p:ph type="body" idx="1"/>
-          </p:nvPr>
-        </p:nvSpPr>
-        <p:spPr>
-          <a:xfrm>
-            <a:off x="200821" y="0"/>
-            <a:ext cx="10942217" cy="748966"/>
-          </a:xfrm>
-        </p:spPr>
-        <p:txBody>
-          <a:bodyPr/>
-          <a:lstStyle/>
-          <a:p>
-            <a:r>
-              <a:rPr lang="en-US" b="1" dirty="0">
-                <a:solidFill>
-                  <a:schemeClr val="tx2">
-                    <a:lumMod val="10000"/>
-                  </a:schemeClr>
-                </a:solidFill>
-              </a:rPr>
-              <a:t>Donation Overview Section</a:t>
-            </a:r>
-          </a:p>
-        </p:txBody>
-      </p:sp>
-      <p:pic>
-        <p:nvPicPr>
-          <p:cNvPr id="4" name="Picture 3">
-            <a:extLst>
-              <a:ext uri="{FF2B5EF4-FFF2-40B4-BE49-F238E27FC236}">
-                <a16:creationId xmlns:a16="http://schemas.microsoft.com/office/drawing/2014/main" id="{6953CBFA-AAE3-1B85-4D19-CE3B305D2ED1}"/>
-              </a:ext>
-            </a:extLst>
-          </p:cNvPr>
-          <p:cNvPicPr>
-            <a:picLocks noChangeAspect="1"/>
-          </p:cNvPicPr>
-          <p:nvPr/>
-        </p:nvPicPr>
-        <p:blipFill>
-          <a:blip r:embed="rId2"/>
-          <a:stretch>
-            <a:fillRect/>
-          </a:stretch>
-        </p:blipFill>
-        <p:spPr>
-          <a:xfrm>
-            <a:off x="357861" y="910115"/>
-            <a:ext cx="10628139" cy="5682371"/>
-          </a:xfrm>
-          <a:prstGeom prst="rect">
-            <a:avLst/>
-          </a:prstGeom>
-        </p:spPr>
-      </p:pic>
-    </p:spTree>
-    <p:extLst>
-      <p:ext uri="{BB962C8B-B14F-4D97-AF65-F5344CB8AC3E}">
-        <p14:creationId xmlns:p14="http://schemas.microsoft.com/office/powerpoint/2010/main" val="652786236"/>
-      </p:ext>
-    </p:extLst>
-  </p:cSld>
-  <p:clrMapOvr>
-    <a:masterClrMapping/>
-  </p:clrMapOvr>
-</p:sld>
-</file>
-
-<file path=ppt/slides/slide15.xml><?xml version="1.0" encoding="utf-8"?>
-<p:sld xmlns:a="http://schemas.openxmlformats.org/drawingml/2006/main" xmlns:r="http://schemas.openxmlformats.org/officeDocument/2006/relationships" xmlns:p="http://schemas.openxmlformats.org/presentationml/2006/main">
-  <p:cSld>
-    <p:spTree>
-      <p:nvGrpSpPr>
-        <p:cNvPr id="1" name=""/>
-        <p:cNvGrpSpPr/>
-        <p:nvPr/>
-      </p:nvGrpSpPr>
-      <p:grpSpPr>
-        <a:xfrm>
-          <a:off x="0" y="0"/>
-          <a:ext cx="0" cy="0"/>
-          <a:chOff x="0" y="0"/>
-          <a:chExt cx="0" cy="0"/>
-        </a:xfrm>
-      </p:grpSpPr>
-      <p:sp>
-        <p:nvSpPr>
-          <p:cNvPr id="3" name="Text Placeholder 2">
-            <a:extLst>
-              <a:ext uri="{FF2B5EF4-FFF2-40B4-BE49-F238E27FC236}">
-                <a16:creationId xmlns:a16="http://schemas.microsoft.com/office/drawing/2014/main" id="{472B6C7C-2265-0ED8-98DB-8DB13773894C}"/>
-              </a:ext>
-            </a:extLst>
-          </p:cNvPr>
-          <p:cNvSpPr>
-            <a:spLocks noGrp="1"/>
-          </p:cNvSpPr>
-          <p:nvPr>
-            <p:ph type="body" idx="1"/>
-          </p:nvPr>
-        </p:nvSpPr>
-        <p:spPr>
-          <a:xfrm>
-            <a:off x="180274" y="0"/>
-            <a:ext cx="10942217" cy="748966"/>
-          </a:xfrm>
-        </p:spPr>
-        <p:txBody>
-          <a:bodyPr/>
-          <a:lstStyle/>
-          <a:p>
-            <a:r>
-              <a:rPr lang="en-US" b="1" dirty="0">
-                <a:solidFill>
-                  <a:schemeClr val="tx2">
-                    <a:lumMod val="10000"/>
-                  </a:schemeClr>
-                </a:solidFill>
-              </a:rPr>
-              <a:t>Donor Portfolio Section</a:t>
-            </a:r>
-          </a:p>
-        </p:txBody>
-      </p:sp>
-      <p:pic>
-        <p:nvPicPr>
-          <p:cNvPr id="5" name="Picture 4">
-            <a:extLst>
-              <a:ext uri="{FF2B5EF4-FFF2-40B4-BE49-F238E27FC236}">
-                <a16:creationId xmlns:a16="http://schemas.microsoft.com/office/drawing/2014/main" id="{13F75745-053D-D2BE-C2C7-A824DE912063}"/>
-              </a:ext>
-            </a:extLst>
-          </p:cNvPr>
-          <p:cNvPicPr>
-            <a:picLocks noChangeAspect="1"/>
-          </p:cNvPicPr>
-          <p:nvPr/>
-        </p:nvPicPr>
-        <p:blipFill>
-          <a:blip r:embed="rId2"/>
-          <a:stretch>
-            <a:fillRect/>
-          </a:stretch>
-        </p:blipFill>
-        <p:spPr>
-          <a:xfrm>
-            <a:off x="289498" y="910115"/>
-            <a:ext cx="11613003" cy="4692800"/>
-          </a:xfrm>
-          <a:prstGeom prst="rect">
-            <a:avLst/>
-          </a:prstGeom>
-        </p:spPr>
-      </p:pic>
-    </p:spTree>
-    <p:extLst>
-      <p:ext uri="{BB962C8B-B14F-4D97-AF65-F5344CB8AC3E}">
-        <p14:creationId xmlns:p14="http://schemas.microsoft.com/office/powerpoint/2010/main" val="3142941893"/>
-      </p:ext>
-    </p:extLst>
-  </p:cSld>
-  <p:clrMapOvr>
-    <a:masterClrMapping/>
-  </p:clrMapOvr>
-</p:sld>
-</file>
-
-<file path=ppt/slides/slide16.xml><?xml version="1.0" encoding="utf-8"?>
-<p:sld xmlns:a="http://schemas.openxmlformats.org/drawingml/2006/main" xmlns:r="http://schemas.openxmlformats.org/officeDocument/2006/relationships" xmlns:p="http://schemas.openxmlformats.org/presentationml/2006/main">
-  <p:cSld>
-    <p:spTree>
-      <p:nvGrpSpPr>
-        <p:cNvPr id="1" name=""/>
-        <p:cNvGrpSpPr/>
-        <p:nvPr/>
-      </p:nvGrpSpPr>
-      <p:grpSpPr>
-        <a:xfrm>
-          <a:off x="0" y="0"/>
-          <a:ext cx="0" cy="0"/>
-          <a:chOff x="0" y="0"/>
-          <a:chExt cx="0" cy="0"/>
-        </a:xfrm>
-      </p:grpSpPr>
-      <p:sp>
-        <p:nvSpPr>
-          <p:cNvPr id="3" name="Text Placeholder 2">
-            <a:extLst>
-              <a:ext uri="{FF2B5EF4-FFF2-40B4-BE49-F238E27FC236}">
-                <a16:creationId xmlns:a16="http://schemas.microsoft.com/office/drawing/2014/main" id="{472B6C7C-2265-0ED8-98DB-8DB13773894C}"/>
-              </a:ext>
-            </a:extLst>
-          </p:cNvPr>
-          <p:cNvSpPr>
-            <a:spLocks noGrp="1"/>
-          </p:cNvSpPr>
-          <p:nvPr>
-            <p:ph type="body" idx="1"/>
-          </p:nvPr>
-        </p:nvSpPr>
-        <p:spPr>
-          <a:xfrm>
-            <a:off x="190549" y="0"/>
-            <a:ext cx="10942217" cy="748966"/>
-          </a:xfrm>
-        </p:spPr>
-        <p:txBody>
-          <a:bodyPr/>
-          <a:lstStyle/>
-          <a:p>
-            <a:r>
-              <a:rPr lang="en-US" b="1" dirty="0">
-                <a:solidFill>
-                  <a:schemeClr val="tx2">
-                    <a:lumMod val="10000"/>
-                  </a:schemeClr>
-                </a:solidFill>
-              </a:rPr>
-              <a:t>Donor Portfolio Section</a:t>
-            </a:r>
-          </a:p>
-        </p:txBody>
-      </p:sp>
-      <p:pic>
-        <p:nvPicPr>
-          <p:cNvPr id="4" name="Picture 3">
-            <a:extLst>
-              <a:ext uri="{FF2B5EF4-FFF2-40B4-BE49-F238E27FC236}">
-                <a16:creationId xmlns:a16="http://schemas.microsoft.com/office/drawing/2014/main" id="{E24E9CC6-C3A3-1F6C-54A2-8FECC86460C0}"/>
-              </a:ext>
-            </a:extLst>
-          </p:cNvPr>
-          <p:cNvPicPr>
-            <a:picLocks noChangeAspect="1"/>
-          </p:cNvPicPr>
-          <p:nvPr/>
-        </p:nvPicPr>
-        <p:blipFill>
-          <a:blip r:embed="rId2"/>
-          <a:stretch>
-            <a:fillRect/>
-          </a:stretch>
-        </p:blipFill>
-        <p:spPr>
-          <a:xfrm>
-            <a:off x="739158" y="910115"/>
-            <a:ext cx="10713684" cy="4781768"/>
-          </a:xfrm>
-          <a:prstGeom prst="rect">
-            <a:avLst/>
-          </a:prstGeom>
-        </p:spPr>
-      </p:pic>
-    </p:spTree>
-    <p:extLst>
-      <p:ext uri="{BB962C8B-B14F-4D97-AF65-F5344CB8AC3E}">
-        <p14:creationId xmlns:p14="http://schemas.microsoft.com/office/powerpoint/2010/main" val="650616464"/>
-      </p:ext>
-    </p:extLst>
-  </p:cSld>
-  <p:clrMapOvr>
-    <a:masterClrMapping/>
-  </p:clrMapOvr>
-</p:sld>
-</file>
-
-<file path=ppt/slides/slide17.xml><?xml version="1.0" encoding="utf-8"?>
-<p:sld xmlns:a="http://schemas.openxmlformats.org/drawingml/2006/main" xmlns:r="http://schemas.openxmlformats.org/officeDocument/2006/relationships" xmlns:p="http://schemas.openxmlformats.org/presentationml/2006/main">
-  <p:cSld>
-    <p:spTree>
-      <p:nvGrpSpPr>
-        <p:cNvPr id="1" name=""/>
-        <p:cNvGrpSpPr/>
-        <p:nvPr/>
-      </p:nvGrpSpPr>
-      <p:grpSpPr>
-        <a:xfrm>
-          <a:off x="0" y="0"/>
-          <a:ext cx="0" cy="0"/>
-          <a:chOff x="0" y="0"/>
-          <a:chExt cx="0" cy="0"/>
-        </a:xfrm>
-      </p:grpSpPr>
-      <p:sp>
-        <p:nvSpPr>
-          <p:cNvPr id="3" name="Text Placeholder 2">
-            <a:extLst>
-              <a:ext uri="{FF2B5EF4-FFF2-40B4-BE49-F238E27FC236}">
-                <a16:creationId xmlns:a16="http://schemas.microsoft.com/office/drawing/2014/main" id="{472B6C7C-2265-0ED8-98DB-8DB13773894C}"/>
-              </a:ext>
-            </a:extLst>
-          </p:cNvPr>
-          <p:cNvSpPr>
-            <a:spLocks noGrp="1"/>
-          </p:cNvSpPr>
-          <p:nvPr>
-            <p:ph type="body" idx="1"/>
-          </p:nvPr>
-        </p:nvSpPr>
-        <p:spPr>
-          <a:xfrm>
-            <a:off x="221371" y="0"/>
-            <a:ext cx="10942217" cy="748966"/>
-          </a:xfrm>
-        </p:spPr>
-        <p:txBody>
-          <a:bodyPr/>
-          <a:lstStyle/>
-          <a:p>
-            <a:r>
-              <a:rPr lang="en-US" b="1" dirty="0">
-                <a:solidFill>
-                  <a:schemeClr val="tx2">
-                    <a:lumMod val="10000"/>
-                  </a:schemeClr>
-                </a:solidFill>
-              </a:rPr>
-              <a:t>Donor Portfolio Section</a:t>
-            </a:r>
-          </a:p>
-        </p:txBody>
-      </p:sp>
-      <p:pic>
-        <p:nvPicPr>
-          <p:cNvPr id="5" name="Picture 4">
-            <a:extLst>
-              <a:ext uri="{FF2B5EF4-FFF2-40B4-BE49-F238E27FC236}">
-                <a16:creationId xmlns:a16="http://schemas.microsoft.com/office/drawing/2014/main" id="{423B58D5-19FB-4826-3953-78D2011A06ED}"/>
-              </a:ext>
-            </a:extLst>
-          </p:cNvPr>
-          <p:cNvPicPr>
-            <a:picLocks noChangeAspect="1"/>
-          </p:cNvPicPr>
-          <p:nvPr/>
-        </p:nvPicPr>
-        <p:blipFill>
-          <a:blip r:embed="rId2"/>
-          <a:stretch>
-            <a:fillRect/>
-          </a:stretch>
-        </p:blipFill>
-        <p:spPr>
-          <a:xfrm>
-            <a:off x="302576" y="910115"/>
-            <a:ext cx="11586847" cy="3887916"/>
-          </a:xfrm>
-          <a:prstGeom prst="rect">
-            <a:avLst/>
-          </a:prstGeom>
-        </p:spPr>
-      </p:pic>
-    </p:spTree>
-    <p:extLst>
-      <p:ext uri="{BB962C8B-B14F-4D97-AF65-F5344CB8AC3E}">
-        <p14:creationId xmlns:p14="http://schemas.microsoft.com/office/powerpoint/2010/main" val="3219483538"/>
-      </p:ext>
-    </p:extLst>
-  </p:cSld>
-  <p:clrMapOvr>
-    <a:masterClrMapping/>
-  </p:clrMapOvr>
-</p:sld>
-</file>
-
-<file path=ppt/slides/slide18.xml><?xml version="1.0" encoding="utf-8"?>
-<p:sld xmlns:a="http://schemas.openxmlformats.org/drawingml/2006/main" xmlns:r="http://schemas.openxmlformats.org/officeDocument/2006/relationships" xmlns:p="http://schemas.openxmlformats.org/presentationml/2006/main">
-  <p:cSld>
-    <p:spTree>
-      <p:nvGrpSpPr>
-        <p:cNvPr id="1" name=""/>
-        <p:cNvGrpSpPr/>
-        <p:nvPr/>
-      </p:nvGrpSpPr>
-      <p:grpSpPr>
-        <a:xfrm>
-          <a:off x="0" y="0"/>
-          <a:ext cx="0" cy="0"/>
-          <a:chOff x="0" y="0"/>
-          <a:chExt cx="0" cy="0"/>
-        </a:xfrm>
-      </p:grpSpPr>
-      <p:sp>
-        <p:nvSpPr>
-          <p:cNvPr id="3" name="Text Placeholder 2">
-            <a:extLst>
-              <a:ext uri="{FF2B5EF4-FFF2-40B4-BE49-F238E27FC236}">
-                <a16:creationId xmlns:a16="http://schemas.microsoft.com/office/drawing/2014/main" id="{472B6C7C-2265-0ED8-98DB-8DB13773894C}"/>
-              </a:ext>
-            </a:extLst>
-          </p:cNvPr>
-          <p:cNvSpPr>
-            <a:spLocks noGrp="1"/>
-          </p:cNvSpPr>
-          <p:nvPr>
-            <p:ph type="body" idx="1"/>
-          </p:nvPr>
-        </p:nvSpPr>
-        <p:spPr>
-          <a:xfrm>
-            <a:off x="200823" y="0"/>
-            <a:ext cx="10942217" cy="748966"/>
-          </a:xfrm>
-        </p:spPr>
-        <p:txBody>
-          <a:bodyPr/>
-          <a:lstStyle/>
-          <a:p>
-            <a:r>
-              <a:rPr lang="en-US" b="1" dirty="0">
-                <a:solidFill>
-                  <a:schemeClr val="tx2">
-                    <a:lumMod val="10000"/>
-                  </a:schemeClr>
-                </a:solidFill>
-              </a:rPr>
-              <a:t>Gift Forecasting Section</a:t>
-            </a:r>
-          </a:p>
-        </p:txBody>
-      </p:sp>
-      <p:pic>
-        <p:nvPicPr>
-          <p:cNvPr id="4" name="Picture 3">
-            <a:extLst>
-              <a:ext uri="{FF2B5EF4-FFF2-40B4-BE49-F238E27FC236}">
-                <a16:creationId xmlns:a16="http://schemas.microsoft.com/office/drawing/2014/main" id="{F7AC289A-66F6-99CD-147D-E6AA87A49CAC}"/>
-              </a:ext>
-            </a:extLst>
-          </p:cNvPr>
-          <p:cNvPicPr>
-            <a:picLocks noChangeAspect="1"/>
-          </p:cNvPicPr>
-          <p:nvPr/>
-        </p:nvPicPr>
-        <p:blipFill>
-          <a:blip r:embed="rId2"/>
-          <a:stretch>
-            <a:fillRect/>
-          </a:stretch>
-        </p:blipFill>
-        <p:spPr>
-          <a:xfrm>
-            <a:off x="432412" y="989959"/>
-            <a:ext cx="11327176" cy="3787524"/>
-          </a:xfrm>
-          <a:prstGeom prst="rect">
-            <a:avLst/>
-          </a:prstGeom>
-        </p:spPr>
-      </p:pic>
-    </p:spTree>
-    <p:extLst>
-      <p:ext uri="{BB962C8B-B14F-4D97-AF65-F5344CB8AC3E}">
-        <p14:creationId xmlns:p14="http://schemas.microsoft.com/office/powerpoint/2010/main" val="1676940677"/>
-      </p:ext>
-    </p:extLst>
-  </p:cSld>
-  <p:clrMapOvr>
-    <a:masterClrMapping/>
-  </p:clrMapOvr>
-</p:sld>
-</file>
-
-<file path=ppt/slides/slide19.xml><?xml version="1.0" encoding="utf-8"?>
-<p:sld xmlns:a="http://schemas.openxmlformats.org/drawingml/2006/main" xmlns:r="http://schemas.openxmlformats.org/officeDocument/2006/relationships" xmlns:p="http://schemas.openxmlformats.org/presentationml/2006/main">
-  <p:cSld>
-    <p:spTree>
-      <p:nvGrpSpPr>
-        <p:cNvPr id="1" name=""/>
-        <p:cNvGrpSpPr/>
-        <p:nvPr/>
-      </p:nvGrpSpPr>
-      <p:grpSpPr>
-        <a:xfrm>
-          <a:off x="0" y="0"/>
-          <a:ext cx="0" cy="0"/>
-          <a:chOff x="0" y="0"/>
-          <a:chExt cx="0" cy="0"/>
-        </a:xfrm>
-      </p:grpSpPr>
-      <p:sp>
-        <p:nvSpPr>
-          <p:cNvPr id="3" name="Text Placeholder 2">
-            <a:extLst>
-              <a:ext uri="{FF2B5EF4-FFF2-40B4-BE49-F238E27FC236}">
-                <a16:creationId xmlns:a16="http://schemas.microsoft.com/office/drawing/2014/main" id="{472B6C7C-2265-0ED8-98DB-8DB13773894C}"/>
-              </a:ext>
-            </a:extLst>
-          </p:cNvPr>
-          <p:cNvSpPr>
-            <a:spLocks noGrp="1"/>
-          </p:cNvSpPr>
-          <p:nvPr>
-            <p:ph type="body" idx="1"/>
-          </p:nvPr>
-        </p:nvSpPr>
-        <p:spPr>
-          <a:xfrm>
-            <a:off x="211097" y="0"/>
-            <a:ext cx="10942217" cy="748966"/>
-          </a:xfrm>
-        </p:spPr>
-        <p:txBody>
-          <a:bodyPr/>
-          <a:lstStyle/>
-          <a:p>
-            <a:r>
-              <a:rPr lang="en-US" b="1" dirty="0">
-                <a:solidFill>
-                  <a:schemeClr val="tx2">
-                    <a:lumMod val="10000"/>
-                  </a:schemeClr>
-                </a:solidFill>
-              </a:rPr>
-              <a:t>Gift Prediction Section</a:t>
-            </a:r>
-          </a:p>
-        </p:txBody>
-      </p:sp>
-      <p:pic>
-        <p:nvPicPr>
-          <p:cNvPr id="5" name="Picture 4">
-            <a:extLst>
-              <a:ext uri="{FF2B5EF4-FFF2-40B4-BE49-F238E27FC236}">
-                <a16:creationId xmlns:a16="http://schemas.microsoft.com/office/drawing/2014/main" id="{5B2F5A29-20E0-5510-DB45-642F6D8BF9BD}"/>
-              </a:ext>
-            </a:extLst>
-          </p:cNvPr>
-          <p:cNvPicPr>
-            <a:picLocks noChangeAspect="1"/>
-          </p:cNvPicPr>
-          <p:nvPr/>
-        </p:nvPicPr>
-        <p:blipFill>
-          <a:blip r:embed="rId2"/>
-          <a:stretch>
-            <a:fillRect/>
-          </a:stretch>
-        </p:blipFill>
-        <p:spPr>
-          <a:xfrm>
-            <a:off x="575351" y="910115"/>
-            <a:ext cx="10665743" cy="4586559"/>
-          </a:xfrm>
-          <a:prstGeom prst="rect">
-            <a:avLst/>
-          </a:prstGeom>
-        </p:spPr>
-      </p:pic>
-    </p:spTree>
-    <p:extLst>
-      <p:ext uri="{BB962C8B-B14F-4D97-AF65-F5344CB8AC3E}">
-        <p14:creationId xmlns:p14="http://schemas.microsoft.com/office/powerpoint/2010/main" val="1848218470"/>
       </p:ext>
     </p:extLst>
   </p:cSld>
@@ -4799,6 +5010,600 @@
 </p:sld>
 </file>
 
+<file path=ppt/slides/slide20.xml><?xml version="1.0" encoding="utf-8"?>
+<p:sld xmlns:a="http://schemas.openxmlformats.org/drawingml/2006/main" xmlns:r="http://schemas.openxmlformats.org/officeDocument/2006/relationships" xmlns:p="http://schemas.openxmlformats.org/presentationml/2006/main">
+  <p:cSld>
+    <p:spTree>
+      <p:nvGrpSpPr>
+        <p:cNvPr id="1" name=""/>
+        <p:cNvGrpSpPr/>
+        <p:nvPr/>
+      </p:nvGrpSpPr>
+      <p:grpSpPr>
+        <a:xfrm>
+          <a:off x="0" y="0"/>
+          <a:ext cx="0" cy="0"/>
+          <a:chOff x="0" y="0"/>
+          <a:chExt cx="0" cy="0"/>
+        </a:xfrm>
+      </p:grpSpPr>
+      <p:sp>
+        <p:nvSpPr>
+          <p:cNvPr id="3" name="Text Placeholder 2">
+            <a:extLst>
+              <a:ext uri="{FF2B5EF4-FFF2-40B4-BE49-F238E27FC236}">
+                <a16:creationId xmlns:a16="http://schemas.microsoft.com/office/drawing/2014/main" id="{472B6C7C-2265-0ED8-98DB-8DB13773894C}"/>
+              </a:ext>
+            </a:extLst>
+          </p:cNvPr>
+          <p:cNvSpPr>
+            <a:spLocks noGrp="1"/>
+          </p:cNvSpPr>
+          <p:nvPr>
+            <p:ph type="body" idx="1"/>
+          </p:nvPr>
+        </p:nvSpPr>
+        <p:spPr>
+          <a:xfrm>
+            <a:off x="200821" y="0"/>
+            <a:ext cx="10942217" cy="748966"/>
+          </a:xfrm>
+        </p:spPr>
+        <p:txBody>
+          <a:bodyPr/>
+          <a:lstStyle/>
+          <a:p>
+            <a:r>
+              <a:rPr lang="en-US" b="1" dirty="0">
+                <a:solidFill>
+                  <a:schemeClr val="tx2">
+                    <a:lumMod val="10000"/>
+                  </a:schemeClr>
+                </a:solidFill>
+              </a:rPr>
+              <a:t>Donation Overview Section</a:t>
+            </a:r>
+          </a:p>
+        </p:txBody>
+      </p:sp>
+      <p:pic>
+        <p:nvPicPr>
+          <p:cNvPr id="4" name="Picture 3">
+            <a:extLst>
+              <a:ext uri="{FF2B5EF4-FFF2-40B4-BE49-F238E27FC236}">
+                <a16:creationId xmlns:a16="http://schemas.microsoft.com/office/drawing/2014/main" id="{6953CBFA-AAE3-1B85-4D19-CE3B305D2ED1}"/>
+              </a:ext>
+            </a:extLst>
+          </p:cNvPr>
+          <p:cNvPicPr>
+            <a:picLocks noChangeAspect="1"/>
+          </p:cNvPicPr>
+          <p:nvPr/>
+        </p:nvPicPr>
+        <p:blipFill>
+          <a:blip r:embed="rId2"/>
+          <a:stretch>
+            <a:fillRect/>
+          </a:stretch>
+        </p:blipFill>
+        <p:spPr>
+          <a:xfrm>
+            <a:off x="357861" y="910115"/>
+            <a:ext cx="10628139" cy="5682371"/>
+          </a:xfrm>
+          <a:prstGeom prst="rect">
+            <a:avLst/>
+          </a:prstGeom>
+        </p:spPr>
+      </p:pic>
+    </p:spTree>
+    <p:extLst>
+      <p:ext uri="{BB962C8B-B14F-4D97-AF65-F5344CB8AC3E}">
+        <p14:creationId xmlns:p14="http://schemas.microsoft.com/office/powerpoint/2010/main" val="652786236"/>
+      </p:ext>
+    </p:extLst>
+  </p:cSld>
+  <p:clrMapOvr>
+    <a:masterClrMapping/>
+  </p:clrMapOvr>
+</p:sld>
+</file>
+
+<file path=ppt/slides/slide21.xml><?xml version="1.0" encoding="utf-8"?>
+<p:sld xmlns:a="http://schemas.openxmlformats.org/drawingml/2006/main" xmlns:r="http://schemas.openxmlformats.org/officeDocument/2006/relationships" xmlns:p="http://schemas.openxmlformats.org/presentationml/2006/main">
+  <p:cSld>
+    <p:spTree>
+      <p:nvGrpSpPr>
+        <p:cNvPr id="1" name=""/>
+        <p:cNvGrpSpPr/>
+        <p:nvPr/>
+      </p:nvGrpSpPr>
+      <p:grpSpPr>
+        <a:xfrm>
+          <a:off x="0" y="0"/>
+          <a:ext cx="0" cy="0"/>
+          <a:chOff x="0" y="0"/>
+          <a:chExt cx="0" cy="0"/>
+        </a:xfrm>
+      </p:grpSpPr>
+      <p:sp>
+        <p:nvSpPr>
+          <p:cNvPr id="3" name="Text Placeholder 2">
+            <a:extLst>
+              <a:ext uri="{FF2B5EF4-FFF2-40B4-BE49-F238E27FC236}">
+                <a16:creationId xmlns:a16="http://schemas.microsoft.com/office/drawing/2014/main" id="{472B6C7C-2265-0ED8-98DB-8DB13773894C}"/>
+              </a:ext>
+            </a:extLst>
+          </p:cNvPr>
+          <p:cNvSpPr>
+            <a:spLocks noGrp="1"/>
+          </p:cNvSpPr>
+          <p:nvPr>
+            <p:ph type="body" idx="1"/>
+          </p:nvPr>
+        </p:nvSpPr>
+        <p:spPr>
+          <a:xfrm>
+            <a:off x="180274" y="0"/>
+            <a:ext cx="10942217" cy="748966"/>
+          </a:xfrm>
+        </p:spPr>
+        <p:txBody>
+          <a:bodyPr/>
+          <a:lstStyle/>
+          <a:p>
+            <a:r>
+              <a:rPr lang="en-US" b="1" dirty="0">
+                <a:solidFill>
+                  <a:schemeClr val="tx2">
+                    <a:lumMod val="10000"/>
+                  </a:schemeClr>
+                </a:solidFill>
+              </a:rPr>
+              <a:t>Donor Portfolio Section</a:t>
+            </a:r>
+          </a:p>
+        </p:txBody>
+      </p:sp>
+      <p:pic>
+        <p:nvPicPr>
+          <p:cNvPr id="5" name="Picture 4">
+            <a:extLst>
+              <a:ext uri="{FF2B5EF4-FFF2-40B4-BE49-F238E27FC236}">
+                <a16:creationId xmlns:a16="http://schemas.microsoft.com/office/drawing/2014/main" id="{13F75745-053D-D2BE-C2C7-A824DE912063}"/>
+              </a:ext>
+            </a:extLst>
+          </p:cNvPr>
+          <p:cNvPicPr>
+            <a:picLocks noChangeAspect="1"/>
+          </p:cNvPicPr>
+          <p:nvPr/>
+        </p:nvPicPr>
+        <p:blipFill>
+          <a:blip r:embed="rId2"/>
+          <a:stretch>
+            <a:fillRect/>
+          </a:stretch>
+        </p:blipFill>
+        <p:spPr>
+          <a:xfrm>
+            <a:off x="289498" y="910115"/>
+            <a:ext cx="11613003" cy="4692800"/>
+          </a:xfrm>
+          <a:prstGeom prst="rect">
+            <a:avLst/>
+          </a:prstGeom>
+        </p:spPr>
+      </p:pic>
+    </p:spTree>
+    <p:extLst>
+      <p:ext uri="{BB962C8B-B14F-4D97-AF65-F5344CB8AC3E}">
+        <p14:creationId xmlns:p14="http://schemas.microsoft.com/office/powerpoint/2010/main" val="3142941893"/>
+      </p:ext>
+    </p:extLst>
+  </p:cSld>
+  <p:clrMapOvr>
+    <a:masterClrMapping/>
+  </p:clrMapOvr>
+</p:sld>
+</file>
+
+<file path=ppt/slides/slide22.xml><?xml version="1.0" encoding="utf-8"?>
+<p:sld xmlns:a="http://schemas.openxmlformats.org/drawingml/2006/main" xmlns:r="http://schemas.openxmlformats.org/officeDocument/2006/relationships" xmlns:p="http://schemas.openxmlformats.org/presentationml/2006/main">
+  <p:cSld>
+    <p:spTree>
+      <p:nvGrpSpPr>
+        <p:cNvPr id="1" name=""/>
+        <p:cNvGrpSpPr/>
+        <p:nvPr/>
+      </p:nvGrpSpPr>
+      <p:grpSpPr>
+        <a:xfrm>
+          <a:off x="0" y="0"/>
+          <a:ext cx="0" cy="0"/>
+          <a:chOff x="0" y="0"/>
+          <a:chExt cx="0" cy="0"/>
+        </a:xfrm>
+      </p:grpSpPr>
+      <p:sp>
+        <p:nvSpPr>
+          <p:cNvPr id="3" name="Text Placeholder 2">
+            <a:extLst>
+              <a:ext uri="{FF2B5EF4-FFF2-40B4-BE49-F238E27FC236}">
+                <a16:creationId xmlns:a16="http://schemas.microsoft.com/office/drawing/2014/main" id="{472B6C7C-2265-0ED8-98DB-8DB13773894C}"/>
+              </a:ext>
+            </a:extLst>
+          </p:cNvPr>
+          <p:cNvSpPr>
+            <a:spLocks noGrp="1"/>
+          </p:cNvSpPr>
+          <p:nvPr>
+            <p:ph type="body" idx="1"/>
+          </p:nvPr>
+        </p:nvSpPr>
+        <p:spPr>
+          <a:xfrm>
+            <a:off x="190549" y="0"/>
+            <a:ext cx="10942217" cy="748966"/>
+          </a:xfrm>
+        </p:spPr>
+        <p:txBody>
+          <a:bodyPr/>
+          <a:lstStyle/>
+          <a:p>
+            <a:r>
+              <a:rPr lang="en-US" b="1" dirty="0">
+                <a:solidFill>
+                  <a:schemeClr val="tx2">
+                    <a:lumMod val="10000"/>
+                  </a:schemeClr>
+                </a:solidFill>
+              </a:rPr>
+              <a:t>Donor Portfolio Section</a:t>
+            </a:r>
+          </a:p>
+        </p:txBody>
+      </p:sp>
+      <p:pic>
+        <p:nvPicPr>
+          <p:cNvPr id="4" name="Picture 3">
+            <a:extLst>
+              <a:ext uri="{FF2B5EF4-FFF2-40B4-BE49-F238E27FC236}">
+                <a16:creationId xmlns:a16="http://schemas.microsoft.com/office/drawing/2014/main" id="{E24E9CC6-C3A3-1F6C-54A2-8FECC86460C0}"/>
+              </a:ext>
+            </a:extLst>
+          </p:cNvPr>
+          <p:cNvPicPr>
+            <a:picLocks noChangeAspect="1"/>
+          </p:cNvPicPr>
+          <p:nvPr/>
+        </p:nvPicPr>
+        <p:blipFill>
+          <a:blip r:embed="rId2"/>
+          <a:stretch>
+            <a:fillRect/>
+          </a:stretch>
+        </p:blipFill>
+        <p:spPr>
+          <a:xfrm>
+            <a:off x="739158" y="910115"/>
+            <a:ext cx="10713684" cy="4781768"/>
+          </a:xfrm>
+          <a:prstGeom prst="rect">
+            <a:avLst/>
+          </a:prstGeom>
+        </p:spPr>
+      </p:pic>
+    </p:spTree>
+    <p:extLst>
+      <p:ext uri="{BB962C8B-B14F-4D97-AF65-F5344CB8AC3E}">
+        <p14:creationId xmlns:p14="http://schemas.microsoft.com/office/powerpoint/2010/main" val="650616464"/>
+      </p:ext>
+    </p:extLst>
+  </p:cSld>
+  <p:clrMapOvr>
+    <a:masterClrMapping/>
+  </p:clrMapOvr>
+</p:sld>
+</file>
+
+<file path=ppt/slides/slide23.xml><?xml version="1.0" encoding="utf-8"?>
+<p:sld xmlns:a="http://schemas.openxmlformats.org/drawingml/2006/main" xmlns:r="http://schemas.openxmlformats.org/officeDocument/2006/relationships" xmlns:p="http://schemas.openxmlformats.org/presentationml/2006/main">
+  <p:cSld>
+    <p:spTree>
+      <p:nvGrpSpPr>
+        <p:cNvPr id="1" name=""/>
+        <p:cNvGrpSpPr/>
+        <p:nvPr/>
+      </p:nvGrpSpPr>
+      <p:grpSpPr>
+        <a:xfrm>
+          <a:off x="0" y="0"/>
+          <a:ext cx="0" cy="0"/>
+          <a:chOff x="0" y="0"/>
+          <a:chExt cx="0" cy="0"/>
+        </a:xfrm>
+      </p:grpSpPr>
+      <p:sp>
+        <p:nvSpPr>
+          <p:cNvPr id="3" name="Text Placeholder 2">
+            <a:extLst>
+              <a:ext uri="{FF2B5EF4-FFF2-40B4-BE49-F238E27FC236}">
+                <a16:creationId xmlns:a16="http://schemas.microsoft.com/office/drawing/2014/main" id="{472B6C7C-2265-0ED8-98DB-8DB13773894C}"/>
+              </a:ext>
+            </a:extLst>
+          </p:cNvPr>
+          <p:cNvSpPr>
+            <a:spLocks noGrp="1"/>
+          </p:cNvSpPr>
+          <p:nvPr>
+            <p:ph type="body" idx="1"/>
+          </p:nvPr>
+        </p:nvSpPr>
+        <p:spPr>
+          <a:xfrm>
+            <a:off x="221371" y="0"/>
+            <a:ext cx="10942217" cy="748966"/>
+          </a:xfrm>
+        </p:spPr>
+        <p:txBody>
+          <a:bodyPr/>
+          <a:lstStyle/>
+          <a:p>
+            <a:r>
+              <a:rPr lang="en-US" b="1" dirty="0">
+                <a:solidFill>
+                  <a:schemeClr val="tx2">
+                    <a:lumMod val="10000"/>
+                  </a:schemeClr>
+                </a:solidFill>
+              </a:rPr>
+              <a:t>Donor Portfolio Section</a:t>
+            </a:r>
+          </a:p>
+        </p:txBody>
+      </p:sp>
+      <p:pic>
+        <p:nvPicPr>
+          <p:cNvPr id="5" name="Picture 4">
+            <a:extLst>
+              <a:ext uri="{FF2B5EF4-FFF2-40B4-BE49-F238E27FC236}">
+                <a16:creationId xmlns:a16="http://schemas.microsoft.com/office/drawing/2014/main" id="{423B58D5-19FB-4826-3953-78D2011A06ED}"/>
+              </a:ext>
+            </a:extLst>
+          </p:cNvPr>
+          <p:cNvPicPr>
+            <a:picLocks noChangeAspect="1"/>
+          </p:cNvPicPr>
+          <p:nvPr/>
+        </p:nvPicPr>
+        <p:blipFill>
+          <a:blip r:embed="rId2"/>
+          <a:stretch>
+            <a:fillRect/>
+          </a:stretch>
+        </p:blipFill>
+        <p:spPr>
+          <a:xfrm>
+            <a:off x="302576" y="910115"/>
+            <a:ext cx="11586847" cy="3887916"/>
+          </a:xfrm>
+          <a:prstGeom prst="rect">
+            <a:avLst/>
+          </a:prstGeom>
+        </p:spPr>
+      </p:pic>
+    </p:spTree>
+    <p:extLst>
+      <p:ext uri="{BB962C8B-B14F-4D97-AF65-F5344CB8AC3E}">
+        <p14:creationId xmlns:p14="http://schemas.microsoft.com/office/powerpoint/2010/main" val="3219483538"/>
+      </p:ext>
+    </p:extLst>
+  </p:cSld>
+  <p:clrMapOvr>
+    <a:masterClrMapping/>
+  </p:clrMapOvr>
+</p:sld>
+</file>
+
+<file path=ppt/slides/slide24.xml><?xml version="1.0" encoding="utf-8"?>
+<p:sld xmlns:a="http://schemas.openxmlformats.org/drawingml/2006/main" xmlns:r="http://schemas.openxmlformats.org/officeDocument/2006/relationships" xmlns:p="http://schemas.openxmlformats.org/presentationml/2006/main">
+  <p:cSld>
+    <p:spTree>
+      <p:nvGrpSpPr>
+        <p:cNvPr id="1" name=""/>
+        <p:cNvGrpSpPr/>
+        <p:nvPr/>
+      </p:nvGrpSpPr>
+      <p:grpSpPr>
+        <a:xfrm>
+          <a:off x="0" y="0"/>
+          <a:ext cx="0" cy="0"/>
+          <a:chOff x="0" y="0"/>
+          <a:chExt cx="0" cy="0"/>
+        </a:xfrm>
+      </p:grpSpPr>
+      <p:sp>
+        <p:nvSpPr>
+          <p:cNvPr id="3" name="Text Placeholder 2">
+            <a:extLst>
+              <a:ext uri="{FF2B5EF4-FFF2-40B4-BE49-F238E27FC236}">
+                <a16:creationId xmlns:a16="http://schemas.microsoft.com/office/drawing/2014/main" id="{472B6C7C-2265-0ED8-98DB-8DB13773894C}"/>
+              </a:ext>
+            </a:extLst>
+          </p:cNvPr>
+          <p:cNvSpPr>
+            <a:spLocks noGrp="1"/>
+          </p:cNvSpPr>
+          <p:nvPr>
+            <p:ph type="body" idx="1"/>
+          </p:nvPr>
+        </p:nvSpPr>
+        <p:spPr>
+          <a:xfrm>
+            <a:off x="200823" y="0"/>
+            <a:ext cx="10942217" cy="748966"/>
+          </a:xfrm>
+        </p:spPr>
+        <p:txBody>
+          <a:bodyPr/>
+          <a:lstStyle/>
+          <a:p>
+            <a:r>
+              <a:rPr lang="en-US" b="1" dirty="0">
+                <a:solidFill>
+                  <a:schemeClr val="tx2">
+                    <a:lumMod val="10000"/>
+                  </a:schemeClr>
+                </a:solidFill>
+              </a:rPr>
+              <a:t>Gift Forecasting Section</a:t>
+            </a:r>
+          </a:p>
+        </p:txBody>
+      </p:sp>
+      <p:pic>
+        <p:nvPicPr>
+          <p:cNvPr id="4" name="Picture 3">
+            <a:extLst>
+              <a:ext uri="{FF2B5EF4-FFF2-40B4-BE49-F238E27FC236}">
+                <a16:creationId xmlns:a16="http://schemas.microsoft.com/office/drawing/2014/main" id="{F7AC289A-66F6-99CD-147D-E6AA87A49CAC}"/>
+              </a:ext>
+            </a:extLst>
+          </p:cNvPr>
+          <p:cNvPicPr>
+            <a:picLocks noChangeAspect="1"/>
+          </p:cNvPicPr>
+          <p:nvPr/>
+        </p:nvPicPr>
+        <p:blipFill>
+          <a:blip r:embed="rId2"/>
+          <a:stretch>
+            <a:fillRect/>
+          </a:stretch>
+        </p:blipFill>
+        <p:spPr>
+          <a:xfrm>
+            <a:off x="432412" y="989959"/>
+            <a:ext cx="11327176" cy="3787524"/>
+          </a:xfrm>
+          <a:prstGeom prst="rect">
+            <a:avLst/>
+          </a:prstGeom>
+        </p:spPr>
+      </p:pic>
+    </p:spTree>
+    <p:extLst>
+      <p:ext uri="{BB962C8B-B14F-4D97-AF65-F5344CB8AC3E}">
+        <p14:creationId xmlns:p14="http://schemas.microsoft.com/office/powerpoint/2010/main" val="1676940677"/>
+      </p:ext>
+    </p:extLst>
+  </p:cSld>
+  <p:clrMapOvr>
+    <a:masterClrMapping/>
+  </p:clrMapOvr>
+</p:sld>
+</file>
+
+<file path=ppt/slides/slide25.xml><?xml version="1.0" encoding="utf-8"?>
+<p:sld xmlns:a="http://schemas.openxmlformats.org/drawingml/2006/main" xmlns:r="http://schemas.openxmlformats.org/officeDocument/2006/relationships" xmlns:p="http://schemas.openxmlformats.org/presentationml/2006/main">
+  <p:cSld>
+    <p:spTree>
+      <p:nvGrpSpPr>
+        <p:cNvPr id="1" name=""/>
+        <p:cNvGrpSpPr/>
+        <p:nvPr/>
+      </p:nvGrpSpPr>
+      <p:grpSpPr>
+        <a:xfrm>
+          <a:off x="0" y="0"/>
+          <a:ext cx="0" cy="0"/>
+          <a:chOff x="0" y="0"/>
+          <a:chExt cx="0" cy="0"/>
+        </a:xfrm>
+      </p:grpSpPr>
+      <p:sp>
+        <p:nvSpPr>
+          <p:cNvPr id="3" name="Text Placeholder 2">
+            <a:extLst>
+              <a:ext uri="{FF2B5EF4-FFF2-40B4-BE49-F238E27FC236}">
+                <a16:creationId xmlns:a16="http://schemas.microsoft.com/office/drawing/2014/main" id="{472B6C7C-2265-0ED8-98DB-8DB13773894C}"/>
+              </a:ext>
+            </a:extLst>
+          </p:cNvPr>
+          <p:cNvSpPr>
+            <a:spLocks noGrp="1"/>
+          </p:cNvSpPr>
+          <p:nvPr>
+            <p:ph type="body" idx="1"/>
+          </p:nvPr>
+        </p:nvSpPr>
+        <p:spPr>
+          <a:xfrm>
+            <a:off x="211097" y="0"/>
+            <a:ext cx="10942217" cy="748966"/>
+          </a:xfrm>
+        </p:spPr>
+        <p:txBody>
+          <a:bodyPr/>
+          <a:lstStyle/>
+          <a:p>
+            <a:r>
+              <a:rPr lang="en-US" b="1" dirty="0">
+                <a:solidFill>
+                  <a:schemeClr val="tx2">
+                    <a:lumMod val="10000"/>
+                  </a:schemeClr>
+                </a:solidFill>
+              </a:rPr>
+              <a:t>Gift Prediction Section</a:t>
+            </a:r>
+          </a:p>
+        </p:txBody>
+      </p:sp>
+      <p:pic>
+        <p:nvPicPr>
+          <p:cNvPr id="5" name="Picture 4">
+            <a:extLst>
+              <a:ext uri="{FF2B5EF4-FFF2-40B4-BE49-F238E27FC236}">
+                <a16:creationId xmlns:a16="http://schemas.microsoft.com/office/drawing/2014/main" id="{5B2F5A29-20E0-5510-DB45-642F6D8BF9BD}"/>
+              </a:ext>
+            </a:extLst>
+          </p:cNvPr>
+          <p:cNvPicPr>
+            <a:picLocks noChangeAspect="1"/>
+          </p:cNvPicPr>
+          <p:nvPr/>
+        </p:nvPicPr>
+        <p:blipFill>
+          <a:blip r:embed="rId2"/>
+          <a:stretch>
+            <a:fillRect/>
+          </a:stretch>
+        </p:blipFill>
+        <p:spPr>
+          <a:xfrm>
+            <a:off x="575351" y="910115"/>
+            <a:ext cx="10665743" cy="4586559"/>
+          </a:xfrm>
+          <a:prstGeom prst="rect">
+            <a:avLst/>
+          </a:prstGeom>
+        </p:spPr>
+      </p:pic>
+    </p:spTree>
+    <p:extLst>
+      <p:ext uri="{BB962C8B-B14F-4D97-AF65-F5344CB8AC3E}">
+        <p14:creationId xmlns:p14="http://schemas.microsoft.com/office/powerpoint/2010/main" val="1848218470"/>
+      </p:ext>
+    </p:extLst>
+  </p:cSld>
+  <p:clrMapOvr>
+    <a:masterClrMapping/>
+  </p:clrMapOvr>
+</p:sld>
+</file>
+
 <file path=ppt/slides/slide3.xml><?xml version="1.0" encoding="utf-8"?>
 <p:sld xmlns:a="http://schemas.openxmlformats.org/drawingml/2006/main" xmlns:r="http://schemas.openxmlformats.org/officeDocument/2006/relationships" xmlns:p="http://schemas.openxmlformats.org/presentationml/2006/main">
   <p:cSld>
@@ -4880,41 +5685,489 @@
           <a:chExt cx="0" cy="0"/>
         </a:xfrm>
       </p:grpSpPr>
-      <p:sp>
-        <p:nvSpPr>
-          <p:cNvPr id="3" name="Text Placeholder 2">
+      <p:cxnSp>
+        <p:nvCxnSpPr>
+          <p:cNvPr id="5" name="Straight Connector 4">
             <a:extLst>
               <a:ext uri="{FF2B5EF4-FFF2-40B4-BE49-F238E27FC236}">
-                <a16:creationId xmlns:a16="http://schemas.microsoft.com/office/drawing/2014/main" id="{DDCDFF9B-EFAC-66ED-F9E4-A732730CD266}"/>
+                <a16:creationId xmlns:a16="http://schemas.microsoft.com/office/drawing/2014/main" id="{338934BF-8932-3080-18F4-EE2344C1D832}"/>
               </a:ext>
             </a:extLst>
           </p:cNvPr>
-          <p:cNvSpPr>
-            <a:spLocks noGrp="1"/>
-          </p:cNvSpPr>
-          <p:nvPr>
-            <p:ph type="body" idx="1"/>
-          </p:nvPr>
+          <p:cNvCxnSpPr/>
+          <p:nvPr/>
+        </p:nvCxnSpPr>
+        <p:spPr>
+          <a:xfrm>
+            <a:off x="9284181" y="1428543"/>
+            <a:ext cx="0" cy="3169142"/>
+          </a:xfrm>
+          <a:prstGeom prst="line">
+            <a:avLst/>
+          </a:prstGeom>
+          <a:ln>
+            <a:solidFill>
+              <a:srgbClr val="FFFFFF"/>
+            </a:solidFill>
+            <a:prstDash val="sysDash"/>
+          </a:ln>
+        </p:spPr>
+        <p:style>
+          <a:lnRef idx="1">
+            <a:schemeClr val="accent1"/>
+          </a:lnRef>
+          <a:fillRef idx="0">
+            <a:schemeClr val="accent1"/>
+          </a:fillRef>
+          <a:effectRef idx="0">
+            <a:schemeClr val="accent1"/>
+          </a:effectRef>
+          <a:fontRef idx="minor">
+            <a:schemeClr val="tx1"/>
+          </a:fontRef>
+        </p:style>
+      </p:cxnSp>
+      <p:cxnSp>
+        <p:nvCxnSpPr>
+          <p:cNvPr id="6" name="Straight Connector 5">
+            <a:extLst>
+              <a:ext uri="{FF2B5EF4-FFF2-40B4-BE49-F238E27FC236}">
+                <a16:creationId xmlns:a16="http://schemas.microsoft.com/office/drawing/2014/main" id="{DE80CECE-9A44-30B1-F287-0B7726EDDEFA}"/>
+              </a:ext>
+            </a:extLst>
+          </p:cNvPr>
+          <p:cNvCxnSpPr/>
+          <p:nvPr/>
+        </p:nvCxnSpPr>
+        <p:spPr>
+          <a:xfrm>
+            <a:off x="6853719" y="2997485"/>
+            <a:ext cx="4781550" cy="0"/>
+          </a:xfrm>
+          <a:prstGeom prst="line">
+            <a:avLst/>
+          </a:prstGeom>
+          <a:ln>
+            <a:solidFill>
+              <a:srgbClr val="FFFFFF"/>
+            </a:solidFill>
+            <a:prstDash val="sysDash"/>
+          </a:ln>
+        </p:spPr>
+        <p:style>
+          <a:lnRef idx="1">
+            <a:schemeClr val="accent1"/>
+          </a:lnRef>
+          <a:fillRef idx="0">
+            <a:schemeClr val="accent1"/>
+          </a:fillRef>
+          <a:effectRef idx="0">
+            <a:schemeClr val="accent1"/>
+          </a:effectRef>
+          <a:fontRef idx="minor">
+            <a:schemeClr val="tx1"/>
+          </a:fontRef>
+        </p:style>
+      </p:cxnSp>
+      <p:sp>
+        <p:nvSpPr>
+          <p:cNvPr id="7" name="TextBox 6">
+            <a:extLst>
+              <a:ext uri="{FF2B5EF4-FFF2-40B4-BE49-F238E27FC236}">
+                <a16:creationId xmlns:a16="http://schemas.microsoft.com/office/drawing/2014/main" id="{FBE50521-F27A-2FD7-05E6-BBA16318DF5B}"/>
+              </a:ext>
+            </a:extLst>
+          </p:cNvPr>
+          <p:cNvSpPr txBox="1"/>
+          <p:nvPr/>
         </p:nvSpPr>
         <p:spPr>
           <a:xfrm>
-            <a:off x="529597" y="0"/>
-            <a:ext cx="10675088" cy="748966"/>
+            <a:off x="7438490" y="1726058"/>
+            <a:ext cx="1304818" cy="523220"/>
           </a:xfrm>
+          <a:prstGeom prst="rect">
+            <a:avLst/>
+          </a:prstGeom>
+          <a:noFill/>
         </p:spPr>
         <p:txBody>
-          <a:bodyPr/>
+          <a:bodyPr wrap="square" rtlCol="0">
+            <a:spAutoFit/>
+          </a:bodyPr>
+          <a:lstStyle/>
+          <a:p>
+            <a:pPr algn="ctr"/>
+            <a:r>
+              <a:rPr lang="en-US" sz="2800" dirty="0">
+                <a:latin typeface="Corbel" panose="020B0503020204020204" pitchFamily="34" charset="0"/>
+              </a:rPr>
+              <a:t>5</a:t>
+            </a:r>
+          </a:p>
+        </p:txBody>
+      </p:sp>
+      <p:sp>
+        <p:nvSpPr>
+          <p:cNvPr id="8" name="TextBox 7">
+            <a:extLst>
+              <a:ext uri="{FF2B5EF4-FFF2-40B4-BE49-F238E27FC236}">
+                <a16:creationId xmlns:a16="http://schemas.microsoft.com/office/drawing/2014/main" id="{81CEFF6B-46EC-C542-6D15-63E2D2CF4387}"/>
+              </a:ext>
+            </a:extLst>
+          </p:cNvPr>
+          <p:cNvSpPr txBox="1"/>
+          <p:nvPr/>
+        </p:nvSpPr>
+        <p:spPr>
+          <a:xfrm>
+            <a:off x="7133443" y="2361771"/>
+            <a:ext cx="1871026" cy="307777"/>
+          </a:xfrm>
+          <a:prstGeom prst="rect">
+            <a:avLst/>
+          </a:prstGeom>
+          <a:noFill/>
+        </p:spPr>
+        <p:txBody>
+          <a:bodyPr wrap="none" rtlCol="0">
+            <a:spAutoFit/>
+          </a:bodyPr>
+          <a:lstStyle/>
+          <a:p>
+            <a:pPr algn="ctr"/>
+            <a:r>
+              <a:rPr lang="en-US" sz="1400" dirty="0">
+                <a:solidFill>
+                  <a:schemeClr val="tx2">
+                    <a:lumMod val="10000"/>
+                  </a:schemeClr>
+                </a:solidFill>
+                <a:latin typeface="Corbel" panose="020B0503020204020204" pitchFamily="34" charset="0"/>
+              </a:rPr>
+              <a:t>CRM Interaction Types</a:t>
+            </a:r>
+          </a:p>
+        </p:txBody>
+      </p:sp>
+      <p:sp>
+        <p:nvSpPr>
+          <p:cNvPr id="9" name="TextBox 8">
+            <a:extLst>
+              <a:ext uri="{FF2B5EF4-FFF2-40B4-BE49-F238E27FC236}">
+                <a16:creationId xmlns:a16="http://schemas.microsoft.com/office/drawing/2014/main" id="{C603BD4A-0823-8B7F-00F4-9296E66FAD6B}"/>
+              </a:ext>
+            </a:extLst>
+          </p:cNvPr>
+          <p:cNvSpPr txBox="1"/>
+          <p:nvPr/>
+        </p:nvSpPr>
+        <p:spPr>
+          <a:xfrm>
+            <a:off x="9868941" y="1726058"/>
+            <a:ext cx="1304818" cy="523220"/>
+          </a:xfrm>
+          <a:prstGeom prst="rect">
+            <a:avLst/>
+          </a:prstGeom>
+          <a:noFill/>
+        </p:spPr>
+        <p:txBody>
+          <a:bodyPr wrap="square" rtlCol="0">
+            <a:spAutoFit/>
+          </a:bodyPr>
+          <a:lstStyle/>
+          <a:p>
+            <a:pPr algn="ctr"/>
+            <a:r>
+              <a:rPr lang="en-US" sz="2800" dirty="0">
+                <a:latin typeface="Corbel" panose="020B0503020204020204" pitchFamily="34" charset="0"/>
+              </a:rPr>
+              <a:t>$1006</a:t>
+            </a:r>
+          </a:p>
+        </p:txBody>
+      </p:sp>
+      <p:sp>
+        <p:nvSpPr>
+          <p:cNvPr id="10" name="TextBox 9">
+            <a:extLst>
+              <a:ext uri="{FF2B5EF4-FFF2-40B4-BE49-F238E27FC236}">
+                <a16:creationId xmlns:a16="http://schemas.microsoft.com/office/drawing/2014/main" id="{39F024F5-36D4-E402-6356-BD77A5CAF018}"/>
+              </a:ext>
+            </a:extLst>
+          </p:cNvPr>
+          <p:cNvSpPr txBox="1"/>
+          <p:nvPr/>
+        </p:nvSpPr>
+        <p:spPr>
+          <a:xfrm>
+            <a:off x="9557488" y="2361771"/>
+            <a:ext cx="1883850" cy="307777"/>
+          </a:xfrm>
+          <a:prstGeom prst="rect">
+            <a:avLst/>
+          </a:prstGeom>
+          <a:noFill/>
+        </p:spPr>
+        <p:txBody>
+          <a:bodyPr wrap="none" rtlCol="0">
+            <a:spAutoFit/>
+          </a:bodyPr>
+          <a:lstStyle/>
+          <a:p>
+            <a:pPr algn="ctr"/>
+            <a:r>
+              <a:rPr lang="en-US" sz="1400" dirty="0">
+                <a:solidFill>
+                  <a:schemeClr val="tx2">
+                    <a:lumMod val="10000"/>
+                  </a:schemeClr>
+                </a:solidFill>
+                <a:latin typeface="Corbel" panose="020B0503020204020204" pitchFamily="34" charset="0"/>
+              </a:rPr>
+              <a:t>2025 Avg. Gift Amount</a:t>
+            </a:r>
+          </a:p>
+        </p:txBody>
+      </p:sp>
+      <p:sp>
+        <p:nvSpPr>
+          <p:cNvPr id="11" name="TextBox 10">
+            <a:extLst>
+              <a:ext uri="{FF2B5EF4-FFF2-40B4-BE49-F238E27FC236}">
+                <a16:creationId xmlns:a16="http://schemas.microsoft.com/office/drawing/2014/main" id="{2E4E0050-5561-8D62-3561-E3FA7EF41E70}"/>
+              </a:ext>
+            </a:extLst>
+          </p:cNvPr>
+          <p:cNvSpPr txBox="1"/>
+          <p:nvPr/>
+        </p:nvSpPr>
+        <p:spPr>
+          <a:xfrm>
+            <a:off x="7394604" y="3295000"/>
+            <a:ext cx="1304818" cy="523220"/>
+          </a:xfrm>
+          <a:prstGeom prst="rect">
+            <a:avLst/>
+          </a:prstGeom>
+          <a:noFill/>
+        </p:spPr>
+        <p:txBody>
+          <a:bodyPr wrap="square" rtlCol="0">
+            <a:spAutoFit/>
+          </a:bodyPr>
+          <a:lstStyle/>
+          <a:p>
+            <a:pPr algn="ctr"/>
+            <a:r>
+              <a:rPr lang="en-US" sz="2800" dirty="0">
+                <a:latin typeface="Corbel" panose="020B0503020204020204" pitchFamily="34" charset="0"/>
+              </a:rPr>
+              <a:t>10</a:t>
+            </a:r>
+          </a:p>
+        </p:txBody>
+      </p:sp>
+      <p:sp>
+        <p:nvSpPr>
+          <p:cNvPr id="12" name="TextBox 11">
+            <a:extLst>
+              <a:ext uri="{FF2B5EF4-FFF2-40B4-BE49-F238E27FC236}">
+                <a16:creationId xmlns:a16="http://schemas.microsoft.com/office/drawing/2014/main" id="{33298949-27E2-7070-677A-73BC9C8C4D31}"/>
+              </a:ext>
+            </a:extLst>
+          </p:cNvPr>
+          <p:cNvSpPr txBox="1"/>
+          <p:nvPr/>
+        </p:nvSpPr>
+        <p:spPr>
+          <a:xfrm>
+            <a:off x="6963726" y="3930713"/>
+            <a:ext cx="2122697" cy="307777"/>
+          </a:xfrm>
+          <a:prstGeom prst="rect">
+            <a:avLst/>
+          </a:prstGeom>
+          <a:noFill/>
+        </p:spPr>
+        <p:txBody>
+          <a:bodyPr wrap="none" rtlCol="0">
+            <a:spAutoFit/>
+          </a:bodyPr>
+          <a:lstStyle/>
+          <a:p>
+            <a:pPr algn="ctr"/>
+            <a:r>
+              <a:rPr lang="en-US" sz="1400" dirty="0">
+                <a:solidFill>
+                  <a:schemeClr val="tx2">
+                    <a:lumMod val="10000"/>
+                  </a:schemeClr>
+                </a:solidFill>
+                <a:latin typeface="Corbel" panose="020B0503020204020204" pitchFamily="34" charset="0"/>
+              </a:rPr>
+              <a:t># of Years used in analysis</a:t>
+            </a:r>
+          </a:p>
+        </p:txBody>
+      </p:sp>
+      <p:sp>
+        <p:nvSpPr>
+          <p:cNvPr id="13" name="TextBox 12">
+            <a:extLst>
+              <a:ext uri="{FF2B5EF4-FFF2-40B4-BE49-F238E27FC236}">
+                <a16:creationId xmlns:a16="http://schemas.microsoft.com/office/drawing/2014/main" id="{C618838E-C16F-9161-A7B6-A59059949996}"/>
+              </a:ext>
+            </a:extLst>
+          </p:cNvPr>
+          <p:cNvSpPr txBox="1"/>
+          <p:nvPr/>
+        </p:nvSpPr>
+        <p:spPr>
+          <a:xfrm>
+            <a:off x="9871420" y="3289306"/>
+            <a:ext cx="1304818" cy="523220"/>
+          </a:xfrm>
+          <a:prstGeom prst="rect">
+            <a:avLst/>
+          </a:prstGeom>
+          <a:noFill/>
+        </p:spPr>
+        <p:txBody>
+          <a:bodyPr wrap="square" rtlCol="0">
+            <a:spAutoFit/>
+          </a:bodyPr>
+          <a:lstStyle/>
+          <a:p>
+            <a:pPr algn="ctr"/>
+            <a:r>
+              <a:rPr lang="en-US" sz="2800" dirty="0">
+                <a:latin typeface="Corbel" panose="020B0503020204020204" pitchFamily="34" charset="0"/>
+              </a:rPr>
+              <a:t>4</a:t>
+            </a:r>
+          </a:p>
+        </p:txBody>
+      </p:sp>
+      <p:sp>
+        <p:nvSpPr>
+          <p:cNvPr id="14" name="TextBox 13">
+            <a:extLst>
+              <a:ext uri="{FF2B5EF4-FFF2-40B4-BE49-F238E27FC236}">
+                <a16:creationId xmlns:a16="http://schemas.microsoft.com/office/drawing/2014/main" id="{1DEA8F67-0D4F-3C20-088A-88A2D1F85B37}"/>
+              </a:ext>
+            </a:extLst>
+          </p:cNvPr>
+          <p:cNvSpPr txBox="1"/>
+          <p:nvPr/>
+        </p:nvSpPr>
+        <p:spPr>
+          <a:xfrm>
+            <a:off x="9911020" y="3925019"/>
+            <a:ext cx="1181735" cy="307777"/>
+          </a:xfrm>
+          <a:prstGeom prst="rect">
+            <a:avLst/>
+          </a:prstGeom>
+          <a:noFill/>
+        </p:spPr>
+        <p:txBody>
+          <a:bodyPr wrap="none" rtlCol="0">
+            <a:spAutoFit/>
+          </a:bodyPr>
+          <a:lstStyle/>
+          <a:p>
+            <a:pPr algn="ctr"/>
+            <a:r>
+              <a:rPr lang="en-US" sz="1400" dirty="0">
+                <a:solidFill>
+                  <a:schemeClr val="tx2">
+                    <a:lumMod val="10000"/>
+                  </a:schemeClr>
+                </a:solidFill>
+                <a:latin typeface="Corbel" panose="020B0503020204020204" pitchFamily="34" charset="0"/>
+              </a:rPr>
+              <a:t># of Datasets</a:t>
+            </a:r>
+          </a:p>
+        </p:txBody>
+      </p:sp>
+      <p:sp>
+        <p:nvSpPr>
+          <p:cNvPr id="15" name="TextBox 14">
+            <a:extLst>
+              <a:ext uri="{FF2B5EF4-FFF2-40B4-BE49-F238E27FC236}">
+                <a16:creationId xmlns:a16="http://schemas.microsoft.com/office/drawing/2014/main" id="{3DA4F7EF-C901-4A88-FE5A-EE97D23CA7F1}"/>
+              </a:ext>
+            </a:extLst>
+          </p:cNvPr>
+          <p:cNvSpPr txBox="1"/>
+          <p:nvPr/>
+        </p:nvSpPr>
+        <p:spPr>
+          <a:xfrm>
+            <a:off x="258492" y="2541275"/>
+            <a:ext cx="4948790" cy="1815882"/>
+          </a:xfrm>
+          <a:prstGeom prst="rect">
+            <a:avLst/>
+          </a:prstGeom>
+          <a:noFill/>
+        </p:spPr>
+        <p:txBody>
+          <a:bodyPr wrap="square" rtlCol="0">
+            <a:spAutoFit/>
+          </a:bodyPr>
           <a:lstStyle/>
           <a:p>
             <a:r>
-              <a:rPr lang="en-US" b="1" dirty="0">
-                <a:solidFill>
-                  <a:schemeClr val="tx2">
-                    <a:lumMod val="10000"/>
-                  </a:schemeClr>
-                </a:solidFill>
+              <a:rPr lang="en-US" dirty="0">
+                <a:latin typeface="Corbel" panose="020B0503020204020204" pitchFamily="34" charset="0"/>
               </a:rPr>
-              <a:t>Overview</a:t>
+              <a:t>Recently, your organization expanded, attracting a new pool of potential donors. With this expansion, the vice president of advancement has tasked your team with developing data-driven fundraising portfolios for the new prospect pool. This challenge is not just about identifying prospects but about strategically organizing them into portfolios that maximize fundraising efficiency and impact.</a:t>
+            </a:r>
+          </a:p>
+          <a:p>
+            <a:endParaRPr lang="en-US" dirty="0">
+              <a:latin typeface="Corbel" panose="020B0503020204020204" pitchFamily="34" charset="0"/>
+            </a:endParaRPr>
+          </a:p>
+        </p:txBody>
+      </p:sp>
+      <p:sp>
+        <p:nvSpPr>
+          <p:cNvPr id="17" name="TextBox 16">
+            <a:extLst>
+              <a:ext uri="{FF2B5EF4-FFF2-40B4-BE49-F238E27FC236}">
+                <a16:creationId xmlns:a16="http://schemas.microsoft.com/office/drawing/2014/main" id="{52081C3B-9832-2B9C-FC27-3E607269FD46}"/>
+              </a:ext>
+            </a:extLst>
+          </p:cNvPr>
+          <p:cNvSpPr txBox="1"/>
+          <p:nvPr/>
+        </p:nvSpPr>
+        <p:spPr>
+          <a:xfrm>
+            <a:off x="253274" y="1726058"/>
+            <a:ext cx="6097712" cy="523220"/>
+          </a:xfrm>
+          <a:prstGeom prst="rect">
+            <a:avLst/>
+          </a:prstGeom>
+          <a:noFill/>
+        </p:spPr>
+        <p:txBody>
+          <a:bodyPr wrap="square">
+            <a:spAutoFit/>
+          </a:bodyPr>
+          <a:lstStyle/>
+          <a:p>
+            <a:r>
+              <a:rPr lang="en-US" sz="2800" b="1" dirty="0">
+                <a:latin typeface="Corbel" panose="020B0503020204020204" pitchFamily="34" charset="0"/>
+              </a:rPr>
+              <a:t>The Challenge</a:t>
             </a:r>
           </a:p>
         </p:txBody>
@@ -4978,7 +6231,7 @@
                   </a:schemeClr>
                 </a:solidFill>
               </a:rPr>
-              <a:t>Donation Insights</a:t>
+              <a:t>Donation Data Insights</a:t>
             </a:r>
           </a:p>
         </p:txBody>
@@ -5015,10 +6268,10 @@
       </p:grpSpPr>
       <p:sp>
         <p:nvSpPr>
-          <p:cNvPr id="3" name="Text Placeholder 2">
+          <p:cNvPr id="4" name="Text Placeholder 3">
             <a:extLst>
               <a:ext uri="{FF2B5EF4-FFF2-40B4-BE49-F238E27FC236}">
-                <a16:creationId xmlns:a16="http://schemas.microsoft.com/office/drawing/2014/main" id="{DDCDFF9B-EFAC-66ED-F9E4-A732730CD266}"/>
+                <a16:creationId xmlns:a16="http://schemas.microsoft.com/office/drawing/2014/main" id="{229049EE-DBCD-06A1-10C4-3CF9402809A5}"/>
               </a:ext>
             </a:extLst>
           </p:cNvPr>
@@ -5031,27 +6284,91 @@
         </p:nvSpPr>
         <p:spPr>
           <a:xfrm>
-            <a:off x="529597" y="0"/>
-            <a:ext cx="10675088" cy="748966"/>
+            <a:off x="8687278" y="561841"/>
+            <a:ext cx="2562924" cy="2273826"/>
           </a:xfrm>
         </p:spPr>
         <p:txBody>
-          <a:bodyPr/>
+          <a:bodyPr>
+            <a:normAutofit/>
+          </a:bodyPr>
           <a:lstStyle/>
           <a:p>
+            <a:pPr marL="514350" indent="-285750">
+              <a:buClr>
+                <a:schemeClr val="tx1">
+                  <a:lumMod val="50000"/>
+                </a:schemeClr>
+              </a:buClr>
+              <a:buSzPct val="100000"/>
+              <a:buFont typeface="Arial" panose="020B0604020202020204" pitchFamily="34" charset="0"/>
+              <a:buChar char="•"/>
+            </a:pPr>
             <a:r>
-              <a:rPr lang="en-US" b="1" dirty="0">
+              <a:rPr lang="en-US" sz="1600" dirty="0">
                 <a:solidFill>
                   <a:schemeClr val="tx2">
                     <a:lumMod val="10000"/>
                   </a:schemeClr>
                 </a:solidFill>
               </a:rPr>
-              <a:t>Overview</a:t>
+              <a:t>Visits are aligned with higher gift amounts</a:t>
+            </a:r>
+          </a:p>
+          <a:p>
+            <a:pPr marL="514350" indent="-285750">
+              <a:buClr>
+                <a:schemeClr val="tx1">
+                  <a:lumMod val="50000"/>
+                </a:schemeClr>
+              </a:buClr>
+              <a:buSzPct val="100000"/>
+              <a:buFont typeface="Arial" panose="020B0604020202020204" pitchFamily="34" charset="0"/>
+              <a:buChar char="•"/>
+            </a:pPr>
+            <a:r>
+              <a:rPr lang="en-US" sz="1600" dirty="0">
+                <a:solidFill>
+                  <a:schemeClr val="tx2">
+                    <a:lumMod val="10000"/>
+                  </a:schemeClr>
+                </a:solidFill>
+              </a:rPr>
+              <a:t>Opportunities to improve donation approach with respect to virtual visits and event approaches </a:t>
             </a:r>
           </a:p>
         </p:txBody>
       </p:sp>
+      <p:pic>
+        <p:nvPicPr>
+          <p:cNvPr id="8" name="Picture 7">
+            <a:extLst>
+              <a:ext uri="{FF2B5EF4-FFF2-40B4-BE49-F238E27FC236}">
+                <a16:creationId xmlns:a16="http://schemas.microsoft.com/office/drawing/2014/main" id="{208A9133-698F-BE7F-F553-B5CD5F62AC04}"/>
+              </a:ext>
+            </a:extLst>
+          </p:cNvPr>
+          <p:cNvPicPr>
+            <a:picLocks noChangeAspect="1"/>
+          </p:cNvPicPr>
+          <p:nvPr/>
+        </p:nvPicPr>
+        <p:blipFill>
+          <a:blip r:embed="rId2"/>
+          <a:stretch>
+            <a:fillRect/>
+          </a:stretch>
+        </p:blipFill>
+        <p:spPr>
+          <a:xfrm>
+            <a:off x="360523" y="561840"/>
+            <a:ext cx="7450251" cy="5037575"/>
+          </a:xfrm>
+          <a:prstGeom prst="rect">
+            <a:avLst/>
+          </a:prstGeom>
+        </p:spPr>
+      </p:pic>
     </p:spTree>
     <p:extLst>
       <p:ext uri="{BB962C8B-B14F-4D97-AF65-F5344CB8AC3E}">
@@ -5084,10 +6401,10 @@
       </p:grpSpPr>
       <p:sp>
         <p:nvSpPr>
-          <p:cNvPr id="3" name="Text Placeholder 2">
+          <p:cNvPr id="4" name="Text Placeholder 3">
             <a:extLst>
               <a:ext uri="{FF2B5EF4-FFF2-40B4-BE49-F238E27FC236}">
-                <a16:creationId xmlns:a16="http://schemas.microsoft.com/office/drawing/2014/main" id="{DDCDFF9B-EFAC-66ED-F9E4-A732730CD266}"/>
+                <a16:creationId xmlns:a16="http://schemas.microsoft.com/office/drawing/2014/main" id="{229049EE-DBCD-06A1-10C4-3CF9402809A5}"/>
               </a:ext>
             </a:extLst>
           </p:cNvPr>
@@ -5100,31 +6417,117 @@
         </p:nvSpPr>
         <p:spPr>
           <a:xfrm>
-            <a:off x="529597" y="0"/>
-            <a:ext cx="10675088" cy="748966"/>
+            <a:off x="8687278" y="561840"/>
+            <a:ext cx="2562924" cy="2684793"/>
           </a:xfrm>
         </p:spPr>
         <p:txBody>
-          <a:bodyPr/>
+          <a:bodyPr>
+            <a:normAutofit lnSpcReduction="10000"/>
+          </a:bodyPr>
           <a:lstStyle/>
           <a:p>
+            <a:pPr marL="514350" indent="-285750">
+              <a:buClr>
+                <a:schemeClr val="tx1">
+                  <a:lumMod val="50000"/>
+                </a:schemeClr>
+              </a:buClr>
+              <a:buSzPct val="100000"/>
+              <a:buFont typeface="Arial" panose="020B0604020202020204" pitchFamily="34" charset="0"/>
+              <a:buChar char="•"/>
+            </a:pPr>
             <a:r>
-              <a:rPr lang="en-US" b="1" dirty="0">
+              <a:rPr lang="en-US" sz="1600" dirty="0">
                 <a:solidFill>
                   <a:schemeClr val="tx2">
                     <a:lumMod val="10000"/>
                   </a:schemeClr>
                 </a:solidFill>
               </a:rPr>
-              <a:t>Overview</a:t>
+              <a:t>2016 saw the highest average gift amount of $2260</a:t>
+            </a:r>
+          </a:p>
+          <a:p>
+            <a:pPr marL="514350" indent="-285750">
+              <a:buClr>
+                <a:schemeClr val="tx1">
+                  <a:lumMod val="50000"/>
+                </a:schemeClr>
+              </a:buClr>
+              <a:buSzPct val="100000"/>
+              <a:buFont typeface="Arial" panose="020B0604020202020204" pitchFamily="34" charset="0"/>
+              <a:buChar char="•"/>
+            </a:pPr>
+            <a:r>
+              <a:rPr lang="en-US" sz="1600" dirty="0">
+                <a:solidFill>
+                  <a:schemeClr val="tx2">
+                    <a:lumMod val="10000"/>
+                  </a:schemeClr>
+                </a:solidFill>
+              </a:rPr>
+              <a:t>2025 is showing a better average gift amount compared to the last 3 years</a:t>
+            </a:r>
+          </a:p>
+          <a:p>
+            <a:pPr marL="514350" indent="-285750">
+              <a:buClr>
+                <a:schemeClr val="tx1">
+                  <a:lumMod val="50000"/>
+                </a:schemeClr>
+              </a:buClr>
+              <a:buSzPct val="100000"/>
+              <a:buFont typeface="Arial" panose="020B0604020202020204" pitchFamily="34" charset="0"/>
+              <a:buChar char="•"/>
+            </a:pPr>
+            <a:r>
+              <a:rPr lang="en-US" sz="1600" dirty="0">
+                <a:solidFill>
+                  <a:schemeClr val="tx2">
+                    <a:lumMod val="10000"/>
+                  </a:schemeClr>
+                </a:solidFill>
+              </a:rPr>
+              <a:t>Opportunity to have a consistent gift amount year after year</a:t>
             </a:r>
           </a:p>
         </p:txBody>
       </p:sp>
+      <p:pic>
+        <p:nvPicPr>
+          <p:cNvPr id="3" name="Picture 2">
+            <a:extLst>
+              <a:ext uri="{FF2B5EF4-FFF2-40B4-BE49-F238E27FC236}">
+                <a16:creationId xmlns:a16="http://schemas.microsoft.com/office/drawing/2014/main" id="{71AFCE05-E779-1719-12F7-D4F8C0EE8C12}"/>
+              </a:ext>
+            </a:extLst>
+          </p:cNvPr>
+          <p:cNvPicPr>
+            <a:picLocks noChangeAspect="1"/>
+          </p:cNvPicPr>
+          <p:nvPr/>
+        </p:nvPicPr>
+        <p:blipFill>
+          <a:blip r:embed="rId2"/>
+          <a:stretch>
+            <a:fillRect/>
+          </a:stretch>
+        </p:blipFill>
+        <p:spPr>
+          <a:xfrm>
+            <a:off x="319426" y="561841"/>
+            <a:ext cx="7926611" cy="5181413"/>
+          </a:xfrm>
+          <a:prstGeom prst="rect">
+            <a:avLst/>
+          </a:prstGeom>
+        </p:spPr>
+      </p:pic>
     </p:spTree>
     <p:extLst>
       <p:ext uri="{BB962C8B-B14F-4D97-AF65-F5344CB8AC3E}">
-        <p14:creationId xmlns:p14="http://schemas.microsoft.com/office/powerpoint/2010/main" val="898901644"/>
+        <p14:creationId xmlns:p14="http://schemas.microsoft.com/office/powerpoint/2010/main" val="2978884051"/>
       </p:ext>
     </p:extLst>
   </p:cSld>
@@ -5153,10 +6556,10 @@
       </p:grpSpPr>
       <p:sp>
         <p:nvSpPr>
-          <p:cNvPr id="2" name="Title 1">
+          <p:cNvPr id="4" name="Text Placeholder 3">
             <a:extLst>
               <a:ext uri="{FF2B5EF4-FFF2-40B4-BE49-F238E27FC236}">
-                <a16:creationId xmlns:a16="http://schemas.microsoft.com/office/drawing/2014/main" id="{074EA6BA-245D-01C6-93D0-54B7131C38A0}"/>
+                <a16:creationId xmlns:a16="http://schemas.microsoft.com/office/drawing/2014/main" id="{229049EE-DBCD-06A1-10C4-3CF9402809A5}"/>
               </a:ext>
             </a:extLst>
           </p:cNvPr>
@@ -5164,31 +6567,100 @@
             <a:spLocks noGrp="1"/>
           </p:cNvSpPr>
           <p:nvPr>
-            <p:ph type="title"/>
+            <p:ph type="body" idx="1"/>
           </p:nvPr>
         </p:nvSpPr>
-        <p:spPr/>
+        <p:spPr>
+          <a:xfrm>
+            <a:off x="8687278" y="561840"/>
+            <a:ext cx="2562924" cy="2684793"/>
+          </a:xfrm>
+        </p:spPr>
         <p:txBody>
-          <a:bodyPr/>
+          <a:bodyPr>
+            <a:normAutofit/>
+          </a:bodyPr>
           <a:lstStyle/>
           <a:p>
+            <a:pPr marL="514350" indent="-285750">
+              <a:buClr>
+                <a:schemeClr val="tx1">
+                  <a:lumMod val="50000"/>
+                </a:schemeClr>
+              </a:buClr>
+              <a:buSzPct val="100000"/>
+              <a:buFont typeface="Arial" panose="020B0604020202020204" pitchFamily="34" charset="0"/>
+              <a:buChar char="•"/>
+            </a:pPr>
             <a:r>
-              <a:rPr lang="en-US" dirty="0">
+              <a:rPr lang="en-US" sz="1600" dirty="0">
                 <a:solidFill>
                   <a:schemeClr val="tx2">
                     <a:lumMod val="10000"/>
                   </a:schemeClr>
                 </a:solidFill>
               </a:rPr>
-              <a:t>Donor Portfolio</a:t>
+              <a:t>January, June and December are pivotal gift giving months</a:t>
+            </a:r>
+          </a:p>
+          <a:p>
+            <a:pPr marL="514350" indent="-285750">
+              <a:buClr>
+                <a:schemeClr val="tx1">
+                  <a:lumMod val="50000"/>
+                </a:schemeClr>
+              </a:buClr>
+              <a:buSzPct val="100000"/>
+              <a:buFont typeface="Arial" panose="020B0604020202020204" pitchFamily="34" charset="0"/>
+              <a:buChar char="•"/>
+            </a:pPr>
+            <a:r>
+              <a:rPr lang="en-US" sz="1600" dirty="0">
+                <a:solidFill>
+                  <a:schemeClr val="tx2">
+                    <a:lumMod val="10000"/>
+                  </a:schemeClr>
+                </a:solidFill>
+              </a:rPr>
+              <a:t>Opportunity to drive more gift giving in low periods like February - April</a:t>
             </a:r>
           </a:p>
         </p:txBody>
       </p:sp>
+      <p:pic>
+        <p:nvPicPr>
+          <p:cNvPr id="5" name="Picture 4">
+            <a:extLst>
+              <a:ext uri="{FF2B5EF4-FFF2-40B4-BE49-F238E27FC236}">
+                <a16:creationId xmlns:a16="http://schemas.microsoft.com/office/drawing/2014/main" id="{5C7C1018-608E-2C78-5191-258675A703CD}"/>
+              </a:ext>
+            </a:extLst>
+          </p:cNvPr>
+          <p:cNvPicPr>
+            <a:picLocks noChangeAspect="1"/>
+          </p:cNvPicPr>
+          <p:nvPr/>
+        </p:nvPicPr>
+        <p:blipFill>
+          <a:blip r:embed="rId2"/>
+          <a:stretch>
+            <a:fillRect/>
+          </a:stretch>
+        </p:blipFill>
+        <p:spPr>
+          <a:xfrm>
+            <a:off x="298878" y="577033"/>
+            <a:ext cx="7772400" cy="5339200"/>
+          </a:xfrm>
+          <a:prstGeom prst="rect">
+            <a:avLst/>
+          </a:prstGeom>
+        </p:spPr>
+      </p:pic>
     </p:spTree>
     <p:extLst>
       <p:ext uri="{BB962C8B-B14F-4D97-AF65-F5344CB8AC3E}">
-        <p14:creationId xmlns:p14="http://schemas.microsoft.com/office/powerpoint/2010/main" val="4179264079"/>
+        <p14:creationId xmlns:p14="http://schemas.microsoft.com/office/powerpoint/2010/main" val="1804617256"/>
       </p:ext>
     </p:extLst>
   </p:cSld>
@@ -5244,7 +6716,7 @@
                   </a:schemeClr>
                 </a:solidFill>
               </a:rPr>
-              <a:t>Donation Opportunities</a:t>
+              <a:t>Donor Portfolio</a:t>
             </a:r>
           </a:p>
         </p:txBody>
@@ -5252,7 +6724,7 @@
     </p:spTree>
     <p:extLst>
       <p:ext uri="{BB962C8B-B14F-4D97-AF65-F5344CB8AC3E}">
-        <p14:creationId xmlns:p14="http://schemas.microsoft.com/office/powerpoint/2010/main" val="1214242395"/>
+        <p14:creationId xmlns:p14="http://schemas.microsoft.com/office/powerpoint/2010/main" val="4179264079"/>
       </p:ext>
     </p:extLst>
   </p:cSld>

--- a/Apra/2025/apra_2025/Apra 2025 Data Science Challenge Deck.pptx
+++ b/Apra/2025/apra_2025/Apra 2025 Data Science Challenge Deck.pptx
@@ -8,21 +8,21 @@
     <p:notesMasterId r:id="rId27"/>
   </p:notesMasterIdLst>
   <p:sldIdLst>
-    <p:sldId id="256" r:id="rId2"/>
+    <p:sldId id="284" r:id="rId2"/>
     <p:sldId id="270" r:id="rId3"/>
     <p:sldId id="269" r:id="rId4"/>
     <p:sldId id="266" r:id="rId5"/>
-    <p:sldId id="267" r:id="rId6"/>
-    <p:sldId id="273" r:id="rId7"/>
-    <p:sldId id="277" r:id="rId8"/>
-    <p:sldId id="278" r:id="rId9"/>
-    <p:sldId id="272" r:id="rId10"/>
-    <p:sldId id="280" r:id="rId11"/>
-    <p:sldId id="279" r:id="rId12"/>
-    <p:sldId id="281" r:id="rId13"/>
-    <p:sldId id="268" r:id="rId14"/>
+    <p:sldId id="273" r:id="rId6"/>
+    <p:sldId id="277" r:id="rId7"/>
+    <p:sldId id="278" r:id="rId8"/>
+    <p:sldId id="272" r:id="rId9"/>
+    <p:sldId id="280" r:id="rId10"/>
+    <p:sldId id="279" r:id="rId11"/>
+    <p:sldId id="281" r:id="rId12"/>
+    <p:sldId id="268" r:id="rId13"/>
+    <p:sldId id="285" r:id="rId14"/>
     <p:sldId id="276" r:id="rId15"/>
-    <p:sldId id="275" r:id="rId16"/>
+    <p:sldId id="286" r:id="rId16"/>
     <p:sldId id="282" r:id="rId17"/>
     <p:sldId id="283" r:id="rId18"/>
     <p:sldId id="258" r:id="rId19"/>
@@ -861,544 +861,7 @@
 </p:notesMaster>
 </file>
 
-<file path=ppt/notesSlides/notesSlide1.xml><?xml version="1.0" encoding="utf-8"?>
-<p:notes xmlns:a="http://schemas.openxmlformats.org/drawingml/2006/main" xmlns:r="http://schemas.openxmlformats.org/officeDocument/2006/relationships" xmlns:p="http://schemas.openxmlformats.org/presentationml/2006/main" showMasterSp="0" showMasterPhAnim="0">
-  <p:cSld>
-    <p:spTree>
-      <p:nvGrpSpPr>
-        <p:cNvPr id="1" name="Shape 25"/>
-        <p:cNvGrpSpPr/>
-        <p:nvPr/>
-      </p:nvGrpSpPr>
-      <p:grpSpPr>
-        <a:xfrm>
-          <a:off x="0" y="0"/>
-          <a:ext cx="0" cy="0"/>
-          <a:chOff x="0" y="0"/>
-          <a:chExt cx="0" cy="0"/>
-        </a:xfrm>
-      </p:grpSpPr>
-      <p:sp>
-        <p:nvSpPr>
-          <p:cNvPr id="26" name="Google Shape;26;p1:notes"/>
-          <p:cNvSpPr txBox="1">
-            <a:spLocks noGrp="1"/>
-          </p:cNvSpPr>
-          <p:nvPr>
-            <p:ph type="body" idx="1"/>
-          </p:nvPr>
-        </p:nvSpPr>
-        <p:spPr>
-          <a:xfrm>
-            <a:off x="685800" y="4343400"/>
-            <a:ext cx="5486400" cy="4114800"/>
-          </a:xfrm>
-          <a:prstGeom prst="rect">
-            <a:avLst/>
-          </a:prstGeom>
-          <a:noFill/>
-          <a:ln>
-            <a:noFill/>
-          </a:ln>
-        </p:spPr>
-        <p:txBody>
-          <a:bodyPr spcFirstLastPara="1" wrap="square" lIns="91425" tIns="91425" rIns="91425" bIns="91425" anchor="t" anchorCtr="0">
-            <a:noAutofit/>
-          </a:bodyPr>
-          <a:lstStyle/>
-          <a:p>
-            <a:pPr marL="0" lvl="0" indent="0" algn="l" rtl="0">
-              <a:lnSpc>
-                <a:spcPct val="100000"/>
-              </a:lnSpc>
-              <a:spcBef>
-                <a:spcPts val="0"/>
-              </a:spcBef>
-              <a:spcAft>
-                <a:spcPts val="0"/>
-              </a:spcAft>
-              <a:buSzPts val="1100"/>
-              <a:buNone/>
-            </a:pPr>
-            <a:endParaRPr/>
-          </a:p>
-        </p:txBody>
-      </p:sp>
-      <p:sp>
-        <p:nvSpPr>
-          <p:cNvPr id="27" name="Google Shape;27;p1:notes"/>
-          <p:cNvSpPr>
-            <a:spLocks noGrp="1" noRot="1" noChangeAspect="1"/>
-          </p:cNvSpPr>
-          <p:nvPr>
-            <p:ph type="sldImg" idx="2"/>
-          </p:nvPr>
-        </p:nvSpPr>
-        <p:spPr>
-          <a:xfrm>
-            <a:off x="381000" y="685800"/>
-            <a:ext cx="6096000" cy="3429000"/>
-          </a:xfrm>
-          <a:custGeom>
-            <a:avLst/>
-            <a:gdLst/>
-            <a:ahLst/>
-            <a:cxnLst/>
-            <a:rect l="l" t="t" r="r" b="b"/>
-            <a:pathLst>
-              <a:path w="120000" h="120000" extrusionOk="0">
-                <a:moveTo>
-                  <a:pt x="0" y="0"/>
-                </a:moveTo>
-                <a:lnTo>
-                  <a:pt x="120000" y="0"/>
-                </a:lnTo>
-                <a:lnTo>
-                  <a:pt x="120000" y="120000"/>
-                </a:lnTo>
-                <a:lnTo>
-                  <a:pt x="0" y="120000"/>
-                </a:lnTo>
-                <a:close/>
-              </a:path>
-            </a:pathLst>
-          </a:custGeom>
-          <a:noFill/>
-          <a:ln w="9525" cap="flat" cmpd="sng">
-            <a:solidFill>
-              <a:srgbClr val="000000"/>
-            </a:solidFill>
-            <a:prstDash val="solid"/>
-            <a:round/>
-            <a:headEnd type="none" w="sm" len="sm"/>
-            <a:tailEnd type="none" w="sm" len="sm"/>
-          </a:ln>
-        </p:spPr>
-      </p:sp>
-    </p:spTree>
-  </p:cSld>
-  <p:clrMapOvr>
-    <a:masterClrMapping/>
-  </p:clrMapOvr>
-</p:notes>
-</file>
-
 <file path=ppt/slideLayouts/slideLayout1.xml><?xml version="1.0" encoding="utf-8"?>
-<p:sldLayout xmlns:a="http://schemas.openxmlformats.org/drawingml/2006/main" xmlns:r="http://schemas.openxmlformats.org/officeDocument/2006/relationships" xmlns:p="http://schemas.openxmlformats.org/presentationml/2006/main" matchingName="1_Section Header" type="secHead">
-  <p:cSld name="SECTION_HEADER">
-    <p:bg>
-      <p:bgPr>
-        <a:blipFill>
-          <a:blip r:embed="rId2">
-            <a:alphaModFix/>
-          </a:blip>
-          <a:stretch>
-            <a:fillRect/>
-          </a:stretch>
-        </a:blipFill>
-        <a:effectLst/>
-      </p:bgPr>
-    </p:bg>
-    <p:spTree>
-      <p:nvGrpSpPr>
-        <p:cNvPr id="1" name="Shape 8"/>
-        <p:cNvGrpSpPr/>
-        <p:nvPr/>
-      </p:nvGrpSpPr>
-      <p:grpSpPr>
-        <a:xfrm>
-          <a:off x="0" y="0"/>
-          <a:ext cx="0" cy="0"/>
-          <a:chOff x="0" y="0"/>
-          <a:chExt cx="0" cy="0"/>
-        </a:xfrm>
-      </p:grpSpPr>
-      <p:sp>
-        <p:nvSpPr>
-          <p:cNvPr id="9" name="Google Shape;9;p3"/>
-          <p:cNvSpPr txBox="1">
-            <a:spLocks noGrp="1"/>
-          </p:cNvSpPr>
-          <p:nvPr>
-            <p:ph type="title"/>
-          </p:nvPr>
-        </p:nvSpPr>
-        <p:spPr>
-          <a:xfrm>
-            <a:off x="558633" y="1223682"/>
-            <a:ext cx="10690893" cy="1775012"/>
-          </a:xfrm>
-          <a:prstGeom prst="rect">
-            <a:avLst/>
-          </a:prstGeom>
-          <a:noFill/>
-          <a:ln>
-            <a:noFill/>
-          </a:ln>
-        </p:spPr>
-        <p:txBody>
-          <a:bodyPr spcFirstLastPara="1" wrap="square" lIns="91425" tIns="45700" rIns="91425" bIns="45700" anchor="t" anchorCtr="0">
-            <a:noAutofit/>
-          </a:bodyPr>
-          <a:lstStyle>
-            <a:lvl1pPr lvl="0" algn="ctr">
-              <a:lnSpc>
-                <a:spcPct val="90000"/>
-              </a:lnSpc>
-              <a:spcBef>
-                <a:spcPts val="0"/>
-              </a:spcBef>
-              <a:spcAft>
-                <a:spcPts val="0"/>
-              </a:spcAft>
-              <a:buClr>
-                <a:schemeClr val="accent4"/>
-              </a:buClr>
-              <a:buSzPts val="6000"/>
-              <a:buFont typeface="Corbel"/>
-              <a:buNone/>
-              <a:defRPr sz="6000">
-                <a:solidFill>
-                  <a:schemeClr val="accent4"/>
-                </a:solidFill>
-              </a:defRPr>
-            </a:lvl1pPr>
-            <a:lvl2pPr lvl="1" algn="l">
-              <a:lnSpc>
-                <a:spcPct val="100000"/>
-              </a:lnSpc>
-              <a:spcBef>
-                <a:spcPts val="0"/>
-              </a:spcBef>
-              <a:spcAft>
-                <a:spcPts val="0"/>
-              </a:spcAft>
-              <a:buSzPts val="1400"/>
-              <a:buNone/>
-              <a:defRPr/>
-            </a:lvl2pPr>
-            <a:lvl3pPr lvl="2" algn="l">
-              <a:lnSpc>
-                <a:spcPct val="100000"/>
-              </a:lnSpc>
-              <a:spcBef>
-                <a:spcPts val="0"/>
-              </a:spcBef>
-              <a:spcAft>
-                <a:spcPts val="0"/>
-              </a:spcAft>
-              <a:buSzPts val="1400"/>
-              <a:buNone/>
-              <a:defRPr/>
-            </a:lvl3pPr>
-            <a:lvl4pPr lvl="3" algn="l">
-              <a:lnSpc>
-                <a:spcPct val="100000"/>
-              </a:lnSpc>
-              <a:spcBef>
-                <a:spcPts val="0"/>
-              </a:spcBef>
-              <a:spcAft>
-                <a:spcPts val="0"/>
-              </a:spcAft>
-              <a:buSzPts val="1400"/>
-              <a:buNone/>
-              <a:defRPr/>
-            </a:lvl4pPr>
-            <a:lvl5pPr lvl="4" algn="l">
-              <a:lnSpc>
-                <a:spcPct val="100000"/>
-              </a:lnSpc>
-              <a:spcBef>
-                <a:spcPts val="0"/>
-              </a:spcBef>
-              <a:spcAft>
-                <a:spcPts val="0"/>
-              </a:spcAft>
-              <a:buSzPts val="1400"/>
-              <a:buNone/>
-              <a:defRPr/>
-            </a:lvl5pPr>
-            <a:lvl6pPr lvl="5" algn="l">
-              <a:lnSpc>
-                <a:spcPct val="100000"/>
-              </a:lnSpc>
-              <a:spcBef>
-                <a:spcPts val="0"/>
-              </a:spcBef>
-              <a:spcAft>
-                <a:spcPts val="0"/>
-              </a:spcAft>
-              <a:buSzPts val="1400"/>
-              <a:buNone/>
-              <a:defRPr/>
-            </a:lvl6pPr>
-            <a:lvl7pPr lvl="6" algn="l">
-              <a:lnSpc>
-                <a:spcPct val="100000"/>
-              </a:lnSpc>
-              <a:spcBef>
-                <a:spcPts val="0"/>
-              </a:spcBef>
-              <a:spcAft>
-                <a:spcPts val="0"/>
-              </a:spcAft>
-              <a:buSzPts val="1400"/>
-              <a:buNone/>
-              <a:defRPr/>
-            </a:lvl7pPr>
-            <a:lvl8pPr lvl="7" algn="l">
-              <a:lnSpc>
-                <a:spcPct val="100000"/>
-              </a:lnSpc>
-              <a:spcBef>
-                <a:spcPts val="0"/>
-              </a:spcBef>
-              <a:spcAft>
-                <a:spcPts val="0"/>
-              </a:spcAft>
-              <a:buSzPts val="1400"/>
-              <a:buNone/>
-              <a:defRPr/>
-            </a:lvl8pPr>
-            <a:lvl9pPr lvl="8" algn="l">
-              <a:lnSpc>
-                <a:spcPct val="100000"/>
-              </a:lnSpc>
-              <a:spcBef>
-                <a:spcPts val="0"/>
-              </a:spcBef>
-              <a:spcAft>
-                <a:spcPts val="0"/>
-              </a:spcAft>
-              <a:buSzPts val="1400"/>
-              <a:buNone/>
-              <a:defRPr/>
-            </a:lvl9pPr>
-          </a:lstStyle>
-          <a:p>
-            <a:endParaRPr/>
-          </a:p>
-        </p:txBody>
-      </p:sp>
-      <p:sp>
-        <p:nvSpPr>
-          <p:cNvPr id="10" name="Google Shape;10;p3"/>
-          <p:cNvSpPr txBox="1">
-            <a:spLocks noGrp="1"/>
-          </p:cNvSpPr>
-          <p:nvPr>
-            <p:ph type="body" idx="1"/>
-          </p:nvPr>
-        </p:nvSpPr>
-        <p:spPr>
-          <a:xfrm>
-            <a:off x="558633" y="3025588"/>
-            <a:ext cx="10690893" cy="1147709"/>
-          </a:xfrm>
-          <a:prstGeom prst="rect">
-            <a:avLst/>
-          </a:prstGeom>
-          <a:noFill/>
-          <a:ln>
-            <a:noFill/>
-          </a:ln>
-        </p:spPr>
-        <p:txBody>
-          <a:bodyPr spcFirstLastPara="1" wrap="square" lIns="91425" tIns="45700" rIns="91425" bIns="45700" anchor="t" anchorCtr="0">
-            <a:normAutofit/>
-          </a:bodyPr>
-          <a:lstStyle>
-            <a:lvl1pPr marL="457200" lvl="0" indent="-228600" algn="ctr">
-              <a:lnSpc>
-                <a:spcPct val="90000"/>
-              </a:lnSpc>
-              <a:spcBef>
-                <a:spcPts val="1000"/>
-              </a:spcBef>
-              <a:spcAft>
-                <a:spcPts val="0"/>
-              </a:spcAft>
-              <a:buSzPts val="2600"/>
-              <a:buFont typeface="Corbel"/>
-              <a:buNone/>
-              <a:defRPr sz="2600">
-                <a:solidFill>
-                  <a:schemeClr val="dk1"/>
-                </a:solidFill>
-              </a:defRPr>
-            </a:lvl1pPr>
-            <a:lvl2pPr marL="914400" lvl="1" indent="-228600" algn="l">
-              <a:lnSpc>
-                <a:spcPct val="90000"/>
-              </a:lnSpc>
-              <a:spcBef>
-                <a:spcPts val="500"/>
-              </a:spcBef>
-              <a:spcAft>
-                <a:spcPts val="0"/>
-              </a:spcAft>
-              <a:buSzPts val="2000"/>
-              <a:buNone/>
-              <a:defRPr sz="2000">
-                <a:solidFill>
-                  <a:srgbClr val="979799"/>
-                </a:solidFill>
-              </a:defRPr>
-            </a:lvl2pPr>
-            <a:lvl3pPr marL="1371600" lvl="2" indent="-228600" algn="l">
-              <a:lnSpc>
-                <a:spcPct val="90000"/>
-              </a:lnSpc>
-              <a:spcBef>
-                <a:spcPts val="500"/>
-              </a:spcBef>
-              <a:spcAft>
-                <a:spcPts val="0"/>
-              </a:spcAft>
-              <a:buSzPts val="1800"/>
-              <a:buNone/>
-              <a:defRPr sz="1800">
-                <a:solidFill>
-                  <a:srgbClr val="979799"/>
-                </a:solidFill>
-              </a:defRPr>
-            </a:lvl3pPr>
-            <a:lvl4pPr marL="1828800" lvl="3" indent="-228600" algn="l">
-              <a:lnSpc>
-                <a:spcPct val="90000"/>
-              </a:lnSpc>
-              <a:spcBef>
-                <a:spcPts val="500"/>
-              </a:spcBef>
-              <a:spcAft>
-                <a:spcPts val="0"/>
-              </a:spcAft>
-              <a:buSzPts val="1600"/>
-              <a:buNone/>
-              <a:defRPr sz="1600">
-                <a:solidFill>
-                  <a:srgbClr val="979799"/>
-                </a:solidFill>
-              </a:defRPr>
-            </a:lvl4pPr>
-            <a:lvl5pPr marL="2286000" lvl="4" indent="-228600" algn="l">
-              <a:lnSpc>
-                <a:spcPct val="90000"/>
-              </a:lnSpc>
-              <a:spcBef>
-                <a:spcPts val="500"/>
-              </a:spcBef>
-              <a:spcAft>
-                <a:spcPts val="0"/>
-              </a:spcAft>
-              <a:buSzPts val="1600"/>
-              <a:buNone/>
-              <a:defRPr sz="1600">
-                <a:solidFill>
-                  <a:srgbClr val="979799"/>
-                </a:solidFill>
-              </a:defRPr>
-            </a:lvl5pPr>
-            <a:lvl6pPr marL="2743200" lvl="5" indent="-228600" algn="l">
-              <a:lnSpc>
-                <a:spcPct val="90000"/>
-              </a:lnSpc>
-              <a:spcBef>
-                <a:spcPts val="500"/>
-              </a:spcBef>
-              <a:spcAft>
-                <a:spcPts val="0"/>
-              </a:spcAft>
-              <a:buClr>
-                <a:srgbClr val="979799"/>
-              </a:buClr>
-              <a:buSzPts val="1600"/>
-              <a:buNone/>
-              <a:defRPr sz="1600">
-                <a:solidFill>
-                  <a:srgbClr val="979799"/>
-                </a:solidFill>
-              </a:defRPr>
-            </a:lvl6pPr>
-            <a:lvl7pPr marL="3200400" lvl="6" indent="-228600" algn="l">
-              <a:lnSpc>
-                <a:spcPct val="90000"/>
-              </a:lnSpc>
-              <a:spcBef>
-                <a:spcPts val="500"/>
-              </a:spcBef>
-              <a:spcAft>
-                <a:spcPts val="0"/>
-              </a:spcAft>
-              <a:buClr>
-                <a:srgbClr val="979799"/>
-              </a:buClr>
-              <a:buSzPts val="1600"/>
-              <a:buNone/>
-              <a:defRPr sz="1600">
-                <a:solidFill>
-                  <a:srgbClr val="979799"/>
-                </a:solidFill>
-              </a:defRPr>
-            </a:lvl7pPr>
-            <a:lvl8pPr marL="3657600" lvl="7" indent="-228600" algn="l">
-              <a:lnSpc>
-                <a:spcPct val="90000"/>
-              </a:lnSpc>
-              <a:spcBef>
-                <a:spcPts val="500"/>
-              </a:spcBef>
-              <a:spcAft>
-                <a:spcPts val="0"/>
-              </a:spcAft>
-              <a:buClr>
-                <a:srgbClr val="979799"/>
-              </a:buClr>
-              <a:buSzPts val="1600"/>
-              <a:buNone/>
-              <a:defRPr sz="1600">
-                <a:solidFill>
-                  <a:srgbClr val="979799"/>
-                </a:solidFill>
-              </a:defRPr>
-            </a:lvl8pPr>
-            <a:lvl9pPr marL="4114800" lvl="8" indent="-228600" algn="l">
-              <a:lnSpc>
-                <a:spcPct val="90000"/>
-              </a:lnSpc>
-              <a:spcBef>
-                <a:spcPts val="500"/>
-              </a:spcBef>
-              <a:spcAft>
-                <a:spcPts val="0"/>
-              </a:spcAft>
-              <a:buClr>
-                <a:srgbClr val="979799"/>
-              </a:buClr>
-              <a:buSzPts val="1600"/>
-              <a:buNone/>
-              <a:defRPr sz="1600">
-                <a:solidFill>
-                  <a:srgbClr val="979799"/>
-                </a:solidFill>
-              </a:defRPr>
-            </a:lvl9pPr>
-          </a:lstStyle>
-          <a:p>
-            <a:endParaRPr/>
-          </a:p>
-        </p:txBody>
-      </p:sp>
-    </p:spTree>
-  </p:cSld>
-  <p:clrMapOvr>
-    <a:masterClrMapping/>
-  </p:clrMapOvr>
-</p:sldLayout>
-</file>
-
-<file path=ppt/slideLayouts/slideLayout2.xml><?xml version="1.0" encoding="utf-8"?>
 <p:sldLayout xmlns:a="http://schemas.openxmlformats.org/drawingml/2006/main" xmlns:r="http://schemas.openxmlformats.org/officeDocument/2006/relationships" xmlns:p="http://schemas.openxmlformats.org/presentationml/2006/main" matchingName="Section Header">
   <p:cSld name="Section Header">
     <p:bg>
@@ -1819,7 +1282,7 @@
     <p:bg>
       <p:bgPr>
         <a:blipFill>
-          <a:blip r:embed="rId4">
+          <a:blip r:embed="rId3">
             <a:alphaModFix/>
           </a:blip>
           <a:stretch>
@@ -2383,8 +1846,7 @@
   </p:cSld>
   <p:clrMap bg1="lt1" tx1="dk1" bg2="dk2" tx2="lt2" accent1="accent1" accent2="accent2" accent3="accent3" accent4="accent4" accent5="accent5" accent6="accent6" hlink="hlink" folHlink="folHlink"/>
   <p:sldLayoutIdLst>
-    <p:sldLayoutId id="2147483649" r:id="rId1"/>
-    <p:sldLayoutId id="2147483651" r:id="rId2"/>
+    <p:sldLayoutId id="2147483651" r:id="rId1"/>
   </p:sldLayoutIdLst>
   <p:hf sldNum="0" hdr="0" ftr="0" dt="0"/>
   <p:txStyles>
@@ -3084,7 +2546,7 @@
   <p:cSld>
     <p:spTree>
       <p:nvGrpSpPr>
-        <p:cNvPr id="1" name="Shape 28"/>
+        <p:cNvPr id="1" name=""/>
         <p:cNvGrpSpPr/>
         <p:nvPr/>
       </p:nvGrpSpPr>
@@ -3098,8 +2560,14 @@
       </p:grpSpPr>
       <p:sp>
         <p:nvSpPr>
-          <p:cNvPr id="29" name="Google Shape;29;p1"/>
-          <p:cNvSpPr txBox="1">
+          <p:cNvPr id="2" name="Title 1">
+            <a:extLst>
+              <a:ext uri="{FF2B5EF4-FFF2-40B4-BE49-F238E27FC236}">
+                <a16:creationId xmlns:a16="http://schemas.microsoft.com/office/drawing/2014/main" id="{F00C2D34-CBA9-2820-D6AD-57FA6760690B}"/>
+              </a:ext>
+            </a:extLst>
+          </p:cNvPr>
+          <p:cNvSpPr>
             <a:spLocks noGrp="1"/>
           </p:cNvSpPr>
           <p:nvPr>
@@ -3108,58 +2576,82 @@
         </p:nvSpPr>
         <p:spPr>
           <a:xfrm>
-            <a:off x="555886" y="1993187"/>
-            <a:ext cx="11080227" cy="1205607"/>
+            <a:off x="776177" y="1722489"/>
+            <a:ext cx="10675087" cy="969130"/>
           </a:xfrm>
-          <a:prstGeom prst="rect">
-            <a:avLst/>
-          </a:prstGeom>
-          <a:noFill/>
-          <a:ln>
-            <a:noFill/>
-          </a:ln>
         </p:spPr>
         <p:txBody>
-          <a:bodyPr spcFirstLastPara="1" wrap="square" lIns="91425" tIns="45700" rIns="91425" bIns="45700" anchor="t" anchorCtr="0">
-            <a:normAutofit/>
-          </a:bodyPr>
+          <a:bodyPr/>
           <a:lstStyle/>
           <a:p>
-            <a:pPr marL="0" lvl="0" indent="0" algn="ctr" rtl="0">
-              <a:lnSpc>
-                <a:spcPct val="90000"/>
-              </a:lnSpc>
-              <a:spcBef>
-                <a:spcPts val="0"/>
-              </a:spcBef>
-              <a:spcAft>
-                <a:spcPts val="0"/>
-              </a:spcAft>
-              <a:buClr>
-                <a:schemeClr val="accent4"/>
-              </a:buClr>
-              <a:buSzPts val="6000"/>
-              <a:buFont typeface="Corbel"/>
-              <a:buNone/>
-            </a:pPr>
             <a:r>
-              <a:rPr lang="en-US" dirty="0"/>
+              <a:rPr lang="en-US" dirty="0">
+                <a:solidFill>
+                  <a:schemeClr val="tx2">
+                    <a:lumMod val="10000"/>
+                  </a:schemeClr>
+                </a:solidFill>
+              </a:rPr>
               <a:t>Makana</a:t>
             </a:r>
-            <a:endParaRPr sz="1800" dirty="0"/>
           </a:p>
         </p:txBody>
       </p:sp>
       <p:sp>
         <p:nvSpPr>
-          <p:cNvPr id="30" name="Google Shape;30;p1"/>
+          <p:cNvPr id="3" name="Text Placeholder 2">
+            <a:extLst>
+              <a:ext uri="{FF2B5EF4-FFF2-40B4-BE49-F238E27FC236}">
+                <a16:creationId xmlns:a16="http://schemas.microsoft.com/office/drawing/2014/main" id="{8FD98110-39C8-CFB3-84BE-3C2C257438BA}"/>
+              </a:ext>
+            </a:extLst>
+          </p:cNvPr>
+          <p:cNvSpPr>
+            <a:spLocks noGrp="1"/>
+          </p:cNvSpPr>
+          <p:nvPr>
+            <p:ph type="body" idx="1"/>
+          </p:nvPr>
+        </p:nvSpPr>
+        <p:spPr>
+          <a:xfrm>
+            <a:off x="776177" y="2680034"/>
+            <a:ext cx="10675088" cy="748966"/>
+          </a:xfrm>
+        </p:spPr>
+        <p:txBody>
+          <a:bodyPr/>
+          <a:lstStyle/>
+          <a:p>
+            <a:r>
+              <a:rPr lang="en-US" b="1" dirty="0">
+                <a:solidFill>
+                  <a:schemeClr val="tx2">
+                    <a:lumMod val="10000"/>
+                  </a:schemeClr>
+                </a:solidFill>
+              </a:rPr>
+              <a:t>Donation Insights Tool</a:t>
+            </a:r>
+          </a:p>
+        </p:txBody>
+      </p:sp>
+      <p:sp>
+        <p:nvSpPr>
+          <p:cNvPr id="4" name="Google Shape;30;p1">
+            <a:extLst>
+              <a:ext uri="{FF2B5EF4-FFF2-40B4-BE49-F238E27FC236}">
+                <a16:creationId xmlns:a16="http://schemas.microsoft.com/office/drawing/2014/main" id="{05506106-4B60-D732-0A08-B39FFA0B14B8}"/>
+              </a:ext>
+            </a:extLst>
+          </p:cNvPr>
           <p:cNvSpPr/>
           <p:nvPr/>
         </p:nvSpPr>
         <p:spPr>
           <a:xfrm>
-            <a:off x="251397" y="4639733"/>
-            <a:ext cx="2032000" cy="2032000"/>
+            <a:off x="9507906" y="1269809"/>
+            <a:ext cx="2684093" cy="2032000"/>
           </a:xfrm>
           <a:prstGeom prst="rect">
             <a:avLst/>
@@ -3266,13 +2758,19 @@
       </p:sp>
       <p:sp>
         <p:nvSpPr>
-          <p:cNvPr id="35" name="Google Shape;35;p1"/>
+          <p:cNvPr id="5" name="Google Shape;35;p1">
+            <a:extLst>
+              <a:ext uri="{FF2B5EF4-FFF2-40B4-BE49-F238E27FC236}">
+                <a16:creationId xmlns:a16="http://schemas.microsoft.com/office/drawing/2014/main" id="{ED15C8E8-193C-270C-967C-16C814090227}"/>
+              </a:ext>
+            </a:extLst>
+          </p:cNvPr>
           <p:cNvSpPr/>
           <p:nvPr/>
         </p:nvSpPr>
         <p:spPr>
           <a:xfrm>
-            <a:off x="9256510" y="5222233"/>
+            <a:off x="9507907" y="3754489"/>
             <a:ext cx="2684093" cy="867000"/>
           </a:xfrm>
           <a:prstGeom prst="rect">
@@ -3339,6 +2837,11 @@
         </p:txBody>
       </p:sp>
     </p:spTree>
+    <p:extLst>
+      <p:ext uri="{BB962C8B-B14F-4D97-AF65-F5344CB8AC3E}">
+        <p14:creationId xmlns:p14="http://schemas.microsoft.com/office/powerpoint/2010/main" val="3984830653"/>
+      </p:ext>
+    </p:extLst>
   </p:cSld>
   <p:clrMapOvr>
     <a:masterClrMapping/>
@@ -3381,8 +2884,8 @@
         </p:nvSpPr>
         <p:spPr>
           <a:xfrm>
-            <a:off x="1313379" y="4857187"/>
-            <a:ext cx="7561781" cy="2150537"/>
+            <a:off x="378431" y="4281086"/>
+            <a:ext cx="7428215" cy="2273826"/>
           </a:xfrm>
         </p:spPr>
         <p:txBody>
@@ -3409,28 +2912,7 @@
                   </a:schemeClr>
                 </a:solidFill>
               </a:rPr>
-              <a:t>Leverages </a:t>
-            </a:r>
-            <a:r>
-              <a:rPr lang="en-US" sz="1600" dirty="0">
-                <a:solidFill>
-                  <a:schemeClr val="tx2">
-                    <a:lumMod val="10000"/>
-                  </a:schemeClr>
-                </a:solidFill>
-                <a:hlinkClick r:id="rId2"/>
-              </a:rPr>
-              <a:t>RFM Analysis </a:t>
-            </a:r>
-            <a:r>
-              <a:rPr lang="en-US" sz="1600" dirty="0">
-                <a:solidFill>
-                  <a:schemeClr val="tx2">
-                    <a:lumMod val="10000"/>
-                  </a:schemeClr>
-                </a:solidFill>
-              </a:rPr>
-              <a:t>to segment donors using R</a:t>
+              <a:t>Highlights the different donor segments</a:t>
             </a:r>
           </a:p>
           <a:p>
@@ -3452,17 +2934,39 @@
                   </a:schemeClr>
                 </a:solidFill>
               </a:rPr>
-              <a:t>Highlights engagement strategy for each donor group</a:t>
+              <a:t>Opportunities to improve engagement with Promising donors, Can’t Lose Them, Loyal Customers</a:t>
+            </a:r>
+          </a:p>
+          <a:p>
+            <a:pPr marL="514350" indent="-285750">
+              <a:buClr>
+                <a:schemeClr val="tx1">
+                  <a:lumMod val="50000"/>
+                </a:schemeClr>
+              </a:buClr>
+              <a:buSzPct val="100000"/>
+              <a:buFont typeface="Arial" panose="020B0604020202020204" pitchFamily="34" charset="0"/>
+              <a:buChar char="•"/>
+            </a:pPr>
+            <a:r>
+              <a:rPr lang="en-US" sz="1600" dirty="0">
+                <a:solidFill>
+                  <a:schemeClr val="tx2">
+                    <a:lumMod val="10000"/>
+                  </a:schemeClr>
+                </a:solidFill>
+              </a:rPr>
+              <a:t>Have to reduce the amount of Lost donors</a:t>
             </a:r>
           </a:p>
         </p:txBody>
       </p:sp>
       <p:pic>
         <p:nvPicPr>
-          <p:cNvPr id="5" name="Picture 4">
+          <p:cNvPr id="3" name="Picture 2">
             <a:extLst>
               <a:ext uri="{FF2B5EF4-FFF2-40B4-BE49-F238E27FC236}">
-                <a16:creationId xmlns:a16="http://schemas.microsoft.com/office/drawing/2014/main" id="{7B8B271A-C082-D490-1C28-742C264C47E4}"/>
+                <a16:creationId xmlns:a16="http://schemas.microsoft.com/office/drawing/2014/main" id="{3726E04D-9E28-7C45-1C11-63E1AA1BB149}"/>
               </a:ext>
             </a:extLst>
           </p:cNvPr>
@@ -3472,15 +2976,15 @@
           <p:nvPr/>
         </p:nvPicPr>
         <p:blipFill>
-          <a:blip r:embed="rId3"/>
+          <a:blip r:embed="rId2"/>
           <a:stretch>
             <a:fillRect/>
           </a:stretch>
         </p:blipFill>
         <p:spPr>
           <a:xfrm>
-            <a:off x="1313379" y="471906"/>
-            <a:ext cx="9565242" cy="4269192"/>
+            <a:off x="378431" y="486315"/>
+            <a:ext cx="11435138" cy="3794771"/>
           </a:xfrm>
           <a:prstGeom prst="rect">
             <a:avLst/>
@@ -3490,7 +2994,7 @@
     </p:spTree>
     <p:extLst>
       <p:ext uri="{BB962C8B-B14F-4D97-AF65-F5344CB8AC3E}">
-        <p14:creationId xmlns:p14="http://schemas.microsoft.com/office/powerpoint/2010/main" val="166117221"/>
+        <p14:creationId xmlns:p14="http://schemas.microsoft.com/office/powerpoint/2010/main" val="3567673919"/>
       </p:ext>
     </p:extLst>
   </p:cSld>
@@ -3563,161 +3067,6 @@
                   </a:schemeClr>
                 </a:solidFill>
               </a:rPr>
-              <a:t>Highlights the different donor segments</a:t>
-            </a:r>
-          </a:p>
-          <a:p>
-            <a:pPr marL="514350" indent="-285750">
-              <a:buClr>
-                <a:schemeClr val="tx1">
-                  <a:lumMod val="50000"/>
-                </a:schemeClr>
-              </a:buClr>
-              <a:buSzPct val="100000"/>
-              <a:buFont typeface="Arial" panose="020B0604020202020204" pitchFamily="34" charset="0"/>
-              <a:buChar char="•"/>
-            </a:pPr>
-            <a:r>
-              <a:rPr lang="en-US" sz="1600" dirty="0">
-                <a:solidFill>
-                  <a:schemeClr val="tx2">
-                    <a:lumMod val="10000"/>
-                  </a:schemeClr>
-                </a:solidFill>
-              </a:rPr>
-              <a:t>Opportunities to improve engagement with Promising donors, Can’t Lose Them, Loyal Customers</a:t>
-            </a:r>
-          </a:p>
-          <a:p>
-            <a:pPr marL="514350" indent="-285750">
-              <a:buClr>
-                <a:schemeClr val="tx1">
-                  <a:lumMod val="50000"/>
-                </a:schemeClr>
-              </a:buClr>
-              <a:buSzPct val="100000"/>
-              <a:buFont typeface="Arial" panose="020B0604020202020204" pitchFamily="34" charset="0"/>
-              <a:buChar char="•"/>
-            </a:pPr>
-            <a:r>
-              <a:rPr lang="en-US" sz="1600" dirty="0">
-                <a:solidFill>
-                  <a:schemeClr val="tx2">
-                    <a:lumMod val="10000"/>
-                  </a:schemeClr>
-                </a:solidFill>
-              </a:rPr>
-              <a:t>Have to reduce the amount of Lost donors</a:t>
-            </a:r>
-          </a:p>
-        </p:txBody>
-      </p:sp>
-      <p:pic>
-        <p:nvPicPr>
-          <p:cNvPr id="3" name="Picture 2">
-            <a:extLst>
-              <a:ext uri="{FF2B5EF4-FFF2-40B4-BE49-F238E27FC236}">
-                <a16:creationId xmlns:a16="http://schemas.microsoft.com/office/drawing/2014/main" id="{3726E04D-9E28-7C45-1C11-63E1AA1BB149}"/>
-              </a:ext>
-            </a:extLst>
-          </p:cNvPr>
-          <p:cNvPicPr>
-            <a:picLocks noChangeAspect="1"/>
-          </p:cNvPicPr>
-          <p:nvPr/>
-        </p:nvPicPr>
-        <p:blipFill>
-          <a:blip r:embed="rId2"/>
-          <a:stretch>
-            <a:fillRect/>
-          </a:stretch>
-        </p:blipFill>
-        <p:spPr>
-          <a:xfrm>
-            <a:off x="378431" y="486315"/>
-            <a:ext cx="11435138" cy="3794771"/>
-          </a:xfrm>
-          <a:prstGeom prst="rect">
-            <a:avLst/>
-          </a:prstGeom>
-        </p:spPr>
-      </p:pic>
-    </p:spTree>
-    <p:extLst>
-      <p:ext uri="{BB962C8B-B14F-4D97-AF65-F5344CB8AC3E}">
-        <p14:creationId xmlns:p14="http://schemas.microsoft.com/office/powerpoint/2010/main" val="3567673919"/>
-      </p:ext>
-    </p:extLst>
-  </p:cSld>
-  <p:clrMapOvr>
-    <a:masterClrMapping/>
-  </p:clrMapOvr>
-</p:sld>
-</file>
-
-<file path=ppt/slides/slide12.xml><?xml version="1.0" encoding="utf-8"?>
-<p:sld xmlns:a="http://schemas.openxmlformats.org/drawingml/2006/main" xmlns:r="http://schemas.openxmlformats.org/officeDocument/2006/relationships" xmlns:p="http://schemas.openxmlformats.org/presentationml/2006/main">
-  <p:cSld>
-    <p:spTree>
-      <p:nvGrpSpPr>
-        <p:cNvPr id="1" name=""/>
-        <p:cNvGrpSpPr/>
-        <p:nvPr/>
-      </p:nvGrpSpPr>
-      <p:grpSpPr>
-        <a:xfrm>
-          <a:off x="0" y="0"/>
-          <a:ext cx="0" cy="0"/>
-          <a:chOff x="0" y="0"/>
-          <a:chExt cx="0" cy="0"/>
-        </a:xfrm>
-      </p:grpSpPr>
-      <p:sp>
-        <p:nvSpPr>
-          <p:cNvPr id="4" name="Text Placeholder 3">
-            <a:extLst>
-              <a:ext uri="{FF2B5EF4-FFF2-40B4-BE49-F238E27FC236}">
-                <a16:creationId xmlns:a16="http://schemas.microsoft.com/office/drawing/2014/main" id="{229049EE-DBCD-06A1-10C4-3CF9402809A5}"/>
-              </a:ext>
-            </a:extLst>
-          </p:cNvPr>
-          <p:cNvSpPr>
-            <a:spLocks noGrp="1"/>
-          </p:cNvSpPr>
-          <p:nvPr>
-            <p:ph type="body" idx="1"/>
-          </p:nvPr>
-        </p:nvSpPr>
-        <p:spPr>
-          <a:xfrm>
-            <a:off x="378431" y="4281086"/>
-            <a:ext cx="7428215" cy="2273826"/>
-          </a:xfrm>
-        </p:spPr>
-        <p:txBody>
-          <a:bodyPr>
-            <a:normAutofit/>
-          </a:bodyPr>
-          <a:lstStyle/>
-          <a:p>
-            <a:pPr marL="514350" indent="-285750">
-              <a:buClr>
-                <a:schemeClr val="tx1">
-                  <a:lumMod val="50000"/>
-                </a:schemeClr>
-              </a:buClr>
-              <a:buSzPct val="100000"/>
-              <a:buFont typeface="Arial" panose="020B0604020202020204" pitchFamily="34" charset="0"/>
-              <a:buChar char="•"/>
-            </a:pPr>
-            <a:r>
-              <a:rPr lang="en-US" sz="1600" dirty="0">
-                <a:solidFill>
-                  <a:schemeClr val="tx2">
-                    <a:lumMod val="10000"/>
-                  </a:schemeClr>
-                </a:solidFill>
-              </a:rPr>
               <a:t>Constituents assigned to donor segments</a:t>
             </a:r>
           </a:p>
@@ -3873,7 +3222,7 @@
 </p:sld>
 </file>
 
-<file path=ppt/slides/slide13.xml><?xml version="1.0" encoding="utf-8"?>
+<file path=ppt/slides/slide12.xml><?xml version="1.0" encoding="utf-8"?>
 <p:sld xmlns:a="http://schemas.openxmlformats.org/drawingml/2006/main" xmlns:r="http://schemas.openxmlformats.org/officeDocument/2006/relationships" xmlns:p="http://schemas.openxmlformats.org/presentationml/2006/main">
   <p:cSld>
     <p:spTree>
@@ -3919,7 +3268,7 @@
                   </a:schemeClr>
                 </a:solidFill>
               </a:rPr>
-              <a:t>Donation Opportunities</a:t>
+              <a:t>Donation Prediction</a:t>
             </a:r>
           </a:p>
         </p:txBody>
@@ -3928,6 +3277,604 @@
     <p:extLst>
       <p:ext uri="{BB962C8B-B14F-4D97-AF65-F5344CB8AC3E}">
         <p14:creationId xmlns:p14="http://schemas.microsoft.com/office/powerpoint/2010/main" val="1214242395"/>
+      </p:ext>
+    </p:extLst>
+  </p:cSld>
+  <p:clrMapOvr>
+    <a:masterClrMapping/>
+  </p:clrMapOvr>
+</p:sld>
+</file>
+
+<file path=ppt/slides/slide13.xml><?xml version="1.0" encoding="utf-8"?>
+<p:sld xmlns:a="http://schemas.openxmlformats.org/drawingml/2006/main" xmlns:r="http://schemas.openxmlformats.org/officeDocument/2006/relationships" xmlns:p="http://schemas.openxmlformats.org/presentationml/2006/main">
+  <p:cSld>
+    <p:spTree>
+      <p:nvGrpSpPr>
+        <p:cNvPr id="1" name=""/>
+        <p:cNvGrpSpPr/>
+        <p:nvPr/>
+      </p:nvGrpSpPr>
+      <p:grpSpPr>
+        <a:xfrm>
+          <a:off x="0" y="0"/>
+          <a:ext cx="0" cy="0"/>
+          <a:chOff x="0" y="0"/>
+          <a:chExt cx="0" cy="0"/>
+        </a:xfrm>
+      </p:grpSpPr>
+      <p:sp>
+        <p:nvSpPr>
+          <p:cNvPr id="4" name="Text Placeholder 3">
+            <a:extLst>
+              <a:ext uri="{FF2B5EF4-FFF2-40B4-BE49-F238E27FC236}">
+                <a16:creationId xmlns:a16="http://schemas.microsoft.com/office/drawing/2014/main" id="{229049EE-DBCD-06A1-10C4-3CF9402809A5}"/>
+              </a:ext>
+            </a:extLst>
+          </p:cNvPr>
+          <p:cNvSpPr>
+            <a:spLocks noGrp="1"/>
+          </p:cNvSpPr>
+          <p:nvPr>
+            <p:ph type="body" idx="1"/>
+          </p:nvPr>
+        </p:nvSpPr>
+        <p:spPr>
+          <a:xfrm>
+            <a:off x="676381" y="1383773"/>
+            <a:ext cx="4337407" cy="3537547"/>
+          </a:xfrm>
+        </p:spPr>
+        <p:txBody>
+          <a:bodyPr>
+            <a:normAutofit/>
+          </a:bodyPr>
+          <a:lstStyle/>
+          <a:p>
+            <a:pPr marL="228600" indent="0">
+              <a:buClr>
+                <a:schemeClr val="tx1">
+                  <a:lumMod val="50000"/>
+                </a:schemeClr>
+              </a:buClr>
+              <a:buSzPct val="100000"/>
+            </a:pPr>
+            <a:r>
+              <a:rPr lang="en-US" sz="1600" b="1" dirty="0">
+                <a:solidFill>
+                  <a:schemeClr val="tx2">
+                    <a:lumMod val="10000"/>
+                  </a:schemeClr>
+                </a:solidFill>
+              </a:rPr>
+              <a:t>Opportunities</a:t>
+            </a:r>
+          </a:p>
+          <a:p>
+            <a:pPr marL="514350" indent="-285750">
+              <a:buClr>
+                <a:schemeClr val="tx1">
+                  <a:lumMod val="50000"/>
+                </a:schemeClr>
+              </a:buClr>
+              <a:buSzPct val="100000"/>
+              <a:buFont typeface="Arial" panose="020B0604020202020204" pitchFamily="34" charset="0"/>
+              <a:buChar char="•"/>
+            </a:pPr>
+            <a:r>
+              <a:rPr lang="en-US" sz="1600" dirty="0">
+                <a:solidFill>
+                  <a:schemeClr val="tx2">
+                    <a:lumMod val="10000"/>
+                  </a:schemeClr>
+                </a:solidFill>
+              </a:rPr>
+              <a:t>Leverage data analytics approaches to </a:t>
+            </a:r>
+          </a:p>
+          <a:p>
+            <a:pPr marL="971550" lvl="1" indent="-285750">
+              <a:buClr>
+                <a:schemeClr val="tx1">
+                  <a:lumMod val="50000"/>
+                </a:schemeClr>
+              </a:buClr>
+              <a:buSzPct val="100000"/>
+              <a:buFont typeface="Arial" panose="020B0604020202020204" pitchFamily="34" charset="0"/>
+              <a:buChar char="•"/>
+            </a:pPr>
+            <a:r>
+              <a:rPr lang="en-US" sz="1400" dirty="0">
+                <a:solidFill>
+                  <a:schemeClr val="tx2">
+                    <a:lumMod val="10000"/>
+                  </a:schemeClr>
+                </a:solidFill>
+              </a:rPr>
+              <a:t>Understand what what future donation amount could look like</a:t>
+            </a:r>
+          </a:p>
+          <a:p>
+            <a:pPr marL="971550" lvl="1" indent="-285750">
+              <a:buClr>
+                <a:schemeClr val="tx1">
+                  <a:lumMod val="50000"/>
+                </a:schemeClr>
+              </a:buClr>
+              <a:buSzPct val="100000"/>
+              <a:buFont typeface="Arial" panose="020B0604020202020204" pitchFamily="34" charset="0"/>
+              <a:buChar char="•"/>
+            </a:pPr>
+            <a:r>
+              <a:rPr lang="en-US" sz="1400" dirty="0">
+                <a:solidFill>
+                  <a:schemeClr val="tx2">
+                    <a:lumMod val="10000"/>
+                  </a:schemeClr>
+                </a:solidFill>
+              </a:rPr>
+              <a:t>Based on donation attributes see what a constituent could potential donate</a:t>
+            </a:r>
+          </a:p>
+          <a:p>
+            <a:pPr marL="971550" lvl="1" indent="-285750">
+              <a:buClr>
+                <a:schemeClr val="tx1">
+                  <a:lumMod val="50000"/>
+                </a:schemeClr>
+              </a:buClr>
+              <a:buSzPct val="100000"/>
+              <a:buFont typeface="Arial" panose="020B0604020202020204" pitchFamily="34" charset="0"/>
+              <a:buChar char="•"/>
+            </a:pPr>
+            <a:r>
+              <a:rPr lang="en-US" sz="1400" dirty="0">
+                <a:solidFill>
+                  <a:schemeClr val="tx2">
+                    <a:lumMod val="10000"/>
+                  </a:schemeClr>
+                </a:solidFill>
+              </a:rPr>
+              <a:t>This is powered by core datasets and donor portfolio</a:t>
+            </a:r>
+          </a:p>
+          <a:p>
+            <a:pPr marL="514350" indent="-285750">
+              <a:buClr>
+                <a:schemeClr val="tx1">
+                  <a:lumMod val="50000"/>
+                </a:schemeClr>
+              </a:buClr>
+              <a:buSzPct val="100000"/>
+              <a:buFont typeface="Arial" panose="020B0604020202020204" pitchFamily="34" charset="0"/>
+              <a:buChar char="•"/>
+            </a:pPr>
+            <a:endParaRPr lang="en-US" sz="1600" dirty="0">
+              <a:solidFill>
+                <a:schemeClr val="tx2">
+                  <a:lumMod val="10000"/>
+                </a:schemeClr>
+              </a:solidFill>
+            </a:endParaRPr>
+          </a:p>
+        </p:txBody>
+      </p:sp>
+      <p:sp>
+        <p:nvSpPr>
+          <p:cNvPr id="2" name="Text Placeholder 3">
+            <a:extLst>
+              <a:ext uri="{FF2B5EF4-FFF2-40B4-BE49-F238E27FC236}">
+                <a16:creationId xmlns:a16="http://schemas.microsoft.com/office/drawing/2014/main" id="{7D714103-60B4-1A7D-720B-A9FB583E1C74}"/>
+              </a:ext>
+            </a:extLst>
+          </p:cNvPr>
+          <p:cNvSpPr txBox="1">
+            <a:spLocks/>
+          </p:cNvSpPr>
+          <p:nvPr/>
+        </p:nvSpPr>
+        <p:spPr>
+          <a:xfrm>
+            <a:off x="7568630" y="1383773"/>
+            <a:ext cx="4029182" cy="3537547"/>
+          </a:xfrm>
+          <a:prstGeom prst="rect">
+            <a:avLst/>
+          </a:prstGeom>
+          <a:noFill/>
+          <a:ln>
+            <a:noFill/>
+          </a:ln>
+        </p:spPr>
+        <p:txBody>
+          <a:bodyPr spcFirstLastPara="1" wrap="square" lIns="91425" tIns="45700" rIns="91425" bIns="45700" anchor="t" anchorCtr="0">
+            <a:normAutofit/>
+          </a:bodyPr>
+          <a:lstStyle>
+            <a:defPPr marR="0" lvl="0" algn="l" rtl="0">
+              <a:lnSpc>
+                <a:spcPct val="100000"/>
+              </a:lnSpc>
+              <a:spcBef>
+                <a:spcPts val="0"/>
+              </a:spcBef>
+              <a:spcAft>
+                <a:spcPts val="0"/>
+              </a:spcAft>
+            </a:defPPr>
+            <a:lvl1pPr marL="457200" marR="0" lvl="0" indent="-228600" algn="l" rtl="0">
+              <a:lnSpc>
+                <a:spcPct val="90000"/>
+              </a:lnSpc>
+              <a:spcBef>
+                <a:spcPts val="1000"/>
+              </a:spcBef>
+              <a:spcAft>
+                <a:spcPts val="0"/>
+              </a:spcAft>
+              <a:buClr>
+                <a:schemeClr val="accent1"/>
+              </a:buClr>
+              <a:buSzPts val="2600"/>
+              <a:buFont typeface="Corbel"/>
+              <a:buNone/>
+              <a:defRPr sz="2600" b="0" i="0" u="none" strike="noStrike" cap="none">
+                <a:solidFill>
+                  <a:schemeClr val="accent4"/>
+                </a:solidFill>
+                <a:latin typeface="Corbel"/>
+                <a:ea typeface="Corbel"/>
+                <a:cs typeface="Corbel"/>
+                <a:sym typeface="Corbel"/>
+              </a:defRPr>
+            </a:lvl1pPr>
+            <a:lvl2pPr marL="914400" marR="0" lvl="1" indent="-228600" algn="l" rtl="0">
+              <a:lnSpc>
+                <a:spcPct val="90000"/>
+              </a:lnSpc>
+              <a:spcBef>
+                <a:spcPts val="500"/>
+              </a:spcBef>
+              <a:spcAft>
+                <a:spcPts val="0"/>
+              </a:spcAft>
+              <a:buClr>
+                <a:schemeClr val="accent3"/>
+              </a:buClr>
+              <a:buSzPts val="2000"/>
+              <a:buFont typeface="Arial"/>
+              <a:buNone/>
+              <a:defRPr sz="2000" b="0" i="0" u="none" strike="noStrike" cap="none">
+                <a:solidFill>
+                  <a:srgbClr val="979799"/>
+                </a:solidFill>
+                <a:latin typeface="Corbel"/>
+                <a:ea typeface="Corbel"/>
+                <a:cs typeface="Corbel"/>
+                <a:sym typeface="Corbel"/>
+              </a:defRPr>
+            </a:lvl2pPr>
+            <a:lvl3pPr marL="1371600" marR="0" lvl="2" indent="-228600" algn="l" rtl="0">
+              <a:lnSpc>
+                <a:spcPct val="90000"/>
+              </a:lnSpc>
+              <a:spcBef>
+                <a:spcPts val="500"/>
+              </a:spcBef>
+              <a:spcAft>
+                <a:spcPts val="0"/>
+              </a:spcAft>
+              <a:buClr>
+                <a:schemeClr val="accent1"/>
+              </a:buClr>
+              <a:buSzPts val="1800"/>
+              <a:buFont typeface="Arial"/>
+              <a:buNone/>
+              <a:defRPr sz="1800" b="0" i="0" u="none" strike="noStrike" cap="none">
+                <a:solidFill>
+                  <a:srgbClr val="979799"/>
+                </a:solidFill>
+                <a:latin typeface="Corbel"/>
+                <a:ea typeface="Corbel"/>
+                <a:cs typeface="Corbel"/>
+                <a:sym typeface="Corbel"/>
+              </a:defRPr>
+            </a:lvl3pPr>
+            <a:lvl4pPr marL="1828800" marR="0" lvl="3" indent="-228600" algn="l" rtl="0">
+              <a:lnSpc>
+                <a:spcPct val="90000"/>
+              </a:lnSpc>
+              <a:spcBef>
+                <a:spcPts val="500"/>
+              </a:spcBef>
+              <a:spcAft>
+                <a:spcPts val="0"/>
+              </a:spcAft>
+              <a:buClr>
+                <a:schemeClr val="accent4"/>
+              </a:buClr>
+              <a:buSzPts val="1600"/>
+              <a:buFont typeface="Arial"/>
+              <a:buNone/>
+              <a:defRPr sz="1600" b="0" i="0" u="none" strike="noStrike" cap="none">
+                <a:solidFill>
+                  <a:srgbClr val="979799"/>
+                </a:solidFill>
+                <a:latin typeface="Corbel"/>
+                <a:ea typeface="Corbel"/>
+                <a:cs typeface="Corbel"/>
+                <a:sym typeface="Corbel"/>
+              </a:defRPr>
+            </a:lvl4pPr>
+            <a:lvl5pPr marL="2286000" marR="0" lvl="4" indent="-228600" algn="l" rtl="0">
+              <a:lnSpc>
+                <a:spcPct val="90000"/>
+              </a:lnSpc>
+              <a:spcBef>
+                <a:spcPts val="500"/>
+              </a:spcBef>
+              <a:spcAft>
+                <a:spcPts val="0"/>
+              </a:spcAft>
+              <a:buClr>
+                <a:schemeClr val="accent2"/>
+              </a:buClr>
+              <a:buSzPts val="1600"/>
+              <a:buFont typeface="Arial"/>
+              <a:buNone/>
+              <a:defRPr sz="1600" b="0" i="0" u="none" strike="noStrike" cap="none">
+                <a:solidFill>
+                  <a:srgbClr val="979799"/>
+                </a:solidFill>
+                <a:latin typeface="Corbel"/>
+                <a:ea typeface="Corbel"/>
+                <a:cs typeface="Corbel"/>
+                <a:sym typeface="Corbel"/>
+              </a:defRPr>
+            </a:lvl5pPr>
+            <a:lvl6pPr marL="2743200" marR="0" lvl="5" indent="-228600" algn="l" rtl="0">
+              <a:lnSpc>
+                <a:spcPct val="90000"/>
+              </a:lnSpc>
+              <a:spcBef>
+                <a:spcPts val="500"/>
+              </a:spcBef>
+              <a:spcAft>
+                <a:spcPts val="0"/>
+              </a:spcAft>
+              <a:buClr>
+                <a:srgbClr val="979799"/>
+              </a:buClr>
+              <a:buSzPts val="1600"/>
+              <a:buFont typeface="Arial"/>
+              <a:buNone/>
+              <a:defRPr sz="1600" b="0" i="0" u="none" strike="noStrike" cap="none">
+                <a:solidFill>
+                  <a:srgbClr val="979799"/>
+                </a:solidFill>
+                <a:latin typeface="Corbel"/>
+                <a:ea typeface="Corbel"/>
+                <a:cs typeface="Corbel"/>
+                <a:sym typeface="Corbel"/>
+              </a:defRPr>
+            </a:lvl6pPr>
+            <a:lvl7pPr marL="3200400" marR="0" lvl="6" indent="-228600" algn="l" rtl="0">
+              <a:lnSpc>
+                <a:spcPct val="90000"/>
+              </a:lnSpc>
+              <a:spcBef>
+                <a:spcPts val="500"/>
+              </a:spcBef>
+              <a:spcAft>
+                <a:spcPts val="0"/>
+              </a:spcAft>
+              <a:buClr>
+                <a:srgbClr val="979799"/>
+              </a:buClr>
+              <a:buSzPts val="1600"/>
+              <a:buFont typeface="Arial"/>
+              <a:buNone/>
+              <a:defRPr sz="1600" b="0" i="0" u="none" strike="noStrike" cap="none">
+                <a:solidFill>
+                  <a:srgbClr val="979799"/>
+                </a:solidFill>
+                <a:latin typeface="Corbel"/>
+                <a:ea typeface="Corbel"/>
+                <a:cs typeface="Corbel"/>
+                <a:sym typeface="Corbel"/>
+              </a:defRPr>
+            </a:lvl7pPr>
+            <a:lvl8pPr marL="3657600" marR="0" lvl="7" indent="-228600" algn="l" rtl="0">
+              <a:lnSpc>
+                <a:spcPct val="90000"/>
+              </a:lnSpc>
+              <a:spcBef>
+                <a:spcPts val="500"/>
+              </a:spcBef>
+              <a:spcAft>
+                <a:spcPts val="0"/>
+              </a:spcAft>
+              <a:buClr>
+                <a:srgbClr val="979799"/>
+              </a:buClr>
+              <a:buSzPts val="1600"/>
+              <a:buFont typeface="Arial"/>
+              <a:buNone/>
+              <a:defRPr sz="1600" b="0" i="0" u="none" strike="noStrike" cap="none">
+                <a:solidFill>
+                  <a:srgbClr val="979799"/>
+                </a:solidFill>
+                <a:latin typeface="Corbel"/>
+                <a:ea typeface="Corbel"/>
+                <a:cs typeface="Corbel"/>
+                <a:sym typeface="Corbel"/>
+              </a:defRPr>
+            </a:lvl8pPr>
+            <a:lvl9pPr marL="4114800" marR="0" lvl="8" indent="-228600" algn="l" rtl="0">
+              <a:lnSpc>
+                <a:spcPct val="90000"/>
+              </a:lnSpc>
+              <a:spcBef>
+                <a:spcPts val="500"/>
+              </a:spcBef>
+              <a:spcAft>
+                <a:spcPts val="0"/>
+              </a:spcAft>
+              <a:buClr>
+                <a:srgbClr val="979799"/>
+              </a:buClr>
+              <a:buSzPts val="1600"/>
+              <a:buFont typeface="Arial"/>
+              <a:buNone/>
+              <a:defRPr sz="1600" b="0" i="0" u="none" strike="noStrike" cap="none">
+                <a:solidFill>
+                  <a:srgbClr val="979799"/>
+                </a:solidFill>
+                <a:latin typeface="Corbel"/>
+                <a:ea typeface="Corbel"/>
+                <a:cs typeface="Corbel"/>
+                <a:sym typeface="Corbel"/>
+              </a:defRPr>
+            </a:lvl9pPr>
+          </a:lstStyle>
+          <a:p>
+            <a:pPr marL="228600" indent="0">
+              <a:buClr>
+                <a:schemeClr val="tx1">
+                  <a:lumMod val="50000"/>
+                </a:schemeClr>
+              </a:buClr>
+              <a:buSzPct val="100000"/>
+            </a:pPr>
+            <a:r>
+              <a:rPr lang="en-US" sz="1600" b="1" dirty="0">
+                <a:solidFill>
+                  <a:schemeClr val="tx2">
+                    <a:lumMod val="10000"/>
+                  </a:schemeClr>
+                </a:solidFill>
+              </a:rPr>
+              <a:t>Solution</a:t>
+            </a:r>
+          </a:p>
+          <a:p>
+            <a:pPr marL="514350" indent="-285750">
+              <a:buClr>
+                <a:schemeClr val="tx1">
+                  <a:lumMod val="50000"/>
+                </a:schemeClr>
+              </a:buClr>
+              <a:buSzPct val="100000"/>
+              <a:buFont typeface="Arial" panose="020B0604020202020204" pitchFamily="34" charset="0"/>
+              <a:buChar char="•"/>
+            </a:pPr>
+            <a:r>
+              <a:rPr lang="en-US" sz="1600" dirty="0">
+                <a:solidFill>
+                  <a:schemeClr val="tx2">
+                    <a:lumMod val="10000"/>
+                  </a:schemeClr>
+                </a:solidFill>
+              </a:rPr>
+              <a:t>Monthly Gift Forecast to see what the monthly donation amount would be</a:t>
+            </a:r>
+          </a:p>
+          <a:p>
+            <a:pPr marL="514350" indent="-285750">
+              <a:buClr>
+                <a:schemeClr val="tx1">
+                  <a:lumMod val="50000"/>
+                </a:schemeClr>
+              </a:buClr>
+              <a:buSzPct val="100000"/>
+              <a:buFont typeface="Arial" panose="020B0604020202020204" pitchFamily="34" charset="0"/>
+              <a:buChar char="•"/>
+            </a:pPr>
+            <a:r>
+              <a:rPr lang="en-US" sz="1600" dirty="0">
+                <a:solidFill>
+                  <a:schemeClr val="tx2">
+                    <a:lumMod val="10000"/>
+                  </a:schemeClr>
+                </a:solidFill>
+              </a:rPr>
+              <a:t>Gift Amount Prediction using donation attributes</a:t>
+            </a:r>
+          </a:p>
+          <a:p>
+            <a:pPr marL="514350" indent="-285750">
+              <a:buClr>
+                <a:schemeClr val="tx1">
+                  <a:lumMod val="50000"/>
+                </a:schemeClr>
+              </a:buClr>
+              <a:buSzPct val="100000"/>
+              <a:buFont typeface="Arial" panose="020B0604020202020204" pitchFamily="34" charset="0"/>
+              <a:buChar char="•"/>
+            </a:pPr>
+            <a:endParaRPr lang="en-US" sz="1600" dirty="0">
+              <a:solidFill>
+                <a:schemeClr val="tx2">
+                  <a:lumMod val="10000"/>
+                </a:schemeClr>
+              </a:solidFill>
+            </a:endParaRPr>
+          </a:p>
+        </p:txBody>
+      </p:sp>
+      <p:sp>
+        <p:nvSpPr>
+          <p:cNvPr id="7" name="Right Arrow 6">
+            <a:extLst>
+              <a:ext uri="{FF2B5EF4-FFF2-40B4-BE49-F238E27FC236}">
+                <a16:creationId xmlns:a16="http://schemas.microsoft.com/office/drawing/2014/main" id="{D0DF9F47-A770-A90B-9B9B-B830572F33CA}"/>
+              </a:ext>
+            </a:extLst>
+          </p:cNvPr>
+          <p:cNvSpPr/>
+          <p:nvPr/>
+        </p:nvSpPr>
+        <p:spPr>
+          <a:xfrm>
+            <a:off x="5404207" y="2640458"/>
+            <a:ext cx="2003460" cy="788542"/>
+          </a:xfrm>
+          <a:prstGeom prst="rightArrow">
+            <a:avLst/>
+          </a:prstGeom>
+          <a:solidFill>
+            <a:schemeClr val="accent4"/>
+          </a:solidFill>
+        </p:spPr>
+        <p:style>
+          <a:lnRef idx="2">
+            <a:schemeClr val="accent1">
+              <a:shade val="15000"/>
+            </a:schemeClr>
+          </a:lnRef>
+          <a:fillRef idx="1">
+            <a:schemeClr val="accent1"/>
+          </a:fillRef>
+          <a:effectRef idx="0">
+            <a:schemeClr val="accent1"/>
+          </a:effectRef>
+          <a:fontRef idx="minor">
+            <a:schemeClr val="lt1"/>
+          </a:fontRef>
+        </p:style>
+        <p:txBody>
+          <a:bodyPr rtlCol="0" anchor="ctr"/>
+          <a:lstStyle/>
+          <a:p>
+            <a:pPr algn="ctr"/>
+            <a:endParaRPr lang="en-US"/>
+          </a:p>
+        </p:txBody>
+      </p:sp>
+    </p:spTree>
+    <p:extLst>
+      <p:ext uri="{BB962C8B-B14F-4D97-AF65-F5344CB8AC3E}">
+        <p14:creationId xmlns:p14="http://schemas.microsoft.com/office/powerpoint/2010/main" val="175874496"/>
       </p:ext>
     </p:extLst>
   </p:cSld>
@@ -3954,12 +3901,42 @@
           <a:chExt cx="0" cy="0"/>
         </a:xfrm>
       </p:grpSpPr>
+      <p:pic>
+        <p:nvPicPr>
+          <p:cNvPr id="6" name="Picture 5">
+            <a:extLst>
+              <a:ext uri="{FF2B5EF4-FFF2-40B4-BE49-F238E27FC236}">
+                <a16:creationId xmlns:a16="http://schemas.microsoft.com/office/drawing/2014/main" id="{A5BCEADB-8B6D-D231-1116-1DCCC7D3FBE9}"/>
+              </a:ext>
+            </a:extLst>
+          </p:cNvPr>
+          <p:cNvPicPr>
+            <a:picLocks noChangeAspect="1"/>
+          </p:cNvPicPr>
+          <p:nvPr/>
+        </p:nvPicPr>
+        <p:blipFill>
+          <a:blip r:embed="rId2"/>
+          <a:stretch>
+            <a:fillRect/>
+          </a:stretch>
+        </p:blipFill>
+        <p:spPr>
+          <a:xfrm>
+            <a:off x="0" y="541465"/>
+            <a:ext cx="9433920" cy="3753133"/>
+          </a:xfrm>
+          <a:prstGeom prst="rect">
+            <a:avLst/>
+          </a:prstGeom>
+        </p:spPr>
+      </p:pic>
       <p:sp>
         <p:nvSpPr>
-          <p:cNvPr id="3" name="Text Placeholder 2">
+          <p:cNvPr id="8" name="Text Placeholder 7">
             <a:extLst>
               <a:ext uri="{FF2B5EF4-FFF2-40B4-BE49-F238E27FC236}">
-                <a16:creationId xmlns:a16="http://schemas.microsoft.com/office/drawing/2014/main" id="{DDCDFF9B-EFAC-66ED-F9E4-A732730CD266}"/>
+                <a16:creationId xmlns:a16="http://schemas.microsoft.com/office/drawing/2014/main" id="{DC9027F6-791A-A7F6-6678-F35F1A8B133B}"/>
               </a:ext>
             </a:extLst>
           </p:cNvPr>
@@ -3972,23 +3949,79 @@
         </p:nvSpPr>
         <p:spPr>
           <a:xfrm>
-            <a:off x="529597" y="0"/>
-            <a:ext cx="10675088" cy="748966"/>
+            <a:off x="9513870" y="705852"/>
+            <a:ext cx="2585664" cy="3588746"/>
           </a:xfrm>
         </p:spPr>
         <p:txBody>
-          <a:bodyPr/>
+          <a:bodyPr>
+            <a:normAutofit/>
+          </a:bodyPr>
           <a:lstStyle/>
           <a:p>
+            <a:pPr marL="685800" indent="-457200">
+              <a:buClr>
+                <a:schemeClr val="tx2">
+                  <a:lumMod val="10000"/>
+                </a:schemeClr>
+              </a:buClr>
+              <a:buSzPct val="100000"/>
+              <a:buFont typeface="Arial" panose="020B0604020202020204" pitchFamily="34" charset="0"/>
+              <a:buChar char="•"/>
+            </a:pPr>
             <a:r>
-              <a:rPr lang="en-US" b="1" dirty="0">
+              <a:rPr lang="en-US" sz="1600" dirty="0">
                 <a:solidFill>
                   <a:schemeClr val="tx2">
                     <a:lumMod val="10000"/>
                   </a:schemeClr>
                 </a:solidFill>
               </a:rPr>
-              <a:t>Gift Forecasting</a:t>
+              <a:t>Predicts monthly future gift donations using gift dataset</a:t>
+            </a:r>
+          </a:p>
+          <a:p>
+            <a:pPr marL="1143000" lvl="1" indent="-457200">
+              <a:buClr>
+                <a:schemeClr val="tx2">
+                  <a:lumMod val="10000"/>
+                </a:schemeClr>
+              </a:buClr>
+              <a:buSzPct val="100000"/>
+              <a:buFont typeface="Arial" panose="020B0604020202020204" pitchFamily="34" charset="0"/>
+              <a:buChar char="•"/>
+            </a:pPr>
+            <a:r>
+              <a:rPr lang="en-US" sz="1400" dirty="0">
+                <a:solidFill>
+                  <a:schemeClr val="tx2">
+                    <a:lumMod val="10000"/>
+                  </a:schemeClr>
+                </a:solidFill>
+              </a:rPr>
+              <a:t>Uses ARIMA model</a:t>
+            </a:r>
+          </a:p>
+          <a:p>
+            <a:pPr marL="685800" indent="-457200">
+              <a:buClr>
+                <a:schemeClr val="tx2">
+                  <a:lumMod val="10000"/>
+                </a:schemeClr>
+              </a:buClr>
+              <a:buSzPct val="100000"/>
+              <a:buFont typeface="Arial" panose="020B0604020202020204" pitchFamily="34" charset="0"/>
+              <a:buChar char="•"/>
+            </a:pPr>
+            <a:r>
+              <a:rPr lang="en-US" sz="1600" dirty="0">
+                <a:solidFill>
+                  <a:schemeClr val="tx2">
+                    <a:lumMod val="10000"/>
+                  </a:schemeClr>
+                </a:solidFill>
+              </a:rPr>
+              <a:t>Gives the ability to look 2 years into the future for potential donation amounts</a:t>
             </a:r>
           </a:p>
         </p:txBody>
@@ -4025,10 +4058,10 @@
       </p:grpSpPr>
       <p:sp>
         <p:nvSpPr>
-          <p:cNvPr id="3" name="Text Placeholder 2">
+          <p:cNvPr id="8" name="Text Placeholder 7">
             <a:extLst>
               <a:ext uri="{FF2B5EF4-FFF2-40B4-BE49-F238E27FC236}">
-                <a16:creationId xmlns:a16="http://schemas.microsoft.com/office/drawing/2014/main" id="{DDCDFF9B-EFAC-66ED-F9E4-A732730CD266}"/>
+                <a16:creationId xmlns:a16="http://schemas.microsoft.com/office/drawing/2014/main" id="{DC9027F6-791A-A7F6-6678-F35F1A8B133B}"/>
               </a:ext>
             </a:extLst>
           </p:cNvPr>
@@ -4041,31 +4074,137 @@
         </p:nvSpPr>
         <p:spPr>
           <a:xfrm>
-            <a:off x="529597" y="0"/>
-            <a:ext cx="10675088" cy="748966"/>
+            <a:off x="8609744" y="500369"/>
+            <a:ext cx="3253484" cy="3588746"/>
           </a:xfrm>
         </p:spPr>
         <p:txBody>
-          <a:bodyPr/>
+          <a:bodyPr>
+            <a:normAutofit/>
+          </a:bodyPr>
           <a:lstStyle/>
           <a:p>
+            <a:pPr marL="685800" indent="-457200">
+              <a:buClr>
+                <a:schemeClr val="tx2">
+                  <a:lumMod val="10000"/>
+                </a:schemeClr>
+              </a:buClr>
+              <a:buSzPct val="100000"/>
+              <a:buFont typeface="Arial" panose="020B0604020202020204" pitchFamily="34" charset="0"/>
+              <a:buChar char="•"/>
+            </a:pPr>
             <a:r>
-              <a:rPr lang="en-US" b="1" dirty="0">
+              <a:rPr lang="en-US" sz="1600" dirty="0">
                 <a:solidFill>
                   <a:schemeClr val="tx2">
                     <a:lumMod val="10000"/>
                   </a:schemeClr>
                 </a:solidFill>
               </a:rPr>
-              <a:t>Next Best Gift</a:t>
+              <a:t>Provides the ability to generate a donation amount based on donation attributes.  Also uses the donor segmentation</a:t>
+            </a:r>
+          </a:p>
+          <a:p>
+            <a:pPr marL="1143000" lvl="1" indent="-457200">
+              <a:buClr>
+                <a:schemeClr val="tx2">
+                  <a:lumMod val="10000"/>
+                </a:schemeClr>
+              </a:buClr>
+              <a:buSzPct val="100000"/>
+              <a:buFont typeface="Arial" panose="020B0604020202020204" pitchFamily="34" charset="0"/>
+              <a:buChar char="•"/>
+            </a:pPr>
+            <a:r>
+              <a:rPr lang="en-US" sz="1400" dirty="0">
+                <a:solidFill>
+                  <a:schemeClr val="tx2">
+                    <a:lumMod val="10000"/>
+                  </a:schemeClr>
+                </a:solidFill>
+              </a:rPr>
+              <a:t>Uses </a:t>
+            </a:r>
+            <a:r>
+              <a:rPr lang="en-US" sz="1400" dirty="0" err="1">
+                <a:solidFill>
+                  <a:schemeClr val="tx2">
+                    <a:lumMod val="10000"/>
+                  </a:schemeClr>
+                </a:solidFill>
+              </a:rPr>
+              <a:t>xgboost</a:t>
+            </a:r>
+            <a:r>
+              <a:rPr lang="en-US" sz="1400" dirty="0">
+                <a:solidFill>
+                  <a:schemeClr val="tx2">
+                    <a:lumMod val="10000"/>
+                  </a:schemeClr>
+                </a:solidFill>
+              </a:rPr>
+              <a:t> machine learning model for prediction</a:t>
+            </a:r>
+          </a:p>
+          <a:p>
+            <a:pPr marL="685800" indent="-457200">
+              <a:buClr>
+                <a:schemeClr val="tx2">
+                  <a:lumMod val="10000"/>
+                </a:schemeClr>
+              </a:buClr>
+              <a:buSzPct val="100000"/>
+              <a:buFont typeface="Arial" panose="020B0604020202020204" pitchFamily="34" charset="0"/>
+              <a:buChar char="•"/>
+            </a:pPr>
+            <a:r>
+              <a:rPr lang="en-US" sz="1600" dirty="0">
+                <a:solidFill>
+                  <a:schemeClr val="tx2">
+                    <a:lumMod val="10000"/>
+                  </a:schemeClr>
+                </a:solidFill>
+              </a:rPr>
+              <a:t>Could be used as part of the engagement strategy to create customized donation amounts for constituents</a:t>
             </a:r>
           </a:p>
         </p:txBody>
       </p:sp>
+      <p:pic>
+        <p:nvPicPr>
+          <p:cNvPr id="3" name="Picture 2">
+            <a:extLst>
+              <a:ext uri="{FF2B5EF4-FFF2-40B4-BE49-F238E27FC236}">
+                <a16:creationId xmlns:a16="http://schemas.microsoft.com/office/drawing/2014/main" id="{2D677CF3-10F9-05B1-F069-87064A276940}"/>
+              </a:ext>
+            </a:extLst>
+          </p:cNvPr>
+          <p:cNvPicPr>
+            <a:picLocks noChangeAspect="1"/>
+          </p:cNvPicPr>
+          <p:nvPr/>
+        </p:nvPicPr>
+        <p:blipFill>
+          <a:blip r:embed="rId2"/>
+          <a:stretch>
+            <a:fillRect/>
+          </a:stretch>
+        </p:blipFill>
+        <p:spPr>
+          <a:xfrm>
+            <a:off x="433798" y="310080"/>
+            <a:ext cx="7772400" cy="4857750"/>
+          </a:xfrm>
+          <a:prstGeom prst="rect">
+            <a:avLst/>
+          </a:prstGeom>
+        </p:spPr>
+      </p:pic>
     </p:spTree>
     <p:extLst>
       <p:ext uri="{BB962C8B-B14F-4D97-AF65-F5344CB8AC3E}">
-        <p14:creationId xmlns:p14="http://schemas.microsoft.com/office/powerpoint/2010/main" val="436463534"/>
+        <p14:creationId xmlns:p14="http://schemas.microsoft.com/office/powerpoint/2010/main" val="26458530"/>
       </p:ext>
     </p:extLst>
   </p:cSld>
@@ -4202,8 +4341,26 @@
                   </a:schemeClr>
                 </a:solidFill>
               </a:rPr>
-              <a:t>Build out weekly, monthly and yearly insights using donation KPIs</a:t>
+              <a:t>Build out weekly, monthly and yearly insights using donation </a:t>
             </a:r>
+            <a:r>
+              <a:rPr lang="en-US" sz="2800" dirty="0">
+                <a:solidFill>
+                  <a:schemeClr val="tx2">
+                    <a:lumMod val="10000"/>
+                  </a:schemeClr>
+                </a:solidFill>
+                <a:hlinkClick r:id="rId2"/>
+              </a:rPr>
+              <a:t>KPIs</a:t>
+            </a:r>
+            <a:endParaRPr lang="en-US" sz="2800" dirty="0">
+              <a:solidFill>
+                <a:schemeClr val="tx2">
+                  <a:lumMod val="10000"/>
+                </a:schemeClr>
+              </a:solidFill>
+            </a:endParaRPr>
           </a:p>
           <a:p>
             <a:pPr marL="514350" indent="-285750">
@@ -4247,6 +4404,28 @@
                 </a:solidFill>
               </a:rPr>
               <a:t>Detailed dive into video communication opportunities</a:t>
+            </a:r>
+          </a:p>
+          <a:p>
+            <a:pPr marL="514350" indent="-285750">
+              <a:buClr>
+                <a:schemeClr val="tx1">
+                  <a:lumMod val="50000"/>
+                </a:schemeClr>
+              </a:buClr>
+              <a:buSzPct val="100000"/>
+              <a:buFont typeface="Arial" panose="020B0604020202020204" pitchFamily="34" charset="0"/>
+              <a:buChar char="•"/>
+            </a:pPr>
+            <a:r>
+              <a:rPr lang="en-US" sz="2800" dirty="0">
+                <a:solidFill>
+                  <a:schemeClr val="tx2">
+                    <a:lumMod val="10000"/>
+                  </a:schemeClr>
+                </a:solidFill>
+              </a:rPr>
+              <a:t>Refine forecasting and machine learning models</a:t>
             </a:r>
           </a:p>
           <a:p>
@@ -4507,7 +4686,7 @@
                   </a:schemeClr>
                 </a:solidFill>
               </a:rPr>
-              <a:t>Makana mean </a:t>
+              <a:t>Makana means </a:t>
             </a:r>
             <a:br>
               <a:rPr lang="en-US" sz="5400" dirty="0">
@@ -5650,7 +5829,7 @@
                   </a:schemeClr>
                 </a:solidFill>
               </a:rPr>
-              <a:t>Donation Overview</a:t>
+              <a:t>Donation Overview &amp; Insights</a:t>
             </a:r>
           </a:p>
         </p:txBody>
@@ -6107,8 +6286,8 @@
         </p:nvSpPr>
         <p:spPr>
           <a:xfrm>
-            <a:off x="258492" y="2541275"/>
-            <a:ext cx="4948790" cy="1815882"/>
+            <a:off x="215510" y="2243760"/>
+            <a:ext cx="4948790" cy="2523768"/>
           </a:xfrm>
           <a:prstGeom prst="rect">
             <a:avLst/>
@@ -6121,11 +6300,27 @@
           </a:bodyPr>
           <a:lstStyle/>
           <a:p>
+            <a:pPr marL="285750" indent="-285750">
+              <a:buFont typeface="Arial" panose="020B0604020202020204" pitchFamily="34" charset="0"/>
+              <a:buChar char="•"/>
+            </a:pPr>
             <a:r>
-              <a:rPr lang="en-US" dirty="0">
+              <a:rPr lang="en-US" sz="1600" dirty="0">
                 <a:latin typeface="Corbel" panose="020B0503020204020204" pitchFamily="34" charset="0"/>
               </a:rPr>
-              <a:t>Recently, your organization expanded, attracting a new pool of potential donors. With this expansion, the vice president of advancement has tasked your team with developing data-driven fundraising portfolios for the new prospect pool. This challenge is not just about identifying prospects but about strategically organizing them into portfolios that maximize fundraising efficiency and impact.</a:t>
+              <a:t>Recently, your organization expanded, attracting a new pool of potential donors. With this expansion, the vice president of advancement has tasked your team with developing data-driven fundraising portfolios for the new prospect pool. </a:t>
+            </a:r>
+          </a:p>
+          <a:p>
+            <a:pPr marL="285750" indent="-285750">
+              <a:buFont typeface="Arial" panose="020B0604020202020204" pitchFamily="34" charset="0"/>
+              <a:buChar char="•"/>
+            </a:pPr>
+            <a:r>
+              <a:rPr lang="en-US" sz="1600" dirty="0">
+                <a:latin typeface="Corbel" panose="020B0503020204020204" pitchFamily="34" charset="0"/>
+              </a:rPr>
+              <a:t>This challenge is not just about identifying prospects but about strategically organizing them into portfolios that maximize fundraising efficiency and impact.</a:t>
             </a:r>
           </a:p>
           <a:p>
@@ -6149,7 +6344,7 @@
         </p:nvSpPr>
         <p:spPr>
           <a:xfrm>
-            <a:off x="253274" y="1726058"/>
+            <a:off x="210292" y="1428543"/>
             <a:ext cx="6097712" cy="523220"/>
           </a:xfrm>
           <a:prstGeom prst="rect">
@@ -6204,10 +6399,10 @@
       </p:grpSpPr>
       <p:sp>
         <p:nvSpPr>
-          <p:cNvPr id="2" name="Title 1">
+          <p:cNvPr id="4" name="Text Placeholder 3">
             <a:extLst>
               <a:ext uri="{FF2B5EF4-FFF2-40B4-BE49-F238E27FC236}">
-                <a16:creationId xmlns:a16="http://schemas.microsoft.com/office/drawing/2014/main" id="{074EA6BA-245D-01C6-93D0-54B7131C38A0}"/>
+                <a16:creationId xmlns:a16="http://schemas.microsoft.com/office/drawing/2014/main" id="{229049EE-DBCD-06A1-10C4-3CF9402809A5}"/>
               </a:ext>
             </a:extLst>
           </p:cNvPr>
@@ -6215,31 +6410,100 @@
             <a:spLocks noGrp="1"/>
           </p:cNvSpPr>
           <p:nvPr>
-            <p:ph type="title"/>
+            <p:ph type="body" idx="1"/>
           </p:nvPr>
         </p:nvSpPr>
-        <p:spPr/>
+        <p:spPr>
+          <a:xfrm>
+            <a:off x="8687278" y="561841"/>
+            <a:ext cx="2562924" cy="2273826"/>
+          </a:xfrm>
+        </p:spPr>
         <p:txBody>
-          <a:bodyPr/>
+          <a:bodyPr>
+            <a:normAutofit/>
+          </a:bodyPr>
           <a:lstStyle/>
           <a:p>
+            <a:pPr marL="514350" indent="-285750">
+              <a:buClr>
+                <a:schemeClr val="tx1">
+                  <a:lumMod val="50000"/>
+                </a:schemeClr>
+              </a:buClr>
+              <a:buSzPct val="100000"/>
+              <a:buFont typeface="Arial" panose="020B0604020202020204" pitchFamily="34" charset="0"/>
+              <a:buChar char="•"/>
+            </a:pPr>
             <a:r>
-              <a:rPr lang="en-US" dirty="0">
+              <a:rPr lang="en-US" sz="1600" dirty="0">
                 <a:solidFill>
                   <a:schemeClr val="tx2">
                     <a:lumMod val="10000"/>
                   </a:schemeClr>
                 </a:solidFill>
               </a:rPr>
-              <a:t>Donation Data Insights</a:t>
+              <a:t>Visits are aligned with higher gift amounts</a:t>
+            </a:r>
+          </a:p>
+          <a:p>
+            <a:pPr marL="514350" indent="-285750">
+              <a:buClr>
+                <a:schemeClr val="tx1">
+                  <a:lumMod val="50000"/>
+                </a:schemeClr>
+              </a:buClr>
+              <a:buSzPct val="100000"/>
+              <a:buFont typeface="Arial" panose="020B0604020202020204" pitchFamily="34" charset="0"/>
+              <a:buChar char="•"/>
+            </a:pPr>
+            <a:r>
+              <a:rPr lang="en-US" sz="1600" dirty="0">
+                <a:solidFill>
+                  <a:schemeClr val="tx2">
+                    <a:lumMod val="10000"/>
+                  </a:schemeClr>
+                </a:solidFill>
+              </a:rPr>
+              <a:t>Opportunities to improve donation approach with respect to virtual visits and event approaches </a:t>
             </a:r>
           </a:p>
         </p:txBody>
       </p:sp>
+      <p:pic>
+        <p:nvPicPr>
+          <p:cNvPr id="8" name="Picture 7">
+            <a:extLst>
+              <a:ext uri="{FF2B5EF4-FFF2-40B4-BE49-F238E27FC236}">
+                <a16:creationId xmlns:a16="http://schemas.microsoft.com/office/drawing/2014/main" id="{208A9133-698F-BE7F-F553-B5CD5F62AC04}"/>
+              </a:ext>
+            </a:extLst>
+          </p:cNvPr>
+          <p:cNvPicPr>
+            <a:picLocks noChangeAspect="1"/>
+          </p:cNvPicPr>
+          <p:nvPr/>
+        </p:nvPicPr>
+        <p:blipFill>
+          <a:blip r:embed="rId2"/>
+          <a:stretch>
+            <a:fillRect/>
+          </a:stretch>
+        </p:blipFill>
+        <p:spPr>
+          <a:xfrm>
+            <a:off x="360523" y="561840"/>
+            <a:ext cx="7450251" cy="5037575"/>
+          </a:xfrm>
+          <a:prstGeom prst="rect">
+            <a:avLst/>
+          </a:prstGeom>
+        </p:spPr>
+      </p:pic>
     </p:spTree>
     <p:extLst>
       <p:ext uri="{BB962C8B-B14F-4D97-AF65-F5344CB8AC3E}">
-        <p14:creationId xmlns:p14="http://schemas.microsoft.com/office/powerpoint/2010/main" val="1617391536"/>
+        <p14:creationId xmlns:p14="http://schemas.microsoft.com/office/powerpoint/2010/main" val="1033822975"/>
       </p:ext>
     </p:extLst>
   </p:cSld>
@@ -6284,13 +6548,13 @@
         </p:nvSpPr>
         <p:spPr>
           <a:xfrm>
-            <a:off x="8687278" y="561841"/>
-            <a:ext cx="2562924" cy="2273826"/>
+            <a:off x="8687278" y="561840"/>
+            <a:ext cx="2562924" cy="2684793"/>
           </a:xfrm>
         </p:spPr>
         <p:txBody>
           <a:bodyPr>
-            <a:normAutofit/>
+            <a:normAutofit lnSpcReduction="10000"/>
           </a:bodyPr>
           <a:lstStyle/>
           <a:p>
@@ -6312,7 +6576,7 @@
                   </a:schemeClr>
                 </a:solidFill>
               </a:rPr>
-              <a:t>Visits are aligned with higher gift amounts</a:t>
+              <a:t>2016 saw the highest average gift amount of $2260</a:t>
             </a:r>
           </a:p>
           <a:p>
@@ -6334,17 +6598,39 @@
                   </a:schemeClr>
                 </a:solidFill>
               </a:rPr>
-              <a:t>Opportunities to improve donation approach with respect to virtual visits and event approaches </a:t>
+              <a:t>2025 is showing a better average gift amount compared to the last 3 years</a:t>
+            </a:r>
+          </a:p>
+          <a:p>
+            <a:pPr marL="514350" indent="-285750">
+              <a:buClr>
+                <a:schemeClr val="tx1">
+                  <a:lumMod val="50000"/>
+                </a:schemeClr>
+              </a:buClr>
+              <a:buSzPct val="100000"/>
+              <a:buFont typeface="Arial" panose="020B0604020202020204" pitchFamily="34" charset="0"/>
+              <a:buChar char="•"/>
+            </a:pPr>
+            <a:r>
+              <a:rPr lang="en-US" sz="1600" dirty="0">
+                <a:solidFill>
+                  <a:schemeClr val="tx2">
+                    <a:lumMod val="10000"/>
+                  </a:schemeClr>
+                </a:solidFill>
+              </a:rPr>
+              <a:t>Opportunity to have a consistent gift amount year after year</a:t>
             </a:r>
           </a:p>
         </p:txBody>
       </p:sp>
       <p:pic>
         <p:nvPicPr>
-          <p:cNvPr id="8" name="Picture 7">
+          <p:cNvPr id="3" name="Picture 2">
             <a:extLst>
               <a:ext uri="{FF2B5EF4-FFF2-40B4-BE49-F238E27FC236}">
-                <a16:creationId xmlns:a16="http://schemas.microsoft.com/office/drawing/2014/main" id="{208A9133-698F-BE7F-F553-B5CD5F62AC04}"/>
+                <a16:creationId xmlns:a16="http://schemas.microsoft.com/office/drawing/2014/main" id="{71AFCE05-E779-1719-12F7-D4F8C0EE8C12}"/>
               </a:ext>
             </a:extLst>
           </p:cNvPr>
@@ -6361,8 +6647,8 @@
         </p:blipFill>
         <p:spPr>
           <a:xfrm>
-            <a:off x="360523" y="561840"/>
-            <a:ext cx="7450251" cy="5037575"/>
+            <a:off x="319426" y="561841"/>
+            <a:ext cx="7926611" cy="5181413"/>
           </a:xfrm>
           <a:prstGeom prst="rect">
             <a:avLst/>
@@ -6372,7 +6658,7 @@
     </p:spTree>
     <p:extLst>
       <p:ext uri="{BB962C8B-B14F-4D97-AF65-F5344CB8AC3E}">
-        <p14:creationId xmlns:p14="http://schemas.microsoft.com/office/powerpoint/2010/main" val="1033822975"/>
+        <p14:creationId xmlns:p14="http://schemas.microsoft.com/office/powerpoint/2010/main" val="2978884051"/>
       </p:ext>
     </p:extLst>
   </p:cSld>
@@ -6423,161 +6709,6 @@
         </p:spPr>
         <p:txBody>
           <a:bodyPr>
-            <a:normAutofit lnSpcReduction="10000"/>
-          </a:bodyPr>
-          <a:lstStyle/>
-          <a:p>
-            <a:pPr marL="514350" indent="-285750">
-              <a:buClr>
-                <a:schemeClr val="tx1">
-                  <a:lumMod val="50000"/>
-                </a:schemeClr>
-              </a:buClr>
-              <a:buSzPct val="100000"/>
-              <a:buFont typeface="Arial" panose="020B0604020202020204" pitchFamily="34" charset="0"/>
-              <a:buChar char="•"/>
-            </a:pPr>
-            <a:r>
-              <a:rPr lang="en-US" sz="1600" dirty="0">
-                <a:solidFill>
-                  <a:schemeClr val="tx2">
-                    <a:lumMod val="10000"/>
-                  </a:schemeClr>
-                </a:solidFill>
-              </a:rPr>
-              <a:t>2016 saw the highest average gift amount of $2260</a:t>
-            </a:r>
-          </a:p>
-          <a:p>
-            <a:pPr marL="514350" indent="-285750">
-              <a:buClr>
-                <a:schemeClr val="tx1">
-                  <a:lumMod val="50000"/>
-                </a:schemeClr>
-              </a:buClr>
-              <a:buSzPct val="100000"/>
-              <a:buFont typeface="Arial" panose="020B0604020202020204" pitchFamily="34" charset="0"/>
-              <a:buChar char="•"/>
-            </a:pPr>
-            <a:r>
-              <a:rPr lang="en-US" sz="1600" dirty="0">
-                <a:solidFill>
-                  <a:schemeClr val="tx2">
-                    <a:lumMod val="10000"/>
-                  </a:schemeClr>
-                </a:solidFill>
-              </a:rPr>
-              <a:t>2025 is showing a better average gift amount compared to the last 3 years</a:t>
-            </a:r>
-          </a:p>
-          <a:p>
-            <a:pPr marL="514350" indent="-285750">
-              <a:buClr>
-                <a:schemeClr val="tx1">
-                  <a:lumMod val="50000"/>
-                </a:schemeClr>
-              </a:buClr>
-              <a:buSzPct val="100000"/>
-              <a:buFont typeface="Arial" panose="020B0604020202020204" pitchFamily="34" charset="0"/>
-              <a:buChar char="•"/>
-            </a:pPr>
-            <a:r>
-              <a:rPr lang="en-US" sz="1600" dirty="0">
-                <a:solidFill>
-                  <a:schemeClr val="tx2">
-                    <a:lumMod val="10000"/>
-                  </a:schemeClr>
-                </a:solidFill>
-              </a:rPr>
-              <a:t>Opportunity to have a consistent gift amount year after year</a:t>
-            </a:r>
-          </a:p>
-        </p:txBody>
-      </p:sp>
-      <p:pic>
-        <p:nvPicPr>
-          <p:cNvPr id="3" name="Picture 2">
-            <a:extLst>
-              <a:ext uri="{FF2B5EF4-FFF2-40B4-BE49-F238E27FC236}">
-                <a16:creationId xmlns:a16="http://schemas.microsoft.com/office/drawing/2014/main" id="{71AFCE05-E779-1719-12F7-D4F8C0EE8C12}"/>
-              </a:ext>
-            </a:extLst>
-          </p:cNvPr>
-          <p:cNvPicPr>
-            <a:picLocks noChangeAspect="1"/>
-          </p:cNvPicPr>
-          <p:nvPr/>
-        </p:nvPicPr>
-        <p:blipFill>
-          <a:blip r:embed="rId2"/>
-          <a:stretch>
-            <a:fillRect/>
-          </a:stretch>
-        </p:blipFill>
-        <p:spPr>
-          <a:xfrm>
-            <a:off x="319426" y="561841"/>
-            <a:ext cx="7926611" cy="5181413"/>
-          </a:xfrm>
-          <a:prstGeom prst="rect">
-            <a:avLst/>
-          </a:prstGeom>
-        </p:spPr>
-      </p:pic>
-    </p:spTree>
-    <p:extLst>
-      <p:ext uri="{BB962C8B-B14F-4D97-AF65-F5344CB8AC3E}">
-        <p14:creationId xmlns:p14="http://schemas.microsoft.com/office/powerpoint/2010/main" val="2978884051"/>
-      </p:ext>
-    </p:extLst>
-  </p:cSld>
-  <p:clrMapOvr>
-    <a:masterClrMapping/>
-  </p:clrMapOvr>
-</p:sld>
-</file>
-
-<file path=ppt/slides/slide8.xml><?xml version="1.0" encoding="utf-8"?>
-<p:sld xmlns:a="http://schemas.openxmlformats.org/drawingml/2006/main" xmlns:r="http://schemas.openxmlformats.org/officeDocument/2006/relationships" xmlns:p="http://schemas.openxmlformats.org/presentationml/2006/main">
-  <p:cSld>
-    <p:spTree>
-      <p:nvGrpSpPr>
-        <p:cNvPr id="1" name=""/>
-        <p:cNvGrpSpPr/>
-        <p:nvPr/>
-      </p:nvGrpSpPr>
-      <p:grpSpPr>
-        <a:xfrm>
-          <a:off x="0" y="0"/>
-          <a:ext cx="0" cy="0"/>
-          <a:chOff x="0" y="0"/>
-          <a:chExt cx="0" cy="0"/>
-        </a:xfrm>
-      </p:grpSpPr>
-      <p:sp>
-        <p:nvSpPr>
-          <p:cNvPr id="4" name="Text Placeholder 3">
-            <a:extLst>
-              <a:ext uri="{FF2B5EF4-FFF2-40B4-BE49-F238E27FC236}">
-                <a16:creationId xmlns:a16="http://schemas.microsoft.com/office/drawing/2014/main" id="{229049EE-DBCD-06A1-10C4-3CF9402809A5}"/>
-              </a:ext>
-            </a:extLst>
-          </p:cNvPr>
-          <p:cNvSpPr>
-            <a:spLocks noGrp="1"/>
-          </p:cNvSpPr>
-          <p:nvPr>
-            <p:ph type="body" idx="1"/>
-          </p:nvPr>
-        </p:nvSpPr>
-        <p:spPr>
-          <a:xfrm>
-            <a:off x="8687278" y="561840"/>
-            <a:ext cx="2562924" cy="2684793"/>
-          </a:xfrm>
-        </p:spPr>
-        <p:txBody>
-          <a:bodyPr>
             <a:normAutofit/>
           </a:bodyPr>
           <a:lstStyle/>
@@ -6670,7 +6801,7 @@
 </p:sld>
 </file>
 
-<file path=ppt/slides/slide9.xml><?xml version="1.0" encoding="utf-8"?>
+<file path=ppt/slides/slide8.xml><?xml version="1.0" encoding="utf-8"?>
 <p:sld xmlns:a="http://schemas.openxmlformats.org/drawingml/2006/main" xmlns:r="http://schemas.openxmlformats.org/officeDocument/2006/relationships" xmlns:p="http://schemas.openxmlformats.org/presentationml/2006/main">
   <p:cSld>
     <p:spTree>
@@ -6725,6 +6856,160 @@
     <p:extLst>
       <p:ext uri="{BB962C8B-B14F-4D97-AF65-F5344CB8AC3E}">
         <p14:creationId xmlns:p14="http://schemas.microsoft.com/office/powerpoint/2010/main" val="4179264079"/>
+      </p:ext>
+    </p:extLst>
+  </p:cSld>
+  <p:clrMapOvr>
+    <a:masterClrMapping/>
+  </p:clrMapOvr>
+</p:sld>
+</file>
+
+<file path=ppt/slides/slide9.xml><?xml version="1.0" encoding="utf-8"?>
+<p:sld xmlns:a="http://schemas.openxmlformats.org/drawingml/2006/main" xmlns:r="http://schemas.openxmlformats.org/officeDocument/2006/relationships" xmlns:p="http://schemas.openxmlformats.org/presentationml/2006/main">
+  <p:cSld>
+    <p:spTree>
+      <p:nvGrpSpPr>
+        <p:cNvPr id="1" name=""/>
+        <p:cNvGrpSpPr/>
+        <p:nvPr/>
+      </p:nvGrpSpPr>
+      <p:grpSpPr>
+        <a:xfrm>
+          <a:off x="0" y="0"/>
+          <a:ext cx="0" cy="0"/>
+          <a:chOff x="0" y="0"/>
+          <a:chExt cx="0" cy="0"/>
+        </a:xfrm>
+      </p:grpSpPr>
+      <p:sp>
+        <p:nvSpPr>
+          <p:cNvPr id="4" name="Text Placeholder 3">
+            <a:extLst>
+              <a:ext uri="{FF2B5EF4-FFF2-40B4-BE49-F238E27FC236}">
+                <a16:creationId xmlns:a16="http://schemas.microsoft.com/office/drawing/2014/main" id="{229049EE-DBCD-06A1-10C4-3CF9402809A5}"/>
+              </a:ext>
+            </a:extLst>
+          </p:cNvPr>
+          <p:cNvSpPr>
+            <a:spLocks noGrp="1"/>
+          </p:cNvSpPr>
+          <p:nvPr>
+            <p:ph type="body" idx="1"/>
+          </p:nvPr>
+        </p:nvSpPr>
+        <p:spPr>
+          <a:xfrm>
+            <a:off x="1313379" y="4857187"/>
+            <a:ext cx="7561781" cy="2150537"/>
+          </a:xfrm>
+        </p:spPr>
+        <p:txBody>
+          <a:bodyPr>
+            <a:normAutofit/>
+          </a:bodyPr>
+          <a:lstStyle/>
+          <a:p>
+            <a:pPr marL="514350" indent="-285750">
+              <a:buClr>
+                <a:schemeClr val="tx1">
+                  <a:lumMod val="50000"/>
+                </a:schemeClr>
+              </a:buClr>
+              <a:buSzPct val="100000"/>
+              <a:buFont typeface="Arial" panose="020B0604020202020204" pitchFamily="34" charset="0"/>
+              <a:buChar char="•"/>
+            </a:pPr>
+            <a:r>
+              <a:rPr lang="en-US" sz="1600" dirty="0">
+                <a:solidFill>
+                  <a:schemeClr val="tx2">
+                    <a:lumMod val="10000"/>
+                  </a:schemeClr>
+                </a:solidFill>
+              </a:rPr>
+              <a:t>Leverages </a:t>
+            </a:r>
+            <a:r>
+              <a:rPr lang="en-US" sz="1600" dirty="0">
+                <a:solidFill>
+                  <a:schemeClr val="tx2">
+                    <a:lumMod val="10000"/>
+                  </a:schemeClr>
+                </a:solidFill>
+                <a:hlinkClick r:id="rId2"/>
+              </a:rPr>
+              <a:t>RFM Analysis </a:t>
+            </a:r>
+            <a:r>
+              <a:rPr lang="en-US" sz="1600" dirty="0">
+                <a:solidFill>
+                  <a:schemeClr val="tx2">
+                    <a:lumMod val="10000"/>
+                  </a:schemeClr>
+                </a:solidFill>
+              </a:rPr>
+              <a:t>to segment donors using R</a:t>
+            </a:r>
+          </a:p>
+          <a:p>
+            <a:pPr marL="514350" indent="-285750">
+              <a:buClr>
+                <a:schemeClr val="tx1">
+                  <a:lumMod val="50000"/>
+                </a:schemeClr>
+              </a:buClr>
+              <a:buSzPct val="100000"/>
+              <a:buFont typeface="Arial" panose="020B0604020202020204" pitchFamily="34" charset="0"/>
+              <a:buChar char="•"/>
+            </a:pPr>
+            <a:r>
+              <a:rPr lang="en-US" sz="1600" dirty="0">
+                <a:solidFill>
+                  <a:schemeClr val="tx2">
+                    <a:lumMod val="10000"/>
+                  </a:schemeClr>
+                </a:solidFill>
+              </a:rPr>
+              <a:t>Highlights engagement strategy for each donor group</a:t>
+            </a:r>
+          </a:p>
+        </p:txBody>
+      </p:sp>
+      <p:pic>
+        <p:nvPicPr>
+          <p:cNvPr id="5" name="Picture 4">
+            <a:extLst>
+              <a:ext uri="{FF2B5EF4-FFF2-40B4-BE49-F238E27FC236}">
+                <a16:creationId xmlns:a16="http://schemas.microsoft.com/office/drawing/2014/main" id="{7B8B271A-C082-D490-1C28-742C264C47E4}"/>
+              </a:ext>
+            </a:extLst>
+          </p:cNvPr>
+          <p:cNvPicPr>
+            <a:picLocks noChangeAspect="1"/>
+          </p:cNvPicPr>
+          <p:nvPr/>
+        </p:nvPicPr>
+        <p:blipFill>
+          <a:blip r:embed="rId3"/>
+          <a:stretch>
+            <a:fillRect/>
+          </a:stretch>
+        </p:blipFill>
+        <p:spPr>
+          <a:xfrm>
+            <a:off x="1313379" y="471906"/>
+            <a:ext cx="9565242" cy="4269192"/>
+          </a:xfrm>
+          <a:prstGeom prst="rect">
+            <a:avLst/>
+          </a:prstGeom>
+        </p:spPr>
+      </p:pic>
+    </p:spTree>
+    <p:extLst>
+      <p:ext uri="{BB962C8B-B14F-4D97-AF65-F5344CB8AC3E}">
+        <p14:creationId xmlns:p14="http://schemas.microsoft.com/office/powerpoint/2010/main" val="166117221"/>
       </p:ext>
     </p:extLst>
   </p:cSld>
